--- a/JavaBasic/src/t_teamproject/teamproject_02/document/forSubmission/포트폴리오.pptx
+++ b/JavaBasic/src/t_teamproject/teamproject_02/document/forSubmission/포트폴리오.pptx
@@ -6,15 +6,21 @@
   </p:sldMasterIdLst>
   <p:sldIdLst>
     <p:sldId id="265" r:id="rId2"/>
-    <p:sldId id="266" r:id="rId3"/>
-    <p:sldId id="262" r:id="rId4"/>
-    <p:sldId id="257" r:id="rId5"/>
-    <p:sldId id="258" r:id="rId6"/>
-    <p:sldId id="261" r:id="rId7"/>
-    <p:sldId id="259" r:id="rId8"/>
-    <p:sldId id="263" r:id="rId9"/>
-    <p:sldId id="260" r:id="rId10"/>
-    <p:sldId id="264" r:id="rId11"/>
+    <p:sldId id="267" r:id="rId3"/>
+    <p:sldId id="272" r:id="rId4"/>
+    <p:sldId id="266" r:id="rId5"/>
+    <p:sldId id="268" r:id="rId6"/>
+    <p:sldId id="269" r:id="rId7"/>
+    <p:sldId id="270" r:id="rId8"/>
+    <p:sldId id="271" r:id="rId9"/>
+    <p:sldId id="262" r:id="rId10"/>
+    <p:sldId id="257" r:id="rId11"/>
+    <p:sldId id="258" r:id="rId12"/>
+    <p:sldId id="261" r:id="rId13"/>
+    <p:sldId id="259" r:id="rId14"/>
+    <p:sldId id="263" r:id="rId15"/>
+    <p:sldId id="260" r:id="rId16"/>
+    <p:sldId id="264" r:id="rId17"/>
   </p:sldIdLst>
   <p:sldSz cx="12192000" cy="6858000"/>
   <p:notesSz cx="6858000" cy="9144000"/>
@@ -3036,127 +3042,9 @@
           <a:chExt cx="0" cy="0"/>
         </a:xfrm>
       </p:grpSpPr>
-      <p:pic>
-        <p:nvPicPr>
-          <p:cNvPr id="2" name="그림 1"/>
-          <p:cNvPicPr>
-            <a:picLocks noChangeAspect="1"/>
-          </p:cNvPicPr>
-          <p:nvPr/>
-        </p:nvPicPr>
-        <p:blipFill>
-          <a:blip r:embed="rId2">
-            <a:extLst>
-              <a:ext uri="{28A0092B-C50C-407E-A947-70E740481C1C}">
-                <a14:useLocalDpi xmlns:a14="http://schemas.microsoft.com/office/drawing/2010/main" val="0"/>
-              </a:ext>
-            </a:extLst>
-          </a:blip>
-          <a:stretch>
-            <a:fillRect/>
-          </a:stretch>
-        </p:blipFill>
-        <p:spPr>
-          <a:xfrm>
-            <a:off x="2063579" y="86497"/>
-            <a:ext cx="7867135" cy="6858000"/>
-          </a:xfrm>
-          <a:prstGeom prst="rect">
-            <a:avLst/>
-          </a:prstGeom>
-        </p:spPr>
-      </p:pic>
-    </p:spTree>
-    <p:extLst>
-      <p:ext uri="{BB962C8B-B14F-4D97-AF65-F5344CB8AC3E}">
-        <p14:creationId xmlns:p14="http://schemas.microsoft.com/office/powerpoint/2010/main" val="584378978"/>
-      </p:ext>
-    </p:extLst>
-  </p:cSld>
-  <p:clrMapOvr>
-    <a:masterClrMapping/>
-  </p:clrMapOvr>
-</p:sld>
-</file>
-
-<file path=ppt/slides/slide2.xml><?xml version="1.0" encoding="utf-8"?>
-<p:sld xmlns:a="http://schemas.openxmlformats.org/drawingml/2006/main" xmlns:r="http://schemas.openxmlformats.org/officeDocument/2006/relationships" xmlns:p="http://schemas.openxmlformats.org/presentationml/2006/main">
-  <p:cSld>
-    <p:spTree>
-      <p:nvGrpSpPr>
-        <p:cNvPr id="1" name=""/>
-        <p:cNvGrpSpPr/>
-        <p:nvPr/>
-      </p:nvGrpSpPr>
-      <p:grpSpPr>
-        <a:xfrm>
-          <a:off x="0" y="0"/>
-          <a:ext cx="0" cy="0"/>
-          <a:chOff x="0" y="0"/>
-          <a:chExt cx="0" cy="0"/>
-        </a:xfrm>
-      </p:grpSpPr>
       <p:sp>
         <p:nvSpPr>
           <p:cNvPr id="2" name="제목 1"/>
-          <p:cNvSpPr>
-            <a:spLocks noGrp="1"/>
-          </p:cNvSpPr>
-          <p:nvPr>
-            <p:ph type="title"/>
-          </p:nvPr>
-        </p:nvSpPr>
-        <p:spPr>
-          <a:xfrm>
-            <a:off x="0" y="0"/>
-            <a:ext cx="12192000" cy="963827"/>
-          </a:xfrm>
-        </p:spPr>
-        <p:txBody>
-          <a:bodyPr/>
-          <a:lstStyle/>
-          <a:p>
-            <a:r>
-              <a:rPr lang="ko-KR" altLang="en-US" dirty="0" smtClean="0"/>
-              <a:t>화면 설계서</a:t>
-            </a:r>
-            <a:endParaRPr lang="ko-KR" altLang="en-US" dirty="0"/>
-          </a:p>
-        </p:txBody>
-      </p:sp>
-    </p:spTree>
-    <p:extLst>
-      <p:ext uri="{BB962C8B-B14F-4D97-AF65-F5344CB8AC3E}">
-        <p14:creationId xmlns:p14="http://schemas.microsoft.com/office/powerpoint/2010/main" val="2144071576"/>
-      </p:ext>
-    </p:extLst>
-  </p:cSld>
-  <p:clrMapOvr>
-    <a:masterClrMapping/>
-  </p:clrMapOvr>
-</p:sld>
-</file>
-
-<file path=ppt/slides/slide3.xml><?xml version="1.0" encoding="utf-8"?>
-<p:sld xmlns:a="http://schemas.openxmlformats.org/drawingml/2006/main" xmlns:r="http://schemas.openxmlformats.org/officeDocument/2006/relationships" xmlns:p="http://schemas.openxmlformats.org/presentationml/2006/main">
-  <p:cSld>
-    <p:spTree>
-      <p:nvGrpSpPr>
-        <p:cNvPr id="1" name=""/>
-        <p:cNvGrpSpPr/>
-        <p:nvPr/>
-      </p:nvGrpSpPr>
-      <p:grpSpPr>
-        <a:xfrm>
-          <a:off x="0" y="0"/>
-          <a:ext cx="0" cy="0"/>
-          <a:chOff x="0" y="0"/>
-          <a:chExt cx="0" cy="0"/>
-        </a:xfrm>
-      </p:grpSpPr>
-      <p:sp>
-        <p:nvSpPr>
-          <p:cNvPr id="4" name="제목 1"/>
           <p:cNvSpPr>
             <a:spLocks noGrp="1"/>
           </p:cNvSpPr>
@@ -3175,104 +3063,8 @@
           <a:lstStyle/>
           <a:p>
             <a:r>
-              <a:rPr lang="en-US" altLang="ko-KR" dirty="0" smtClean="0"/>
-              <a:t>ER </a:t>
-            </a:r>
-            <a:r>
               <a:rPr lang="ko-KR" altLang="en-US" dirty="0" smtClean="0"/>
-              <a:t>다이어그램</a:t>
-            </a:r>
-            <a:endParaRPr lang="ko-KR" altLang="en-US" dirty="0"/>
-          </a:p>
-        </p:txBody>
-      </p:sp>
-      <p:pic>
-        <p:nvPicPr>
-          <p:cNvPr id="5" name="그림 4"/>
-          <p:cNvPicPr>
-            <a:picLocks noChangeAspect="1"/>
-          </p:cNvPicPr>
-          <p:nvPr/>
-        </p:nvPicPr>
-        <p:blipFill>
-          <a:blip r:embed="rId2">
-            <a:extLst>
-              <a:ext uri="{28A0092B-C50C-407E-A947-70E740481C1C}">
-                <a14:useLocalDpi xmlns:a14="http://schemas.microsoft.com/office/drawing/2010/main" val="0"/>
-              </a:ext>
-            </a:extLst>
-          </a:blip>
-          <a:stretch>
-            <a:fillRect/>
-          </a:stretch>
-        </p:blipFill>
-        <p:spPr>
-          <a:xfrm>
-            <a:off x="2890390" y="1447045"/>
-            <a:ext cx="6411220" cy="5410955"/>
-          </a:xfrm>
-          <a:prstGeom prst="rect">
-            <a:avLst/>
-          </a:prstGeom>
-        </p:spPr>
-      </p:pic>
-    </p:spTree>
-    <p:extLst>
-      <p:ext uri="{BB962C8B-B14F-4D97-AF65-F5344CB8AC3E}">
-        <p14:creationId xmlns:p14="http://schemas.microsoft.com/office/powerpoint/2010/main" val="3022479088"/>
-      </p:ext>
-    </p:extLst>
-  </p:cSld>
-  <p:clrMapOvr>
-    <a:masterClrMapping/>
-  </p:clrMapOvr>
-</p:sld>
-</file>
-
-<file path=ppt/slides/slide4.xml><?xml version="1.0" encoding="utf-8"?>
-<p:sld xmlns:a="http://schemas.openxmlformats.org/drawingml/2006/main" xmlns:r="http://schemas.openxmlformats.org/officeDocument/2006/relationships" xmlns:p="http://schemas.openxmlformats.org/presentationml/2006/main">
-  <p:cSld>
-    <p:spTree>
-      <p:nvGrpSpPr>
-        <p:cNvPr id="1" name=""/>
-        <p:cNvGrpSpPr/>
-        <p:nvPr/>
-      </p:nvGrpSpPr>
-      <p:grpSpPr>
-        <a:xfrm>
-          <a:off x="0" y="0"/>
-          <a:ext cx="0" cy="0"/>
-          <a:chOff x="0" y="0"/>
-          <a:chExt cx="0" cy="0"/>
-        </a:xfrm>
-      </p:grpSpPr>
-      <p:sp>
-        <p:nvSpPr>
-          <p:cNvPr id="2" name="제목 1"/>
-          <p:cNvSpPr>
-            <a:spLocks noGrp="1"/>
-          </p:cNvSpPr>
-          <p:nvPr>
-            <p:ph type="title"/>
-          </p:nvPr>
-        </p:nvSpPr>
-        <p:spPr>
-          <a:xfrm>
-            <a:off x="0" y="0"/>
-            <a:ext cx="12192000" cy="1325563"/>
-          </a:xfrm>
-        </p:spPr>
-        <p:txBody>
-          <a:bodyPr/>
-          <a:lstStyle/>
-          <a:p>
-            <a:r>
-              <a:rPr lang="ko-KR" altLang="en-US" dirty="0" smtClean="0"/>
-              <a:t>클래스 </a:t>
-            </a:r>
-            <a:r>
-              <a:rPr lang="ko-KR" altLang="en-US" dirty="0" smtClean="0"/>
-              <a:t>다이어그램</a:t>
+              <a:t>클래스 다이어그램</a:t>
             </a:r>
             <a:r>
               <a:rPr lang="en-US" altLang="ko-KR" dirty="0" smtClean="0"/>
@@ -3329,7 +3121,7 @@
 </p:sld>
 </file>
 
-<file path=ppt/slides/slide5.xml><?xml version="1.0" encoding="utf-8"?>
+<file path=ppt/slides/slide11.xml><?xml version="1.0" encoding="utf-8"?>
 <p:sld xmlns:a="http://schemas.openxmlformats.org/drawingml/2006/main" xmlns:r="http://schemas.openxmlformats.org/officeDocument/2006/relationships" xmlns:p="http://schemas.openxmlformats.org/presentationml/2006/main">
   <p:cSld>
     <p:spTree>
@@ -3447,7 +3239,7 @@
 </p:sld>
 </file>
 
-<file path=ppt/slides/slide6.xml><?xml version="1.0" encoding="utf-8"?>
+<file path=ppt/slides/slide12.xml><?xml version="1.0" encoding="utf-8"?>
 <p:sld xmlns:a="http://schemas.openxmlformats.org/drawingml/2006/main" xmlns:r="http://schemas.openxmlformats.org/officeDocument/2006/relationships" xmlns:p="http://schemas.openxmlformats.org/presentationml/2006/main">
   <p:cSld>
     <p:spTree>
@@ -3565,7 +3357,7 @@
 </p:sld>
 </file>
 
-<file path=ppt/slides/slide7.xml><?xml version="1.0" encoding="utf-8"?>
+<file path=ppt/slides/slide13.xml><?xml version="1.0" encoding="utf-8"?>
 <p:sld xmlns:a="http://schemas.openxmlformats.org/drawingml/2006/main" xmlns:r="http://schemas.openxmlformats.org/officeDocument/2006/relationships" xmlns:p="http://schemas.openxmlformats.org/presentationml/2006/main">
   <p:cSld>
     <p:spTree>
@@ -3683,7 +3475,7 @@
 </p:sld>
 </file>
 
-<file path=ppt/slides/slide8.xml><?xml version="1.0" encoding="utf-8"?>
+<file path=ppt/slides/slide14.xml><?xml version="1.0" encoding="utf-8"?>
 <p:sld xmlns:a="http://schemas.openxmlformats.org/drawingml/2006/main" xmlns:r="http://schemas.openxmlformats.org/officeDocument/2006/relationships" xmlns:p="http://schemas.openxmlformats.org/presentationml/2006/main">
   <p:cSld>
     <p:spTree>
@@ -3831,7 +3623,7 @@
 </p:sld>
 </file>
 
-<file path=ppt/slides/slide9.xml><?xml version="1.0" encoding="utf-8"?>
+<file path=ppt/slides/slide15.xml><?xml version="1.0" encoding="utf-8"?>
 <p:sld xmlns:a="http://schemas.openxmlformats.org/drawingml/2006/main" xmlns:r="http://schemas.openxmlformats.org/officeDocument/2006/relationships" xmlns:p="http://schemas.openxmlformats.org/presentationml/2006/main">
   <p:cSld>
     <p:spTree>
@@ -3940,6 +3732,858 @@
     <p:extLst>
       <p:ext uri="{BB962C8B-B14F-4D97-AF65-F5344CB8AC3E}">
         <p14:creationId xmlns:p14="http://schemas.microsoft.com/office/powerpoint/2010/main" val="382997551"/>
+      </p:ext>
+    </p:extLst>
+  </p:cSld>
+  <p:clrMapOvr>
+    <a:masterClrMapping/>
+  </p:clrMapOvr>
+</p:sld>
+</file>
+
+<file path=ppt/slides/slide16.xml><?xml version="1.0" encoding="utf-8"?>
+<p:sld xmlns:a="http://schemas.openxmlformats.org/drawingml/2006/main" xmlns:r="http://schemas.openxmlformats.org/officeDocument/2006/relationships" xmlns:p="http://schemas.openxmlformats.org/presentationml/2006/main">
+  <p:cSld>
+    <p:spTree>
+      <p:nvGrpSpPr>
+        <p:cNvPr id="1" name=""/>
+        <p:cNvGrpSpPr/>
+        <p:nvPr/>
+      </p:nvGrpSpPr>
+      <p:grpSpPr>
+        <a:xfrm>
+          <a:off x="0" y="0"/>
+          <a:ext cx="0" cy="0"/>
+          <a:chOff x="0" y="0"/>
+          <a:chExt cx="0" cy="0"/>
+        </a:xfrm>
+      </p:grpSpPr>
+      <p:pic>
+        <p:nvPicPr>
+          <p:cNvPr id="2" name="그림 1"/>
+          <p:cNvPicPr>
+            <a:picLocks noChangeAspect="1"/>
+          </p:cNvPicPr>
+          <p:nvPr/>
+        </p:nvPicPr>
+        <p:blipFill>
+          <a:blip r:embed="rId2">
+            <a:extLst>
+              <a:ext uri="{28A0092B-C50C-407E-A947-70E740481C1C}">
+                <a14:useLocalDpi xmlns:a14="http://schemas.microsoft.com/office/drawing/2010/main" val="0"/>
+              </a:ext>
+            </a:extLst>
+          </a:blip>
+          <a:stretch>
+            <a:fillRect/>
+          </a:stretch>
+        </p:blipFill>
+        <p:spPr>
+          <a:xfrm>
+            <a:off x="2063579" y="86497"/>
+            <a:ext cx="7867135" cy="6858000"/>
+          </a:xfrm>
+          <a:prstGeom prst="rect">
+            <a:avLst/>
+          </a:prstGeom>
+        </p:spPr>
+      </p:pic>
+    </p:spTree>
+    <p:extLst>
+      <p:ext uri="{BB962C8B-B14F-4D97-AF65-F5344CB8AC3E}">
+        <p14:creationId xmlns:p14="http://schemas.microsoft.com/office/powerpoint/2010/main" val="584378978"/>
+      </p:ext>
+    </p:extLst>
+  </p:cSld>
+  <p:clrMapOvr>
+    <a:masterClrMapping/>
+  </p:clrMapOvr>
+</p:sld>
+</file>
+
+<file path=ppt/slides/slide2.xml><?xml version="1.0" encoding="utf-8"?>
+<p:sld xmlns:a="http://schemas.openxmlformats.org/drawingml/2006/main" xmlns:r="http://schemas.openxmlformats.org/officeDocument/2006/relationships" xmlns:p="http://schemas.openxmlformats.org/presentationml/2006/main">
+  <p:cSld>
+    <p:spTree>
+      <p:nvGrpSpPr>
+        <p:cNvPr id="1" name=""/>
+        <p:cNvGrpSpPr/>
+        <p:nvPr/>
+      </p:nvGrpSpPr>
+      <p:grpSpPr>
+        <a:xfrm>
+          <a:off x="0" y="0"/>
+          <a:ext cx="0" cy="0"/>
+          <a:chOff x="0" y="0"/>
+          <a:chExt cx="0" cy="0"/>
+        </a:xfrm>
+      </p:grpSpPr>
+      <p:sp>
+        <p:nvSpPr>
+          <p:cNvPr id="2" name="제목 1"/>
+          <p:cNvSpPr>
+            <a:spLocks noGrp="1"/>
+          </p:cNvSpPr>
+          <p:nvPr>
+            <p:ph type="title"/>
+          </p:nvPr>
+        </p:nvSpPr>
+        <p:spPr>
+          <a:xfrm>
+            <a:off x="0" y="0"/>
+            <a:ext cx="12192000" cy="963827"/>
+          </a:xfrm>
+        </p:spPr>
+        <p:txBody>
+          <a:bodyPr/>
+          <a:lstStyle/>
+          <a:p>
+            <a:r>
+              <a:rPr lang="ko-KR" altLang="en-US" dirty="0" smtClean="0"/>
+              <a:t>화면 </a:t>
+            </a:r>
+            <a:r>
+              <a:rPr lang="ko-KR" altLang="en-US" dirty="0" smtClean="0"/>
+              <a:t>설계서</a:t>
+            </a:r>
+            <a:r>
+              <a:rPr lang="en-US" altLang="ko-KR" dirty="0" smtClean="0"/>
+              <a:t>_</a:t>
+            </a:r>
+            <a:r>
+              <a:rPr lang="ko-KR" altLang="en-US" dirty="0" smtClean="0"/>
+              <a:t>로그인</a:t>
+            </a:r>
+            <a:endParaRPr lang="ko-KR" altLang="en-US" dirty="0"/>
+          </a:p>
+        </p:txBody>
+      </p:sp>
+      <p:pic>
+        <p:nvPicPr>
+          <p:cNvPr id="3" name="그림 2"/>
+          <p:cNvPicPr>
+            <a:picLocks noChangeAspect="1"/>
+          </p:cNvPicPr>
+          <p:nvPr/>
+        </p:nvPicPr>
+        <p:blipFill>
+          <a:blip r:embed="rId2">
+            <a:extLst>
+              <a:ext uri="{28A0092B-C50C-407E-A947-70E740481C1C}">
+                <a14:useLocalDpi xmlns:a14="http://schemas.microsoft.com/office/drawing/2010/main" val="0"/>
+              </a:ext>
+            </a:extLst>
+          </a:blip>
+          <a:stretch>
+            <a:fillRect/>
+          </a:stretch>
+        </p:blipFill>
+        <p:spPr>
+          <a:xfrm>
+            <a:off x="3995444" y="2038156"/>
+            <a:ext cx="4201111" cy="2781688"/>
+          </a:xfrm>
+          <a:prstGeom prst="rect">
+            <a:avLst/>
+          </a:prstGeom>
+        </p:spPr>
+      </p:pic>
+    </p:spTree>
+    <p:extLst>
+      <p:ext uri="{BB962C8B-B14F-4D97-AF65-F5344CB8AC3E}">
+        <p14:creationId xmlns:p14="http://schemas.microsoft.com/office/powerpoint/2010/main" val="3417529623"/>
+      </p:ext>
+    </p:extLst>
+  </p:cSld>
+  <p:clrMapOvr>
+    <a:masterClrMapping/>
+  </p:clrMapOvr>
+</p:sld>
+</file>
+
+<file path=ppt/slides/slide3.xml><?xml version="1.0" encoding="utf-8"?>
+<p:sld xmlns:a="http://schemas.openxmlformats.org/drawingml/2006/main" xmlns:r="http://schemas.openxmlformats.org/officeDocument/2006/relationships" xmlns:p="http://schemas.openxmlformats.org/presentationml/2006/main">
+  <p:cSld>
+    <p:spTree>
+      <p:nvGrpSpPr>
+        <p:cNvPr id="1" name=""/>
+        <p:cNvGrpSpPr/>
+        <p:nvPr/>
+      </p:nvGrpSpPr>
+      <p:grpSpPr>
+        <a:xfrm>
+          <a:off x="0" y="0"/>
+          <a:ext cx="0" cy="0"/>
+          <a:chOff x="0" y="0"/>
+          <a:chExt cx="0" cy="0"/>
+        </a:xfrm>
+      </p:grpSpPr>
+      <p:sp>
+        <p:nvSpPr>
+          <p:cNvPr id="2" name="제목 1"/>
+          <p:cNvSpPr>
+            <a:spLocks noGrp="1"/>
+          </p:cNvSpPr>
+          <p:nvPr>
+            <p:ph type="title"/>
+          </p:nvPr>
+        </p:nvSpPr>
+        <p:spPr>
+          <a:xfrm>
+            <a:off x="0" y="0"/>
+            <a:ext cx="12192000" cy="963827"/>
+          </a:xfrm>
+        </p:spPr>
+        <p:txBody>
+          <a:bodyPr/>
+          <a:lstStyle/>
+          <a:p>
+            <a:r>
+              <a:rPr lang="ko-KR" altLang="en-US" dirty="0" smtClean="0"/>
+              <a:t>화면 </a:t>
+            </a:r>
+            <a:r>
+              <a:rPr lang="ko-KR" altLang="en-US" dirty="0" smtClean="0"/>
+              <a:t>설계서</a:t>
+            </a:r>
+            <a:r>
+              <a:rPr lang="en-US" altLang="ko-KR" dirty="0" smtClean="0"/>
+              <a:t>_</a:t>
+            </a:r>
+            <a:r>
+              <a:rPr lang="ko-KR" altLang="en-US" dirty="0" err="1" smtClean="0"/>
+              <a:t>직원등록창</a:t>
+            </a:r>
+            <a:endParaRPr lang="ko-KR" altLang="en-US" dirty="0"/>
+          </a:p>
+        </p:txBody>
+      </p:sp>
+      <p:pic>
+        <p:nvPicPr>
+          <p:cNvPr id="4" name="그림 3"/>
+          <p:cNvPicPr>
+            <a:picLocks noChangeAspect="1"/>
+          </p:cNvPicPr>
+          <p:nvPr/>
+        </p:nvPicPr>
+        <p:blipFill>
+          <a:blip r:embed="rId2">
+            <a:extLst>
+              <a:ext uri="{28A0092B-C50C-407E-A947-70E740481C1C}">
+                <a14:useLocalDpi xmlns:a14="http://schemas.microsoft.com/office/drawing/2010/main" val="0"/>
+              </a:ext>
+            </a:extLst>
+          </a:blip>
+          <a:stretch>
+            <a:fillRect/>
+          </a:stretch>
+        </p:blipFill>
+        <p:spPr>
+          <a:xfrm>
+            <a:off x="4023252" y="1432673"/>
+            <a:ext cx="3639058" cy="4667901"/>
+          </a:xfrm>
+          <a:prstGeom prst="rect">
+            <a:avLst/>
+          </a:prstGeom>
+        </p:spPr>
+      </p:pic>
+    </p:spTree>
+    <p:extLst>
+      <p:ext uri="{BB962C8B-B14F-4D97-AF65-F5344CB8AC3E}">
+        <p14:creationId xmlns:p14="http://schemas.microsoft.com/office/powerpoint/2010/main" val="2704145166"/>
+      </p:ext>
+    </p:extLst>
+  </p:cSld>
+  <p:clrMapOvr>
+    <a:masterClrMapping/>
+  </p:clrMapOvr>
+</p:sld>
+</file>
+
+<file path=ppt/slides/slide4.xml><?xml version="1.0" encoding="utf-8"?>
+<p:sld xmlns:a="http://schemas.openxmlformats.org/drawingml/2006/main" xmlns:r="http://schemas.openxmlformats.org/officeDocument/2006/relationships" xmlns:p="http://schemas.openxmlformats.org/presentationml/2006/main">
+  <p:cSld>
+    <p:spTree>
+      <p:nvGrpSpPr>
+        <p:cNvPr id="1" name=""/>
+        <p:cNvGrpSpPr/>
+        <p:nvPr/>
+      </p:nvGrpSpPr>
+      <p:grpSpPr>
+        <a:xfrm>
+          <a:off x="0" y="0"/>
+          <a:ext cx="0" cy="0"/>
+          <a:chOff x="0" y="0"/>
+          <a:chExt cx="0" cy="0"/>
+        </a:xfrm>
+      </p:grpSpPr>
+      <p:sp>
+        <p:nvSpPr>
+          <p:cNvPr id="2" name="제목 1"/>
+          <p:cNvSpPr>
+            <a:spLocks noGrp="1"/>
+          </p:cNvSpPr>
+          <p:nvPr>
+            <p:ph type="title"/>
+          </p:nvPr>
+        </p:nvSpPr>
+        <p:spPr>
+          <a:xfrm>
+            <a:off x="0" y="0"/>
+            <a:ext cx="12192000" cy="963827"/>
+          </a:xfrm>
+        </p:spPr>
+        <p:txBody>
+          <a:bodyPr/>
+          <a:lstStyle/>
+          <a:p>
+            <a:r>
+              <a:rPr lang="ko-KR" altLang="en-US" dirty="0" smtClean="0"/>
+              <a:t>화면 </a:t>
+            </a:r>
+            <a:r>
+              <a:rPr lang="ko-KR" altLang="en-US" dirty="0" smtClean="0"/>
+              <a:t>설계서</a:t>
+            </a:r>
+            <a:r>
+              <a:rPr lang="en-US" altLang="ko-KR" dirty="0" smtClean="0"/>
+              <a:t>_</a:t>
+            </a:r>
+            <a:r>
+              <a:rPr lang="ko-KR" altLang="en-US" dirty="0" smtClean="0"/>
+              <a:t>계산화면</a:t>
+            </a:r>
+            <a:endParaRPr lang="ko-KR" altLang="en-US" dirty="0"/>
+          </a:p>
+        </p:txBody>
+      </p:sp>
+      <p:pic>
+        <p:nvPicPr>
+          <p:cNvPr id="4" name="그림 3"/>
+          <p:cNvPicPr>
+            <a:picLocks noChangeAspect="1"/>
+          </p:cNvPicPr>
+          <p:nvPr/>
+        </p:nvPicPr>
+        <p:blipFill>
+          <a:blip r:embed="rId2">
+            <a:extLst>
+              <a:ext uri="{28A0092B-C50C-407E-A947-70E740481C1C}">
+                <a14:useLocalDpi xmlns:a14="http://schemas.microsoft.com/office/drawing/2010/main" val="0"/>
+              </a:ext>
+            </a:extLst>
+          </a:blip>
+          <a:stretch>
+            <a:fillRect/>
+          </a:stretch>
+        </p:blipFill>
+        <p:spPr>
+          <a:xfrm>
+            <a:off x="0" y="766040"/>
+            <a:ext cx="12192000" cy="6091960"/>
+          </a:xfrm>
+          <a:prstGeom prst="rect">
+            <a:avLst/>
+          </a:prstGeom>
+        </p:spPr>
+      </p:pic>
+    </p:spTree>
+    <p:extLst>
+      <p:ext uri="{BB962C8B-B14F-4D97-AF65-F5344CB8AC3E}">
+        <p14:creationId xmlns:p14="http://schemas.microsoft.com/office/powerpoint/2010/main" val="2144071576"/>
+      </p:ext>
+    </p:extLst>
+  </p:cSld>
+  <p:clrMapOvr>
+    <a:masterClrMapping/>
+  </p:clrMapOvr>
+</p:sld>
+</file>
+
+<file path=ppt/slides/slide5.xml><?xml version="1.0" encoding="utf-8"?>
+<p:sld xmlns:a="http://schemas.openxmlformats.org/drawingml/2006/main" xmlns:r="http://schemas.openxmlformats.org/officeDocument/2006/relationships" xmlns:p="http://schemas.openxmlformats.org/presentationml/2006/main">
+  <p:cSld>
+    <p:spTree>
+      <p:nvGrpSpPr>
+        <p:cNvPr id="1" name=""/>
+        <p:cNvGrpSpPr/>
+        <p:nvPr/>
+      </p:nvGrpSpPr>
+      <p:grpSpPr>
+        <a:xfrm>
+          <a:off x="0" y="0"/>
+          <a:ext cx="0" cy="0"/>
+          <a:chOff x="0" y="0"/>
+          <a:chExt cx="0" cy="0"/>
+        </a:xfrm>
+      </p:grpSpPr>
+      <p:sp>
+        <p:nvSpPr>
+          <p:cNvPr id="2" name="제목 1"/>
+          <p:cNvSpPr>
+            <a:spLocks noGrp="1"/>
+          </p:cNvSpPr>
+          <p:nvPr>
+            <p:ph type="title"/>
+          </p:nvPr>
+        </p:nvSpPr>
+        <p:spPr>
+          <a:xfrm>
+            <a:off x="0" y="0"/>
+            <a:ext cx="12192000" cy="963827"/>
+          </a:xfrm>
+        </p:spPr>
+        <p:txBody>
+          <a:bodyPr/>
+          <a:lstStyle/>
+          <a:p>
+            <a:r>
+              <a:rPr lang="ko-KR" altLang="en-US" dirty="0" smtClean="0"/>
+              <a:t>화면 </a:t>
+            </a:r>
+            <a:r>
+              <a:rPr lang="ko-KR" altLang="en-US" dirty="0" smtClean="0"/>
+              <a:t>설계서</a:t>
+            </a:r>
+            <a:r>
+              <a:rPr lang="en-US" altLang="ko-KR" dirty="0" smtClean="0"/>
+              <a:t>_</a:t>
+            </a:r>
+            <a:r>
+              <a:rPr lang="ko-KR" altLang="en-US" dirty="0" err="1" smtClean="0"/>
+              <a:t>매출관리창</a:t>
+            </a:r>
+            <a:endParaRPr lang="ko-KR" altLang="en-US" dirty="0"/>
+          </a:p>
+        </p:txBody>
+      </p:sp>
+      <p:pic>
+        <p:nvPicPr>
+          <p:cNvPr id="3" name="그림 2"/>
+          <p:cNvPicPr>
+            <a:picLocks noChangeAspect="1"/>
+          </p:cNvPicPr>
+          <p:nvPr/>
+        </p:nvPicPr>
+        <p:blipFill>
+          <a:blip r:embed="rId2">
+            <a:extLst>
+              <a:ext uri="{28A0092B-C50C-407E-A947-70E740481C1C}">
+                <a14:useLocalDpi xmlns:a14="http://schemas.microsoft.com/office/drawing/2010/main" val="0"/>
+              </a:ext>
+            </a:extLst>
+          </a:blip>
+          <a:stretch>
+            <a:fillRect/>
+          </a:stretch>
+        </p:blipFill>
+        <p:spPr>
+          <a:xfrm>
+            <a:off x="0" y="819492"/>
+            <a:ext cx="12192000" cy="6038508"/>
+          </a:xfrm>
+          <a:prstGeom prst="rect">
+            <a:avLst/>
+          </a:prstGeom>
+        </p:spPr>
+      </p:pic>
+    </p:spTree>
+    <p:extLst>
+      <p:ext uri="{BB962C8B-B14F-4D97-AF65-F5344CB8AC3E}">
+        <p14:creationId xmlns:p14="http://schemas.microsoft.com/office/powerpoint/2010/main" val="4214658824"/>
+      </p:ext>
+    </p:extLst>
+  </p:cSld>
+  <p:clrMapOvr>
+    <a:masterClrMapping/>
+  </p:clrMapOvr>
+</p:sld>
+</file>
+
+<file path=ppt/slides/slide6.xml><?xml version="1.0" encoding="utf-8"?>
+<p:sld xmlns:a="http://schemas.openxmlformats.org/drawingml/2006/main" xmlns:r="http://schemas.openxmlformats.org/officeDocument/2006/relationships" xmlns:p="http://schemas.openxmlformats.org/presentationml/2006/main">
+  <p:cSld>
+    <p:spTree>
+      <p:nvGrpSpPr>
+        <p:cNvPr id="1" name=""/>
+        <p:cNvGrpSpPr/>
+        <p:nvPr/>
+      </p:nvGrpSpPr>
+      <p:grpSpPr>
+        <a:xfrm>
+          <a:off x="0" y="0"/>
+          <a:ext cx="0" cy="0"/>
+          <a:chOff x="0" y="0"/>
+          <a:chExt cx="0" cy="0"/>
+        </a:xfrm>
+      </p:grpSpPr>
+      <p:sp>
+        <p:nvSpPr>
+          <p:cNvPr id="2" name="제목 1"/>
+          <p:cNvSpPr>
+            <a:spLocks noGrp="1"/>
+          </p:cNvSpPr>
+          <p:nvPr>
+            <p:ph type="title"/>
+          </p:nvPr>
+        </p:nvSpPr>
+        <p:spPr>
+          <a:xfrm>
+            <a:off x="0" y="0"/>
+            <a:ext cx="12192000" cy="963827"/>
+          </a:xfrm>
+        </p:spPr>
+        <p:txBody>
+          <a:bodyPr/>
+          <a:lstStyle/>
+          <a:p>
+            <a:r>
+              <a:rPr lang="ko-KR" altLang="en-US" dirty="0" smtClean="0"/>
+              <a:t>화면 </a:t>
+            </a:r>
+            <a:r>
+              <a:rPr lang="ko-KR" altLang="en-US" dirty="0" smtClean="0"/>
+              <a:t>설계서</a:t>
+            </a:r>
+            <a:r>
+              <a:rPr lang="en-US" altLang="ko-KR" dirty="0" smtClean="0"/>
+              <a:t>_</a:t>
+            </a:r>
+            <a:r>
+              <a:rPr lang="ko-KR" altLang="en-US" dirty="0" err="1" smtClean="0"/>
+              <a:t>재고관리창</a:t>
+            </a:r>
+            <a:endParaRPr lang="ko-KR" altLang="en-US" dirty="0"/>
+          </a:p>
+        </p:txBody>
+      </p:sp>
+      <p:pic>
+        <p:nvPicPr>
+          <p:cNvPr id="3" name="그림 2"/>
+          <p:cNvPicPr>
+            <a:picLocks noChangeAspect="1"/>
+          </p:cNvPicPr>
+          <p:nvPr/>
+        </p:nvPicPr>
+        <p:blipFill>
+          <a:blip r:embed="rId2">
+            <a:extLst>
+              <a:ext uri="{28A0092B-C50C-407E-A947-70E740481C1C}">
+                <a14:useLocalDpi xmlns:a14="http://schemas.microsoft.com/office/drawing/2010/main" val="0"/>
+              </a:ext>
+            </a:extLst>
+          </a:blip>
+          <a:stretch>
+            <a:fillRect/>
+          </a:stretch>
+        </p:blipFill>
+        <p:spPr>
+          <a:xfrm>
+            <a:off x="0" y="780108"/>
+            <a:ext cx="12192000" cy="6077892"/>
+          </a:xfrm>
+          <a:prstGeom prst="rect">
+            <a:avLst/>
+          </a:prstGeom>
+        </p:spPr>
+      </p:pic>
+    </p:spTree>
+    <p:extLst>
+      <p:ext uri="{BB962C8B-B14F-4D97-AF65-F5344CB8AC3E}">
+        <p14:creationId xmlns:p14="http://schemas.microsoft.com/office/powerpoint/2010/main" val="2934310916"/>
+      </p:ext>
+    </p:extLst>
+  </p:cSld>
+  <p:clrMapOvr>
+    <a:masterClrMapping/>
+  </p:clrMapOvr>
+</p:sld>
+</file>
+
+<file path=ppt/slides/slide7.xml><?xml version="1.0" encoding="utf-8"?>
+<p:sld xmlns:a="http://schemas.openxmlformats.org/drawingml/2006/main" xmlns:r="http://schemas.openxmlformats.org/officeDocument/2006/relationships" xmlns:p="http://schemas.openxmlformats.org/presentationml/2006/main">
+  <p:cSld>
+    <p:spTree>
+      <p:nvGrpSpPr>
+        <p:cNvPr id="1" name=""/>
+        <p:cNvGrpSpPr/>
+        <p:nvPr/>
+      </p:nvGrpSpPr>
+      <p:grpSpPr>
+        <a:xfrm>
+          <a:off x="0" y="0"/>
+          <a:ext cx="0" cy="0"/>
+          <a:chOff x="0" y="0"/>
+          <a:chExt cx="0" cy="0"/>
+        </a:xfrm>
+      </p:grpSpPr>
+      <p:sp>
+        <p:nvSpPr>
+          <p:cNvPr id="2" name="제목 1"/>
+          <p:cNvSpPr>
+            <a:spLocks noGrp="1"/>
+          </p:cNvSpPr>
+          <p:nvPr>
+            <p:ph type="title"/>
+          </p:nvPr>
+        </p:nvSpPr>
+        <p:spPr>
+          <a:xfrm>
+            <a:off x="0" y="0"/>
+            <a:ext cx="12192000" cy="963827"/>
+          </a:xfrm>
+        </p:spPr>
+        <p:txBody>
+          <a:bodyPr/>
+          <a:lstStyle/>
+          <a:p>
+            <a:r>
+              <a:rPr lang="ko-KR" altLang="en-US" dirty="0" smtClean="0"/>
+              <a:t>화면 </a:t>
+            </a:r>
+            <a:r>
+              <a:rPr lang="ko-KR" altLang="en-US" dirty="0" smtClean="0"/>
+              <a:t>설계서</a:t>
+            </a:r>
+            <a:r>
+              <a:rPr lang="en-US" altLang="ko-KR" dirty="0" smtClean="0"/>
+              <a:t>_</a:t>
+            </a:r>
+            <a:r>
+              <a:rPr lang="ko-KR" altLang="en-US" dirty="0" err="1" smtClean="0"/>
+              <a:t>제품주문창</a:t>
+            </a:r>
+            <a:endParaRPr lang="ko-KR" altLang="en-US" dirty="0"/>
+          </a:p>
+        </p:txBody>
+      </p:sp>
+      <p:pic>
+        <p:nvPicPr>
+          <p:cNvPr id="3" name="그림 2"/>
+          <p:cNvPicPr>
+            <a:picLocks noChangeAspect="1"/>
+          </p:cNvPicPr>
+          <p:nvPr/>
+        </p:nvPicPr>
+        <p:blipFill>
+          <a:blip r:embed="rId2">
+            <a:extLst>
+              <a:ext uri="{28A0092B-C50C-407E-A947-70E740481C1C}">
+                <a14:useLocalDpi xmlns:a14="http://schemas.microsoft.com/office/drawing/2010/main" val="0"/>
+              </a:ext>
+            </a:extLst>
+          </a:blip>
+          <a:stretch>
+            <a:fillRect/>
+          </a:stretch>
+        </p:blipFill>
+        <p:spPr>
+          <a:xfrm>
+            <a:off x="0" y="963827"/>
+            <a:ext cx="12192000" cy="5894173"/>
+          </a:xfrm>
+          <a:prstGeom prst="rect">
+            <a:avLst/>
+          </a:prstGeom>
+        </p:spPr>
+      </p:pic>
+    </p:spTree>
+    <p:extLst>
+      <p:ext uri="{BB962C8B-B14F-4D97-AF65-F5344CB8AC3E}">
+        <p14:creationId xmlns:p14="http://schemas.microsoft.com/office/powerpoint/2010/main" val="1158442062"/>
+      </p:ext>
+    </p:extLst>
+  </p:cSld>
+  <p:clrMapOvr>
+    <a:masterClrMapping/>
+  </p:clrMapOvr>
+</p:sld>
+</file>
+
+<file path=ppt/slides/slide8.xml><?xml version="1.0" encoding="utf-8"?>
+<p:sld xmlns:a="http://schemas.openxmlformats.org/drawingml/2006/main" xmlns:r="http://schemas.openxmlformats.org/officeDocument/2006/relationships" xmlns:p="http://schemas.openxmlformats.org/presentationml/2006/main">
+  <p:cSld>
+    <p:spTree>
+      <p:nvGrpSpPr>
+        <p:cNvPr id="1" name=""/>
+        <p:cNvGrpSpPr/>
+        <p:nvPr/>
+      </p:nvGrpSpPr>
+      <p:grpSpPr>
+        <a:xfrm>
+          <a:off x="0" y="0"/>
+          <a:ext cx="0" cy="0"/>
+          <a:chOff x="0" y="0"/>
+          <a:chExt cx="0" cy="0"/>
+        </a:xfrm>
+      </p:grpSpPr>
+      <p:sp>
+        <p:nvSpPr>
+          <p:cNvPr id="2" name="제목 1"/>
+          <p:cNvSpPr>
+            <a:spLocks noGrp="1"/>
+          </p:cNvSpPr>
+          <p:nvPr>
+            <p:ph type="title"/>
+          </p:nvPr>
+        </p:nvSpPr>
+        <p:spPr>
+          <a:xfrm>
+            <a:off x="0" y="0"/>
+            <a:ext cx="12192000" cy="963827"/>
+          </a:xfrm>
+        </p:spPr>
+        <p:txBody>
+          <a:bodyPr/>
+          <a:lstStyle/>
+          <a:p>
+            <a:r>
+              <a:rPr lang="ko-KR" altLang="en-US" dirty="0" smtClean="0"/>
+              <a:t>화면 </a:t>
+            </a:r>
+            <a:r>
+              <a:rPr lang="ko-KR" altLang="en-US" dirty="0" smtClean="0"/>
+              <a:t>설계서</a:t>
+            </a:r>
+            <a:r>
+              <a:rPr lang="en-US" altLang="ko-KR" dirty="0" smtClean="0"/>
+              <a:t>_</a:t>
+            </a:r>
+            <a:r>
+              <a:rPr lang="ko-KR" altLang="en-US" dirty="0" smtClean="0"/>
+              <a:t>직원관리화면</a:t>
+            </a:r>
+            <a:endParaRPr lang="ko-KR" altLang="en-US" dirty="0"/>
+          </a:p>
+        </p:txBody>
+      </p:sp>
+      <p:pic>
+        <p:nvPicPr>
+          <p:cNvPr id="3" name="그림 2"/>
+          <p:cNvPicPr>
+            <a:picLocks noChangeAspect="1"/>
+          </p:cNvPicPr>
+          <p:nvPr/>
+        </p:nvPicPr>
+        <p:blipFill>
+          <a:blip r:embed="rId2">
+            <a:extLst>
+              <a:ext uri="{28A0092B-C50C-407E-A947-70E740481C1C}">
+                <a14:useLocalDpi xmlns:a14="http://schemas.microsoft.com/office/drawing/2010/main" val="0"/>
+              </a:ext>
+            </a:extLst>
+          </a:blip>
+          <a:stretch>
+            <a:fillRect/>
+          </a:stretch>
+        </p:blipFill>
+        <p:spPr>
+          <a:xfrm>
+            <a:off x="0" y="963827"/>
+            <a:ext cx="12192000" cy="5894173"/>
+          </a:xfrm>
+          <a:prstGeom prst="rect">
+            <a:avLst/>
+          </a:prstGeom>
+        </p:spPr>
+      </p:pic>
+    </p:spTree>
+    <p:extLst>
+      <p:ext uri="{BB962C8B-B14F-4D97-AF65-F5344CB8AC3E}">
+        <p14:creationId xmlns:p14="http://schemas.microsoft.com/office/powerpoint/2010/main" val="4005515353"/>
+      </p:ext>
+    </p:extLst>
+  </p:cSld>
+  <p:clrMapOvr>
+    <a:masterClrMapping/>
+  </p:clrMapOvr>
+</p:sld>
+</file>
+
+<file path=ppt/slides/slide9.xml><?xml version="1.0" encoding="utf-8"?>
+<p:sld xmlns:a="http://schemas.openxmlformats.org/drawingml/2006/main" xmlns:r="http://schemas.openxmlformats.org/officeDocument/2006/relationships" xmlns:p="http://schemas.openxmlformats.org/presentationml/2006/main">
+  <p:cSld>
+    <p:spTree>
+      <p:nvGrpSpPr>
+        <p:cNvPr id="1" name=""/>
+        <p:cNvGrpSpPr/>
+        <p:nvPr/>
+      </p:nvGrpSpPr>
+      <p:grpSpPr>
+        <a:xfrm>
+          <a:off x="0" y="0"/>
+          <a:ext cx="0" cy="0"/>
+          <a:chOff x="0" y="0"/>
+          <a:chExt cx="0" cy="0"/>
+        </a:xfrm>
+      </p:grpSpPr>
+      <p:sp>
+        <p:nvSpPr>
+          <p:cNvPr id="4" name="제목 1"/>
+          <p:cNvSpPr>
+            <a:spLocks noGrp="1"/>
+          </p:cNvSpPr>
+          <p:nvPr>
+            <p:ph type="title"/>
+          </p:nvPr>
+        </p:nvSpPr>
+        <p:spPr>
+          <a:xfrm>
+            <a:off x="0" y="0"/>
+            <a:ext cx="12192000" cy="1325563"/>
+          </a:xfrm>
+        </p:spPr>
+        <p:txBody>
+          <a:bodyPr/>
+          <a:lstStyle/>
+          <a:p>
+            <a:r>
+              <a:rPr lang="en-US" altLang="ko-KR" dirty="0" smtClean="0"/>
+              <a:t>ER </a:t>
+            </a:r>
+            <a:r>
+              <a:rPr lang="ko-KR" altLang="en-US" dirty="0" smtClean="0"/>
+              <a:t>다이어그램</a:t>
+            </a:r>
+            <a:endParaRPr lang="ko-KR" altLang="en-US" dirty="0"/>
+          </a:p>
+        </p:txBody>
+      </p:sp>
+      <p:pic>
+        <p:nvPicPr>
+          <p:cNvPr id="5" name="그림 4"/>
+          <p:cNvPicPr>
+            <a:picLocks noChangeAspect="1"/>
+          </p:cNvPicPr>
+          <p:nvPr/>
+        </p:nvPicPr>
+        <p:blipFill>
+          <a:blip r:embed="rId2">
+            <a:extLst>
+              <a:ext uri="{28A0092B-C50C-407E-A947-70E740481C1C}">
+                <a14:useLocalDpi xmlns:a14="http://schemas.microsoft.com/office/drawing/2010/main" val="0"/>
+              </a:ext>
+            </a:extLst>
+          </a:blip>
+          <a:stretch>
+            <a:fillRect/>
+          </a:stretch>
+        </p:blipFill>
+        <p:spPr>
+          <a:xfrm>
+            <a:off x="2890390" y="1447045"/>
+            <a:ext cx="6411220" cy="5410955"/>
+          </a:xfrm>
+          <a:prstGeom prst="rect">
+            <a:avLst/>
+          </a:prstGeom>
+        </p:spPr>
+      </p:pic>
+    </p:spTree>
+    <p:extLst>
+      <p:ext uri="{BB962C8B-B14F-4D97-AF65-F5344CB8AC3E}">
+        <p14:creationId xmlns:p14="http://schemas.microsoft.com/office/powerpoint/2010/main" val="3022479088"/>
       </p:ext>
     </p:extLst>
   </p:cSld>

--- a/JavaBasic/src/t_teamproject/teamproject_02/document/forSubmission/포트폴리오.pptx
+++ b/JavaBasic/src/t_teamproject/teamproject_02/document/forSubmission/포트폴리오.pptx
@@ -5,25 +5,28 @@
     <p:sldMasterId id="2147483648" r:id="rId1"/>
   </p:sldMasterIdLst>
   <p:sldIdLst>
-    <p:sldId id="265" r:id="rId2"/>
-    <p:sldId id="267" r:id="rId3"/>
-    <p:sldId id="272" r:id="rId4"/>
-    <p:sldId id="266" r:id="rId5"/>
-    <p:sldId id="268" r:id="rId6"/>
-    <p:sldId id="269" r:id="rId7"/>
-    <p:sldId id="270" r:id="rId8"/>
-    <p:sldId id="271" r:id="rId9"/>
-    <p:sldId id="262" r:id="rId10"/>
-    <p:sldId id="257" r:id="rId11"/>
-    <p:sldId id="258" r:id="rId12"/>
-    <p:sldId id="261" r:id="rId13"/>
-    <p:sldId id="259" r:id="rId14"/>
-    <p:sldId id="263" r:id="rId15"/>
-    <p:sldId id="260" r:id="rId16"/>
-    <p:sldId id="264" r:id="rId17"/>
+    <p:sldId id="275" r:id="rId2"/>
+    <p:sldId id="276" r:id="rId3"/>
+    <p:sldId id="265" r:id="rId4"/>
+    <p:sldId id="264" r:id="rId5"/>
+    <p:sldId id="277" r:id="rId6"/>
+    <p:sldId id="278" r:id="rId7"/>
+    <p:sldId id="279" r:id="rId8"/>
+    <p:sldId id="280" r:id="rId9"/>
+    <p:sldId id="281" r:id="rId10"/>
+    <p:sldId id="282" r:id="rId11"/>
+    <p:sldId id="273" r:id="rId12"/>
+    <p:sldId id="274" r:id="rId13"/>
+    <p:sldId id="267" r:id="rId14"/>
+    <p:sldId id="272" r:id="rId15"/>
+    <p:sldId id="266" r:id="rId16"/>
+    <p:sldId id="268" r:id="rId17"/>
+    <p:sldId id="269" r:id="rId18"/>
+    <p:sldId id="270" r:id="rId19"/>
+    <p:sldId id="271" r:id="rId20"/>
   </p:sldIdLst>
   <p:sldSz cx="12192000" cy="6858000"/>
-  <p:notesSz cx="6858000" cy="9144000"/>
+  <p:notesSz cx="7104063" cy="10234613"/>
   <p:defaultTextStyle>
     <a:defPPr>
       <a:defRPr lang="ko-KR"/>
@@ -258,7 +261,7 @@
           <a:p>
             <a:fld id="{86A6F12C-7272-4FD9-B42D-F7BD0B64BBBB}" type="datetimeFigureOut">
               <a:rPr lang="ko-KR" altLang="en-US" smtClean="0"/>
-              <a:t>2020-04-23</a:t>
+              <a:t>2020-04-24</a:t>
             </a:fld>
             <a:endParaRPr lang="ko-KR" altLang="en-US"/>
           </a:p>
@@ -428,7 +431,7 @@
           <a:p>
             <a:fld id="{86A6F12C-7272-4FD9-B42D-F7BD0B64BBBB}" type="datetimeFigureOut">
               <a:rPr lang="ko-KR" altLang="en-US" smtClean="0"/>
-              <a:t>2020-04-23</a:t>
+              <a:t>2020-04-24</a:t>
             </a:fld>
             <a:endParaRPr lang="ko-KR" altLang="en-US"/>
           </a:p>
@@ -608,7 +611,7 @@
           <a:p>
             <a:fld id="{86A6F12C-7272-4FD9-B42D-F7BD0B64BBBB}" type="datetimeFigureOut">
               <a:rPr lang="ko-KR" altLang="en-US" smtClean="0"/>
-              <a:t>2020-04-23</a:t>
+              <a:t>2020-04-24</a:t>
             </a:fld>
             <a:endParaRPr lang="ko-KR" altLang="en-US"/>
           </a:p>
@@ -778,7 +781,7 @@
           <a:p>
             <a:fld id="{86A6F12C-7272-4FD9-B42D-F7BD0B64BBBB}" type="datetimeFigureOut">
               <a:rPr lang="ko-KR" altLang="en-US" smtClean="0"/>
-              <a:t>2020-04-23</a:t>
+              <a:t>2020-04-24</a:t>
             </a:fld>
             <a:endParaRPr lang="ko-KR" altLang="en-US"/>
           </a:p>
@@ -1024,7 +1027,7 @@
           <a:p>
             <a:fld id="{86A6F12C-7272-4FD9-B42D-F7BD0B64BBBB}" type="datetimeFigureOut">
               <a:rPr lang="ko-KR" altLang="en-US" smtClean="0"/>
-              <a:t>2020-04-23</a:t>
+              <a:t>2020-04-24</a:t>
             </a:fld>
             <a:endParaRPr lang="ko-KR" altLang="en-US"/>
           </a:p>
@@ -1256,7 +1259,7 @@
           <a:p>
             <a:fld id="{86A6F12C-7272-4FD9-B42D-F7BD0B64BBBB}" type="datetimeFigureOut">
               <a:rPr lang="ko-KR" altLang="en-US" smtClean="0"/>
-              <a:t>2020-04-23</a:t>
+              <a:t>2020-04-24</a:t>
             </a:fld>
             <a:endParaRPr lang="ko-KR" altLang="en-US"/>
           </a:p>
@@ -1623,7 +1626,7 @@
           <a:p>
             <a:fld id="{86A6F12C-7272-4FD9-B42D-F7BD0B64BBBB}" type="datetimeFigureOut">
               <a:rPr lang="ko-KR" altLang="en-US" smtClean="0"/>
-              <a:t>2020-04-23</a:t>
+              <a:t>2020-04-24</a:t>
             </a:fld>
             <a:endParaRPr lang="ko-KR" altLang="en-US"/>
           </a:p>
@@ -1741,7 +1744,7 @@
           <a:p>
             <a:fld id="{86A6F12C-7272-4FD9-B42D-F7BD0B64BBBB}" type="datetimeFigureOut">
               <a:rPr lang="ko-KR" altLang="en-US" smtClean="0"/>
-              <a:t>2020-04-23</a:t>
+              <a:t>2020-04-24</a:t>
             </a:fld>
             <a:endParaRPr lang="ko-KR" altLang="en-US"/>
           </a:p>
@@ -1836,7 +1839,7 @@
           <a:p>
             <a:fld id="{86A6F12C-7272-4FD9-B42D-F7BD0B64BBBB}" type="datetimeFigureOut">
               <a:rPr lang="ko-KR" altLang="en-US" smtClean="0"/>
-              <a:t>2020-04-23</a:t>
+              <a:t>2020-04-24</a:t>
             </a:fld>
             <a:endParaRPr lang="ko-KR" altLang="en-US"/>
           </a:p>
@@ -2113,7 +2116,7 @@
           <a:p>
             <a:fld id="{86A6F12C-7272-4FD9-B42D-F7BD0B64BBBB}" type="datetimeFigureOut">
               <a:rPr lang="ko-KR" altLang="en-US" smtClean="0"/>
-              <a:t>2020-04-23</a:t>
+              <a:t>2020-04-24</a:t>
             </a:fld>
             <a:endParaRPr lang="ko-KR" altLang="en-US"/>
           </a:p>
@@ -2366,7 +2369,7 @@
           <a:p>
             <a:fld id="{86A6F12C-7272-4FD9-B42D-F7BD0B64BBBB}" type="datetimeFigureOut">
               <a:rPr lang="ko-KR" altLang="en-US" smtClean="0"/>
-              <a:t>2020-04-23</a:t>
+              <a:t>2020-04-24</a:t>
             </a:fld>
             <a:endParaRPr lang="ko-KR" altLang="en-US"/>
           </a:p>
@@ -2579,7 +2582,7 @@
           <a:p>
             <a:fld id="{86A6F12C-7272-4FD9-B42D-F7BD0B64BBBB}" type="datetimeFigureOut">
               <a:rPr lang="ko-KR" altLang="en-US" smtClean="0"/>
-              <a:t>2020-04-23</a:t>
+              <a:t>2020-04-24</a:t>
             </a:fld>
             <a:endParaRPr lang="ko-KR" altLang="en-US"/>
           </a:p>
@@ -2986,6 +2989,51 @@
       </p:grpSpPr>
       <p:sp>
         <p:nvSpPr>
+          <p:cNvPr id="3" name="직사각형 2"/>
+          <p:cNvSpPr/>
+          <p:nvPr/>
+        </p:nvSpPr>
+        <p:spPr>
+          <a:xfrm>
+            <a:off x="0" y="0"/>
+            <a:ext cx="12192000" cy="6858000"/>
+          </a:xfrm>
+          <a:prstGeom prst="rect">
+            <a:avLst/>
+          </a:prstGeom>
+          <a:solidFill>
+            <a:schemeClr val="accent6">
+              <a:lumMod val="75000"/>
+            </a:schemeClr>
+          </a:solidFill>
+        </p:spPr>
+        <p:style>
+          <a:lnRef idx="2">
+            <a:schemeClr val="accent1">
+              <a:shade val="50000"/>
+            </a:schemeClr>
+          </a:lnRef>
+          <a:fillRef idx="1">
+            <a:schemeClr val="accent1"/>
+          </a:fillRef>
+          <a:effectRef idx="0">
+            <a:schemeClr val="accent1"/>
+          </a:effectRef>
+          <a:fontRef idx="minor">
+            <a:schemeClr val="lt1"/>
+          </a:fontRef>
+        </p:style>
+        <p:txBody>
+          <a:bodyPr rtlCol="0" anchor="ctr"/>
+          <a:lstStyle/>
+          <a:p>
+            <a:pPr algn="ctr"/>
+            <a:endParaRPr lang="ko-KR" altLang="en-US"/>
+          </a:p>
+        </p:txBody>
+      </p:sp>
+      <p:sp>
+        <p:nvSpPr>
           <p:cNvPr id="2" name="제목 1"/>
           <p:cNvSpPr>
             <a:spLocks noGrp="1"/>
@@ -2997,25 +3045,112 @@
         <p:spPr>
           <a:xfrm>
             <a:off x="0" y="0"/>
-            <a:ext cx="12192000" cy="963827"/>
-          </a:xfrm>
-        </p:spPr>
-        <p:txBody>
-          <a:bodyPr/>
-          <a:lstStyle/>
-          <a:p>
-            <a:r>
-              <a:rPr lang="ko-KR" altLang="en-US" dirty="0" smtClean="0"/>
-              <a:t>사용자 요구사항</a:t>
-            </a:r>
-            <a:endParaRPr lang="ko-KR" altLang="en-US" dirty="0"/>
+            <a:ext cx="12192000" cy="5627914"/>
+          </a:xfrm>
+          <a:solidFill>
+            <a:schemeClr val="accent6">
+              <a:lumMod val="60000"/>
+              <a:lumOff val="40000"/>
+            </a:schemeClr>
+          </a:solidFill>
+        </p:spPr>
+        <p:txBody>
+          <a:bodyPr>
+            <a:normAutofit/>
+          </a:bodyPr>
+          <a:lstStyle/>
+          <a:p>
+            <a:pPr algn="ctr"/>
+            <a:r>
+              <a:rPr lang="ko-KR" altLang="en-US" sz="5400" dirty="0" err="1" smtClean="0">
+                <a:solidFill>
+                  <a:schemeClr val="accent6">
+                    <a:lumMod val="75000"/>
+                  </a:schemeClr>
+                </a:solidFill>
+              </a:rPr>
+              <a:t>포스기</a:t>
+            </a:r>
+            <a:r>
+              <a:rPr lang="ko-KR" altLang="en-US" sz="5400" dirty="0" smtClean="0">
+                <a:solidFill>
+                  <a:schemeClr val="accent6">
+                    <a:lumMod val="75000"/>
+                  </a:schemeClr>
+                </a:solidFill>
+              </a:rPr>
+              <a:t> 프로젝트</a:t>
+            </a:r>
+            <a:endParaRPr lang="ko-KR" altLang="en-US" sz="5400" dirty="0">
+              <a:solidFill>
+                <a:schemeClr val="accent6">
+                  <a:lumMod val="75000"/>
+                </a:schemeClr>
+              </a:solidFill>
+            </a:endParaRPr>
+          </a:p>
+        </p:txBody>
+      </p:sp>
+      <p:sp>
+        <p:nvSpPr>
+          <p:cNvPr id="4" name="TextBox 3"/>
+          <p:cNvSpPr txBox="1"/>
+          <p:nvPr/>
+        </p:nvSpPr>
+        <p:spPr>
+          <a:xfrm>
+            <a:off x="0" y="5627915"/>
+            <a:ext cx="12192000" cy="707886"/>
+          </a:xfrm>
+          <a:prstGeom prst="rect">
+            <a:avLst/>
+          </a:prstGeom>
+          <a:noFill/>
+        </p:spPr>
+        <p:txBody>
+          <a:bodyPr wrap="square" rtlCol="0">
+            <a:spAutoFit/>
+          </a:bodyPr>
+          <a:lstStyle/>
+          <a:p>
+            <a:pPr algn="r"/>
+            <a:r>
+              <a:rPr lang="en-US" altLang="ko-KR" sz="4000" dirty="0" smtClean="0">
+                <a:solidFill>
+                  <a:schemeClr val="accent6">
+                    <a:lumMod val="60000"/>
+                    <a:lumOff val="40000"/>
+                  </a:schemeClr>
+                </a:solidFill>
+              </a:rPr>
+              <a:t>4</a:t>
+            </a:r>
+            <a:r>
+              <a:rPr lang="ko-KR" altLang="en-US" sz="4000" dirty="0" smtClean="0">
+                <a:solidFill>
+                  <a:schemeClr val="accent6">
+                    <a:lumMod val="60000"/>
+                    <a:lumOff val="40000"/>
+                  </a:schemeClr>
+                </a:solidFill>
+              </a:rPr>
+              <a:t>조 김용선 김태균 노예슬</a:t>
+            </a:r>
+            <a:endParaRPr lang="ko-KR" altLang="en-US" sz="4000" dirty="0">
+              <a:solidFill>
+                <a:schemeClr val="accent6">
+                  <a:lumMod val="60000"/>
+                  <a:lumOff val="40000"/>
+                </a:schemeClr>
+              </a:solidFill>
+            </a:endParaRPr>
           </a:p>
         </p:txBody>
       </p:sp>
     </p:spTree>
     <p:extLst>
       <p:ext uri="{BB962C8B-B14F-4D97-AF65-F5344CB8AC3E}">
-        <p14:creationId xmlns:p14="http://schemas.microsoft.com/office/powerpoint/2010/main" val="1935177083"/>
+        <p14:creationId xmlns:p14="http://schemas.microsoft.com/office/powerpoint/2010/main" val="3486974035"/>
       </p:ext>
     </p:extLst>
   </p:cSld>
@@ -3044,43 +3179,52 @@
       </p:grpSpPr>
       <p:sp>
         <p:nvSpPr>
-          <p:cNvPr id="2" name="제목 1"/>
-          <p:cNvSpPr>
-            <a:spLocks noGrp="1"/>
-          </p:cNvSpPr>
-          <p:nvPr>
-            <p:ph type="title"/>
-          </p:nvPr>
+          <p:cNvPr id="5" name="직사각형 4"/>
+          <p:cNvSpPr/>
+          <p:nvPr/>
         </p:nvSpPr>
         <p:spPr>
           <a:xfrm>
             <a:off x="0" y="0"/>
-            <a:ext cx="12192000" cy="1325563"/>
-          </a:xfrm>
-        </p:spPr>
-        <p:txBody>
-          <a:bodyPr/>
-          <a:lstStyle/>
-          <a:p>
-            <a:r>
-              <a:rPr lang="ko-KR" altLang="en-US" dirty="0" smtClean="0"/>
-              <a:t>클래스 다이어그램</a:t>
-            </a:r>
-            <a:r>
-              <a:rPr lang="en-US" altLang="ko-KR" dirty="0" smtClean="0"/>
-              <a:t>_</a:t>
-            </a:r>
-            <a:r>
-              <a:rPr lang="en-US" altLang="ko-KR" dirty="0" err="1" smtClean="0"/>
-              <a:t>dao</a:t>
-            </a:r>
-            <a:endParaRPr lang="ko-KR" altLang="en-US" dirty="0"/>
+            <a:ext cx="12192000" cy="6858000"/>
+          </a:xfrm>
+          <a:prstGeom prst="rect">
+            <a:avLst/>
+          </a:prstGeom>
+          <a:solidFill>
+            <a:schemeClr val="accent6">
+              <a:lumMod val="75000"/>
+            </a:schemeClr>
+          </a:solidFill>
+        </p:spPr>
+        <p:style>
+          <a:lnRef idx="2">
+            <a:schemeClr val="accent1">
+              <a:shade val="50000"/>
+            </a:schemeClr>
+          </a:lnRef>
+          <a:fillRef idx="1">
+            <a:schemeClr val="accent1"/>
+          </a:fillRef>
+          <a:effectRef idx="0">
+            <a:schemeClr val="accent1"/>
+          </a:effectRef>
+          <a:fontRef idx="minor">
+            <a:schemeClr val="lt1"/>
+          </a:fontRef>
+        </p:style>
+        <p:txBody>
+          <a:bodyPr rtlCol="0" anchor="ctr"/>
+          <a:lstStyle/>
+          <a:p>
+            <a:pPr algn="ctr"/>
+            <a:endParaRPr lang="ko-KR" altLang="en-US"/>
           </a:p>
         </p:txBody>
       </p:sp>
       <p:pic>
         <p:nvPicPr>
-          <p:cNvPr id="4" name="그림 3"/>
+          <p:cNvPr id="2" name="그림 1"/>
           <p:cNvPicPr>
             <a:picLocks noChangeAspect="1"/>
           </p:cNvPicPr>
@@ -3100,8 +3244,126 @@
         </p:blipFill>
         <p:spPr>
           <a:xfrm>
-            <a:off x="0" y="1477243"/>
-            <a:ext cx="12192000" cy="4694348"/>
+            <a:off x="-1" y="840259"/>
+            <a:ext cx="5374739" cy="6017741"/>
+          </a:xfrm>
+          <a:prstGeom prst="rect">
+            <a:avLst/>
+          </a:prstGeom>
+        </p:spPr>
+      </p:pic>
+      <p:sp>
+        <p:nvSpPr>
+          <p:cNvPr id="3" name="제목 1"/>
+          <p:cNvSpPr txBox="1">
+            <a:spLocks/>
+          </p:cNvSpPr>
+          <p:nvPr/>
+        </p:nvSpPr>
+        <p:spPr>
+          <a:xfrm>
+            <a:off x="0" y="0"/>
+            <a:ext cx="12192000" cy="840259"/>
+          </a:xfrm>
+          <a:prstGeom prst="rect">
+            <a:avLst/>
+          </a:prstGeom>
+          <a:solidFill>
+            <a:schemeClr val="accent6">
+              <a:lumMod val="60000"/>
+              <a:lumOff val="40000"/>
+            </a:schemeClr>
+          </a:solidFill>
+        </p:spPr>
+        <p:txBody>
+          <a:bodyPr vert="horz" lIns="91440" tIns="45720" rIns="91440" bIns="45720" rtlCol="0" anchor="b">
+            <a:normAutofit/>
+          </a:bodyPr>
+          <a:lstStyle>
+            <a:lvl1pPr algn="ctr" defTabSz="914400" rtl="0" eaLnBrk="1" latinLnBrk="1" hangingPunct="1">
+              <a:lnSpc>
+                <a:spcPct val="90000"/>
+              </a:lnSpc>
+              <a:spcBef>
+                <a:spcPct val="0"/>
+              </a:spcBef>
+              <a:buNone/>
+              <a:defRPr sz="6000" kern="1200">
+                <a:solidFill>
+                  <a:schemeClr val="tx1"/>
+                </a:solidFill>
+                <a:latin typeface="+mj-lt"/>
+                <a:ea typeface="+mj-ea"/>
+                <a:cs typeface="+mj-cs"/>
+              </a:defRPr>
+            </a:lvl1pPr>
+          </a:lstStyle>
+          <a:p>
+            <a:pPr algn="l"/>
+            <a:r>
+              <a:rPr lang="ko-KR" altLang="en-US" sz="4400" dirty="0" smtClean="0">
+                <a:solidFill>
+                  <a:schemeClr val="accent6">
+                    <a:lumMod val="75000"/>
+                  </a:schemeClr>
+                </a:solidFill>
+              </a:rPr>
+              <a:t>클래스 다이어그램</a:t>
+            </a:r>
+            <a:r>
+              <a:rPr lang="en-US" altLang="ko-KR" sz="4400" dirty="0" smtClean="0">
+                <a:solidFill>
+                  <a:schemeClr val="accent6">
+                    <a:lumMod val="75000"/>
+                  </a:schemeClr>
+                </a:solidFill>
+              </a:rPr>
+              <a:t>_</a:t>
+            </a:r>
+            <a:r>
+              <a:rPr lang="ko-KR" altLang="en-US" sz="4400" dirty="0" smtClean="0">
+                <a:solidFill>
+                  <a:schemeClr val="accent6">
+                    <a:lumMod val="75000"/>
+                  </a:schemeClr>
+                </a:solidFill>
+              </a:rPr>
+              <a:t>기타</a:t>
+            </a:r>
+            <a:endParaRPr lang="ko-KR" altLang="en-US" sz="4400" dirty="0">
+              <a:solidFill>
+                <a:schemeClr val="accent6">
+                  <a:lumMod val="75000"/>
+                </a:schemeClr>
+              </a:solidFill>
+            </a:endParaRPr>
+          </a:p>
+        </p:txBody>
+      </p:sp>
+      <p:pic>
+        <p:nvPicPr>
+          <p:cNvPr id="4" name="그림 3"/>
+          <p:cNvPicPr>
+            <a:picLocks noChangeAspect="1"/>
+          </p:cNvPicPr>
+          <p:nvPr/>
+        </p:nvPicPr>
+        <p:blipFill>
+          <a:blip r:embed="rId3">
+            <a:extLst>
+              <a:ext uri="{28A0092B-C50C-407E-A947-70E740481C1C}">
+                <a14:useLocalDpi xmlns:a14="http://schemas.microsoft.com/office/drawing/2010/main" val="0"/>
+              </a:ext>
+            </a:extLst>
+          </a:blip>
+          <a:stretch>
+            <a:fillRect/>
+          </a:stretch>
+        </p:blipFill>
+        <p:spPr>
+          <a:xfrm>
+            <a:off x="5374739" y="840259"/>
+            <a:ext cx="6916115" cy="6017741"/>
           </a:xfrm>
           <a:prstGeom prst="rect">
             <a:avLst/>
@@ -3111,7 +3373,7 @@
     </p:spTree>
     <p:extLst>
       <p:ext uri="{BB962C8B-B14F-4D97-AF65-F5344CB8AC3E}">
-        <p14:creationId xmlns:p14="http://schemas.microsoft.com/office/powerpoint/2010/main" val="1683668780"/>
+        <p14:creationId xmlns:p14="http://schemas.microsoft.com/office/powerpoint/2010/main" val="1852688264"/>
       </p:ext>
     </p:extLst>
   </p:cSld>
@@ -3138,9 +3400,120 @@
           <a:chExt cx="0" cy="0"/>
         </a:xfrm>
       </p:grpSpPr>
+      <p:sp>
+        <p:nvSpPr>
+          <p:cNvPr id="3" name="직사각형 2"/>
+          <p:cNvSpPr/>
+          <p:nvPr/>
+        </p:nvSpPr>
+        <p:spPr>
+          <a:xfrm>
+            <a:off x="0" y="0"/>
+            <a:ext cx="12192000" cy="6858000"/>
+          </a:xfrm>
+          <a:prstGeom prst="rect">
+            <a:avLst/>
+          </a:prstGeom>
+          <a:solidFill>
+            <a:schemeClr val="accent6">
+              <a:lumMod val="75000"/>
+            </a:schemeClr>
+          </a:solidFill>
+        </p:spPr>
+        <p:style>
+          <a:lnRef idx="2">
+            <a:schemeClr val="accent1">
+              <a:shade val="50000"/>
+            </a:schemeClr>
+          </a:lnRef>
+          <a:fillRef idx="1">
+            <a:schemeClr val="accent1"/>
+          </a:fillRef>
+          <a:effectRef idx="0">
+            <a:schemeClr val="accent1"/>
+          </a:effectRef>
+          <a:fontRef idx="minor">
+            <a:schemeClr val="lt1"/>
+          </a:fontRef>
+        </p:style>
+        <p:txBody>
+          <a:bodyPr rtlCol="0" anchor="ctr"/>
+          <a:lstStyle/>
+          <a:p>
+            <a:pPr algn="ctr"/>
+            <a:endParaRPr lang="ko-KR" altLang="en-US"/>
+          </a:p>
+        </p:txBody>
+      </p:sp>
+      <p:sp>
+        <p:nvSpPr>
+          <p:cNvPr id="2" name="제목 1"/>
+          <p:cNvSpPr>
+            <a:spLocks noGrp="1"/>
+          </p:cNvSpPr>
+          <p:nvPr>
+            <p:ph type="title"/>
+          </p:nvPr>
+        </p:nvSpPr>
+        <p:spPr>
+          <a:xfrm>
+            <a:off x="0" y="0"/>
+            <a:ext cx="12192000" cy="963827"/>
+          </a:xfrm>
+          <a:solidFill>
+            <a:schemeClr val="accent6">
+              <a:lumMod val="60000"/>
+              <a:lumOff val="40000"/>
+            </a:schemeClr>
+          </a:solidFill>
+        </p:spPr>
+        <p:txBody>
+          <a:bodyPr/>
+          <a:lstStyle/>
+          <a:p>
+            <a:r>
+              <a:rPr lang="ko-KR" altLang="en-US" dirty="0" smtClean="0">
+                <a:solidFill>
+                  <a:schemeClr val="accent6">
+                    <a:lumMod val="75000"/>
+                  </a:schemeClr>
+                </a:solidFill>
+              </a:rPr>
+              <a:t>화면 설계</a:t>
+            </a:r>
+            <a:r>
+              <a:rPr lang="en-US" altLang="ko-KR" dirty="0" smtClean="0">
+                <a:solidFill>
+                  <a:schemeClr val="accent6">
+                    <a:lumMod val="75000"/>
+                  </a:schemeClr>
+                </a:solidFill>
+              </a:rPr>
+              <a:t>_</a:t>
+            </a:r>
+            <a:r>
+              <a:rPr lang="ko-KR" altLang="en-US" dirty="0" smtClean="0">
+                <a:solidFill>
+                  <a:schemeClr val="accent6">
+                    <a:lumMod val="75000"/>
+                  </a:schemeClr>
+                </a:solidFill>
+              </a:rPr>
+              <a:t>계산화면</a:t>
+            </a:r>
+            <a:endParaRPr lang="ko-KR" altLang="en-US" dirty="0">
+              <a:solidFill>
+                <a:schemeClr val="accent6">
+                  <a:lumMod val="75000"/>
+                </a:schemeClr>
+              </a:solidFill>
+            </a:endParaRPr>
+          </a:p>
+        </p:txBody>
+      </p:sp>
       <p:pic>
         <p:nvPicPr>
-          <p:cNvPr id="2" name="그림 1"/>
+          <p:cNvPr id="5" name="그림 4"/>
           <p:cNvPicPr>
             <a:picLocks noChangeAspect="1"/>
           </p:cNvPicPr>
@@ -3160,76 +3533,18 @@
         </p:blipFill>
         <p:spPr>
           <a:xfrm>
-            <a:off x="1580520" y="1323203"/>
-            <a:ext cx="9030960" cy="5534797"/>
+            <a:off x="827314" y="1554200"/>
+            <a:ext cx="10058400" cy="5190947"/>
           </a:xfrm>
           <a:prstGeom prst="rect">
             <a:avLst/>
           </a:prstGeom>
         </p:spPr>
       </p:pic>
-      <p:sp>
-        <p:nvSpPr>
-          <p:cNvPr id="3" name="제목 1"/>
-          <p:cNvSpPr txBox="1">
-            <a:spLocks/>
-          </p:cNvSpPr>
-          <p:nvPr/>
-        </p:nvSpPr>
-        <p:spPr>
-          <a:xfrm>
-            <a:off x="0" y="0"/>
-            <a:ext cx="12192000" cy="840259"/>
-          </a:xfrm>
-          <a:prstGeom prst="rect">
-            <a:avLst/>
-          </a:prstGeom>
-        </p:spPr>
-        <p:txBody>
-          <a:bodyPr vert="horz" lIns="91440" tIns="45720" rIns="91440" bIns="45720" rtlCol="0" anchor="b">
-            <a:normAutofit/>
-          </a:bodyPr>
-          <a:lstStyle>
-            <a:lvl1pPr algn="ctr" defTabSz="914400" rtl="0" eaLnBrk="1" latinLnBrk="1" hangingPunct="1">
-              <a:lnSpc>
-                <a:spcPct val="90000"/>
-              </a:lnSpc>
-              <a:spcBef>
-                <a:spcPct val="0"/>
-              </a:spcBef>
-              <a:buNone/>
-              <a:defRPr sz="6000" kern="1200">
-                <a:solidFill>
-                  <a:schemeClr val="tx1"/>
-                </a:solidFill>
-                <a:latin typeface="+mj-lt"/>
-                <a:ea typeface="+mj-ea"/>
-                <a:cs typeface="+mj-cs"/>
-              </a:defRPr>
-            </a:lvl1pPr>
-          </a:lstStyle>
-          <a:p>
-            <a:pPr algn="l"/>
-            <a:r>
-              <a:rPr lang="ko-KR" altLang="en-US" sz="4400" dirty="0" smtClean="0"/>
-              <a:t>클래스 다이어그램</a:t>
-            </a:r>
-            <a:r>
-              <a:rPr lang="en-US" altLang="ko-KR" sz="4400" dirty="0" smtClean="0"/>
-              <a:t>_</a:t>
-            </a:r>
-            <a:r>
-              <a:rPr lang="en-US" altLang="ko-KR" sz="4400" dirty="0" err="1" smtClean="0"/>
-              <a:t>dao</a:t>
-            </a:r>
-            <a:endParaRPr lang="ko-KR" altLang="en-US" sz="4400" dirty="0"/>
-          </a:p>
-        </p:txBody>
-      </p:sp>
     </p:spTree>
     <p:extLst>
       <p:ext uri="{BB962C8B-B14F-4D97-AF65-F5344CB8AC3E}">
-        <p14:creationId xmlns:p14="http://schemas.microsoft.com/office/powerpoint/2010/main" val="2017086426"/>
+        <p14:creationId xmlns:p14="http://schemas.microsoft.com/office/powerpoint/2010/main" val="1271072128"/>
       </p:ext>
     </p:extLst>
   </p:cSld>
@@ -3256,9 +3571,130 @@
           <a:chExt cx="0" cy="0"/>
         </a:xfrm>
       </p:grpSpPr>
+      <p:sp>
+        <p:nvSpPr>
+          <p:cNvPr id="3" name="직사각형 2"/>
+          <p:cNvSpPr/>
+          <p:nvPr/>
+        </p:nvSpPr>
+        <p:spPr>
+          <a:xfrm>
+            <a:off x="0" y="0"/>
+            <a:ext cx="12192000" cy="6858000"/>
+          </a:xfrm>
+          <a:prstGeom prst="rect">
+            <a:avLst/>
+          </a:prstGeom>
+          <a:solidFill>
+            <a:schemeClr val="accent6">
+              <a:lumMod val="75000"/>
+            </a:schemeClr>
+          </a:solidFill>
+        </p:spPr>
+        <p:style>
+          <a:lnRef idx="2">
+            <a:schemeClr val="accent1">
+              <a:shade val="50000"/>
+            </a:schemeClr>
+          </a:lnRef>
+          <a:fillRef idx="1">
+            <a:schemeClr val="accent1"/>
+          </a:fillRef>
+          <a:effectRef idx="0">
+            <a:schemeClr val="accent1"/>
+          </a:effectRef>
+          <a:fontRef idx="minor">
+            <a:schemeClr val="lt1"/>
+          </a:fontRef>
+        </p:style>
+        <p:txBody>
+          <a:bodyPr rtlCol="0" anchor="ctr"/>
+          <a:lstStyle/>
+          <a:p>
+            <a:pPr algn="ctr"/>
+            <a:endParaRPr lang="ko-KR" altLang="en-US"/>
+          </a:p>
+        </p:txBody>
+      </p:sp>
+      <p:sp>
+        <p:nvSpPr>
+          <p:cNvPr id="2" name="제목 1"/>
+          <p:cNvSpPr>
+            <a:spLocks noGrp="1"/>
+          </p:cNvSpPr>
+          <p:nvPr>
+            <p:ph type="title"/>
+          </p:nvPr>
+        </p:nvSpPr>
+        <p:spPr>
+          <a:xfrm>
+            <a:off x="0" y="0"/>
+            <a:ext cx="12192000" cy="963827"/>
+          </a:xfrm>
+          <a:solidFill>
+            <a:schemeClr val="accent6">
+              <a:lumMod val="60000"/>
+              <a:lumOff val="40000"/>
+            </a:schemeClr>
+          </a:solidFill>
+        </p:spPr>
+        <p:txBody>
+          <a:bodyPr/>
+          <a:lstStyle/>
+          <a:p>
+            <a:r>
+              <a:rPr lang="ko-KR" altLang="en-US" dirty="0">
+                <a:solidFill>
+                  <a:schemeClr val="accent6">
+                    <a:lumMod val="75000"/>
+                  </a:schemeClr>
+                </a:solidFill>
+              </a:rPr>
+              <a:t>화면 </a:t>
+            </a:r>
+            <a:r>
+              <a:rPr lang="ko-KR" altLang="en-US" dirty="0" smtClean="0">
+                <a:solidFill>
+                  <a:schemeClr val="accent6">
+                    <a:lumMod val="75000"/>
+                  </a:schemeClr>
+                </a:solidFill>
+              </a:rPr>
+              <a:t>설계</a:t>
+            </a:r>
+            <a:r>
+              <a:rPr lang="en-US" altLang="ko-KR" dirty="0" smtClean="0">
+                <a:solidFill>
+                  <a:schemeClr val="accent6">
+                    <a:lumMod val="75000"/>
+                  </a:schemeClr>
+                </a:solidFill>
+              </a:rPr>
+              <a:t>_</a:t>
+            </a:r>
+            <a:r>
+              <a:rPr lang="ko-KR" altLang="en-US" dirty="0" smtClean="0">
+                <a:solidFill>
+                  <a:schemeClr val="accent6">
+                    <a:lumMod val="75000"/>
+                  </a:schemeClr>
+                </a:solidFill>
+              </a:rPr>
+              <a:t>검색화면</a:t>
+            </a:r>
+            <a:endParaRPr lang="ko-KR" altLang="en-US" dirty="0">
+              <a:solidFill>
+                <a:schemeClr val="accent6">
+                  <a:lumMod val="75000"/>
+                </a:schemeClr>
+              </a:solidFill>
+            </a:endParaRPr>
+          </a:p>
+        </p:txBody>
+      </p:sp>
       <p:pic>
         <p:nvPicPr>
-          <p:cNvPr id="2" name="그림 1"/>
+          <p:cNvPr id="4" name="그림 3"/>
           <p:cNvPicPr>
             <a:picLocks noChangeAspect="1"/>
           </p:cNvPicPr>
@@ -3278,76 +3714,18 @@
         </p:blipFill>
         <p:spPr>
           <a:xfrm>
-            <a:off x="0" y="788659"/>
-            <a:ext cx="12192000" cy="6069341"/>
+            <a:off x="664029" y="1522272"/>
+            <a:ext cx="10058400" cy="4744668"/>
           </a:xfrm>
           <a:prstGeom prst="rect">
             <a:avLst/>
           </a:prstGeom>
         </p:spPr>
       </p:pic>
-      <p:sp>
-        <p:nvSpPr>
-          <p:cNvPr id="3" name="제목 1"/>
-          <p:cNvSpPr txBox="1">
-            <a:spLocks/>
-          </p:cNvSpPr>
-          <p:nvPr/>
-        </p:nvSpPr>
-        <p:spPr>
-          <a:xfrm>
-            <a:off x="0" y="0"/>
-            <a:ext cx="12192000" cy="840259"/>
-          </a:xfrm>
-          <a:prstGeom prst="rect">
-            <a:avLst/>
-          </a:prstGeom>
-        </p:spPr>
-        <p:txBody>
-          <a:bodyPr vert="horz" lIns="91440" tIns="45720" rIns="91440" bIns="45720" rtlCol="0" anchor="b">
-            <a:normAutofit/>
-          </a:bodyPr>
-          <a:lstStyle>
-            <a:lvl1pPr algn="ctr" defTabSz="914400" rtl="0" eaLnBrk="1" latinLnBrk="1" hangingPunct="1">
-              <a:lnSpc>
-                <a:spcPct val="90000"/>
-              </a:lnSpc>
-              <a:spcBef>
-                <a:spcPct val="0"/>
-              </a:spcBef>
-              <a:buNone/>
-              <a:defRPr sz="6000" kern="1200">
-                <a:solidFill>
-                  <a:schemeClr val="tx1"/>
-                </a:solidFill>
-                <a:latin typeface="+mj-lt"/>
-                <a:ea typeface="+mj-ea"/>
-                <a:cs typeface="+mj-cs"/>
-              </a:defRPr>
-            </a:lvl1pPr>
-          </a:lstStyle>
-          <a:p>
-            <a:pPr algn="l"/>
-            <a:r>
-              <a:rPr lang="ko-KR" altLang="en-US" sz="4400" dirty="0" smtClean="0"/>
-              <a:t>클래스 다이어그램</a:t>
-            </a:r>
-            <a:r>
-              <a:rPr lang="en-US" altLang="ko-KR" sz="4400" dirty="0" smtClean="0"/>
-              <a:t>_</a:t>
-            </a:r>
-            <a:r>
-              <a:rPr lang="en-US" altLang="ko-KR" sz="4400" dirty="0" err="1" smtClean="0"/>
-              <a:t>view_frame</a:t>
-            </a:r>
-            <a:endParaRPr lang="ko-KR" altLang="en-US" sz="4400" dirty="0"/>
-          </a:p>
-        </p:txBody>
-      </p:sp>
     </p:spTree>
     <p:extLst>
       <p:ext uri="{BB962C8B-B14F-4D97-AF65-F5344CB8AC3E}">
-        <p14:creationId xmlns:p14="http://schemas.microsoft.com/office/powerpoint/2010/main" val="3519058630"/>
+        <p14:creationId xmlns:p14="http://schemas.microsoft.com/office/powerpoint/2010/main" val="3358687913"/>
       </p:ext>
     </p:extLst>
   </p:cSld>
@@ -3374,9 +3752,120 @@
           <a:chExt cx="0" cy="0"/>
         </a:xfrm>
       </p:grpSpPr>
+      <p:sp>
+        <p:nvSpPr>
+          <p:cNvPr id="4" name="직사각형 3"/>
+          <p:cNvSpPr/>
+          <p:nvPr/>
+        </p:nvSpPr>
+        <p:spPr>
+          <a:xfrm>
+            <a:off x="0" y="0"/>
+            <a:ext cx="12192000" cy="6858000"/>
+          </a:xfrm>
+          <a:prstGeom prst="rect">
+            <a:avLst/>
+          </a:prstGeom>
+          <a:solidFill>
+            <a:schemeClr val="accent6">
+              <a:lumMod val="75000"/>
+            </a:schemeClr>
+          </a:solidFill>
+        </p:spPr>
+        <p:style>
+          <a:lnRef idx="2">
+            <a:schemeClr val="accent1">
+              <a:shade val="50000"/>
+            </a:schemeClr>
+          </a:lnRef>
+          <a:fillRef idx="1">
+            <a:schemeClr val="accent1"/>
+          </a:fillRef>
+          <a:effectRef idx="0">
+            <a:schemeClr val="accent1"/>
+          </a:effectRef>
+          <a:fontRef idx="minor">
+            <a:schemeClr val="lt1"/>
+          </a:fontRef>
+        </p:style>
+        <p:txBody>
+          <a:bodyPr rtlCol="0" anchor="ctr"/>
+          <a:lstStyle/>
+          <a:p>
+            <a:pPr algn="ctr"/>
+            <a:endParaRPr lang="ko-KR" altLang="en-US"/>
+          </a:p>
+        </p:txBody>
+      </p:sp>
+      <p:sp>
+        <p:nvSpPr>
+          <p:cNvPr id="2" name="제목 1"/>
+          <p:cNvSpPr>
+            <a:spLocks noGrp="1"/>
+          </p:cNvSpPr>
+          <p:nvPr>
+            <p:ph type="title"/>
+          </p:nvPr>
+        </p:nvSpPr>
+        <p:spPr>
+          <a:xfrm>
+            <a:off x="0" y="0"/>
+            <a:ext cx="12192000" cy="963827"/>
+          </a:xfrm>
+          <a:solidFill>
+            <a:schemeClr val="accent6">
+              <a:lumMod val="60000"/>
+              <a:lumOff val="40000"/>
+            </a:schemeClr>
+          </a:solidFill>
+        </p:spPr>
+        <p:txBody>
+          <a:bodyPr/>
+          <a:lstStyle/>
+          <a:p>
+            <a:r>
+              <a:rPr lang="ko-KR" altLang="en-US" dirty="0" smtClean="0">
+                <a:solidFill>
+                  <a:schemeClr val="accent6">
+                    <a:lumMod val="75000"/>
+                  </a:schemeClr>
+                </a:solidFill>
+              </a:rPr>
+              <a:t>화면</a:t>
+            </a:r>
+            <a:r>
+              <a:rPr lang="en-US" altLang="ko-KR" dirty="0" smtClean="0">
+                <a:solidFill>
+                  <a:schemeClr val="accent6">
+                    <a:lumMod val="75000"/>
+                  </a:schemeClr>
+                </a:solidFill>
+              </a:rPr>
+              <a:t>_</a:t>
+            </a:r>
+            <a:r>
+              <a:rPr lang="ko-KR" altLang="en-US" dirty="0" smtClean="0">
+                <a:solidFill>
+                  <a:schemeClr val="accent6">
+                    <a:lumMod val="75000"/>
+                  </a:schemeClr>
+                </a:solidFill>
+              </a:rPr>
+              <a:t>로그인</a:t>
+            </a:r>
+            <a:endParaRPr lang="ko-KR" altLang="en-US" dirty="0">
+              <a:solidFill>
+                <a:schemeClr val="accent6">
+                  <a:lumMod val="75000"/>
+                </a:schemeClr>
+              </a:solidFill>
+            </a:endParaRPr>
+          </a:p>
+        </p:txBody>
+      </p:sp>
       <p:pic>
         <p:nvPicPr>
-          <p:cNvPr id="2" name="그림 1"/>
+          <p:cNvPr id="3" name="그림 2"/>
           <p:cNvPicPr>
             <a:picLocks noChangeAspect="1"/>
           </p:cNvPicPr>
@@ -3396,76 +3885,18 @@
         </p:blipFill>
         <p:spPr>
           <a:xfrm>
-            <a:off x="0" y="963827"/>
-            <a:ext cx="12192000" cy="5894173"/>
+            <a:off x="3995444" y="2038156"/>
+            <a:ext cx="4201111" cy="2781688"/>
           </a:xfrm>
           <a:prstGeom prst="rect">
             <a:avLst/>
           </a:prstGeom>
         </p:spPr>
       </p:pic>
-      <p:sp>
-        <p:nvSpPr>
-          <p:cNvPr id="3" name="제목 1"/>
-          <p:cNvSpPr txBox="1">
-            <a:spLocks/>
-          </p:cNvSpPr>
-          <p:nvPr/>
-        </p:nvSpPr>
-        <p:spPr>
-          <a:xfrm>
-            <a:off x="0" y="0"/>
-            <a:ext cx="12192000" cy="840259"/>
-          </a:xfrm>
-          <a:prstGeom prst="rect">
-            <a:avLst/>
-          </a:prstGeom>
-        </p:spPr>
-        <p:txBody>
-          <a:bodyPr vert="horz" lIns="91440" tIns="45720" rIns="91440" bIns="45720" rtlCol="0" anchor="b">
-            <a:normAutofit/>
-          </a:bodyPr>
-          <a:lstStyle>
-            <a:lvl1pPr algn="ctr" defTabSz="914400" rtl="0" eaLnBrk="1" latinLnBrk="1" hangingPunct="1">
-              <a:lnSpc>
-                <a:spcPct val="90000"/>
-              </a:lnSpc>
-              <a:spcBef>
-                <a:spcPct val="0"/>
-              </a:spcBef>
-              <a:buNone/>
-              <a:defRPr sz="6000" kern="1200">
-                <a:solidFill>
-                  <a:schemeClr val="tx1"/>
-                </a:solidFill>
-                <a:latin typeface="+mj-lt"/>
-                <a:ea typeface="+mj-ea"/>
-                <a:cs typeface="+mj-cs"/>
-              </a:defRPr>
-            </a:lvl1pPr>
-          </a:lstStyle>
-          <a:p>
-            <a:pPr algn="l"/>
-            <a:r>
-              <a:rPr lang="ko-KR" altLang="en-US" sz="4400" dirty="0" smtClean="0"/>
-              <a:t>클래스 다이어그램</a:t>
-            </a:r>
-            <a:r>
-              <a:rPr lang="en-US" altLang="ko-KR" sz="4400" dirty="0" smtClean="0"/>
-              <a:t>_</a:t>
-            </a:r>
-            <a:r>
-              <a:rPr lang="en-US" altLang="ko-KR" sz="4400" dirty="0" err="1" smtClean="0"/>
-              <a:t>view_panel</a:t>
-            </a:r>
-            <a:endParaRPr lang="ko-KR" altLang="en-US" sz="4400" dirty="0"/>
-          </a:p>
-        </p:txBody>
-      </p:sp>
     </p:spTree>
     <p:extLst>
       <p:ext uri="{BB962C8B-B14F-4D97-AF65-F5344CB8AC3E}">
-        <p14:creationId xmlns:p14="http://schemas.microsoft.com/office/powerpoint/2010/main" val="2389869357"/>
+        <p14:creationId xmlns:p14="http://schemas.microsoft.com/office/powerpoint/2010/main" val="3417529623"/>
       </p:ext>
     </p:extLst>
   </p:cSld>
@@ -3492,9 +3923,120 @@
           <a:chExt cx="0" cy="0"/>
         </a:xfrm>
       </p:grpSpPr>
+      <p:sp>
+        <p:nvSpPr>
+          <p:cNvPr id="5" name="직사각형 4"/>
+          <p:cNvSpPr/>
+          <p:nvPr/>
+        </p:nvSpPr>
+        <p:spPr>
+          <a:xfrm>
+            <a:off x="0" y="0"/>
+            <a:ext cx="12192000" cy="6858000"/>
+          </a:xfrm>
+          <a:prstGeom prst="rect">
+            <a:avLst/>
+          </a:prstGeom>
+          <a:solidFill>
+            <a:schemeClr val="accent6">
+              <a:lumMod val="75000"/>
+            </a:schemeClr>
+          </a:solidFill>
+        </p:spPr>
+        <p:style>
+          <a:lnRef idx="2">
+            <a:schemeClr val="accent1">
+              <a:shade val="50000"/>
+            </a:schemeClr>
+          </a:lnRef>
+          <a:fillRef idx="1">
+            <a:schemeClr val="accent1"/>
+          </a:fillRef>
+          <a:effectRef idx="0">
+            <a:schemeClr val="accent1"/>
+          </a:effectRef>
+          <a:fontRef idx="minor">
+            <a:schemeClr val="lt1"/>
+          </a:fontRef>
+        </p:style>
+        <p:txBody>
+          <a:bodyPr rtlCol="0" anchor="ctr"/>
+          <a:lstStyle/>
+          <a:p>
+            <a:pPr algn="ctr"/>
+            <a:endParaRPr lang="ko-KR" altLang="en-US"/>
+          </a:p>
+        </p:txBody>
+      </p:sp>
+      <p:sp>
+        <p:nvSpPr>
+          <p:cNvPr id="2" name="제목 1"/>
+          <p:cNvSpPr>
+            <a:spLocks noGrp="1"/>
+          </p:cNvSpPr>
+          <p:nvPr>
+            <p:ph type="title"/>
+          </p:nvPr>
+        </p:nvSpPr>
+        <p:spPr>
+          <a:xfrm>
+            <a:off x="0" y="0"/>
+            <a:ext cx="12192000" cy="963827"/>
+          </a:xfrm>
+          <a:solidFill>
+            <a:schemeClr val="accent6">
+              <a:lumMod val="60000"/>
+              <a:lumOff val="40000"/>
+            </a:schemeClr>
+          </a:solidFill>
+        </p:spPr>
+        <p:txBody>
+          <a:bodyPr/>
+          <a:lstStyle/>
+          <a:p>
+            <a:r>
+              <a:rPr lang="ko-KR" altLang="en-US" dirty="0" smtClean="0">
+                <a:solidFill>
+                  <a:schemeClr val="accent6">
+                    <a:lumMod val="75000"/>
+                  </a:schemeClr>
+                </a:solidFill>
+              </a:rPr>
+              <a:t>화면</a:t>
+            </a:r>
+            <a:r>
+              <a:rPr lang="en-US" altLang="ko-KR" dirty="0" smtClean="0">
+                <a:solidFill>
+                  <a:schemeClr val="accent6">
+                    <a:lumMod val="75000"/>
+                  </a:schemeClr>
+                </a:solidFill>
+              </a:rPr>
+              <a:t>_</a:t>
+            </a:r>
+            <a:r>
+              <a:rPr lang="ko-KR" altLang="en-US" dirty="0" err="1" smtClean="0">
+                <a:solidFill>
+                  <a:schemeClr val="accent6">
+                    <a:lumMod val="75000"/>
+                  </a:schemeClr>
+                </a:solidFill>
+              </a:rPr>
+              <a:t>직원등록창</a:t>
+            </a:r>
+            <a:endParaRPr lang="ko-KR" altLang="en-US" dirty="0">
+              <a:solidFill>
+                <a:schemeClr val="accent6">
+                  <a:lumMod val="75000"/>
+                </a:schemeClr>
+              </a:solidFill>
+            </a:endParaRPr>
+          </a:p>
+        </p:txBody>
+      </p:sp>
       <p:pic>
         <p:nvPicPr>
-          <p:cNvPr id="2" name="그림 1"/>
+          <p:cNvPr id="4" name="그림 3"/>
           <p:cNvPicPr>
             <a:picLocks noChangeAspect="1"/>
           </p:cNvPicPr>
@@ -3514,96 +4056,8 @@
         </p:blipFill>
         <p:spPr>
           <a:xfrm>
-            <a:off x="468679" y="1795371"/>
-            <a:ext cx="4906060" cy="3143689"/>
-          </a:xfrm>
-          <a:prstGeom prst="rect">
-            <a:avLst/>
-          </a:prstGeom>
-        </p:spPr>
-      </p:pic>
-      <p:sp>
-        <p:nvSpPr>
-          <p:cNvPr id="3" name="제목 1"/>
-          <p:cNvSpPr txBox="1">
-            <a:spLocks/>
-          </p:cNvSpPr>
-          <p:nvPr/>
-        </p:nvSpPr>
-        <p:spPr>
-          <a:xfrm>
-            <a:off x="0" y="0"/>
-            <a:ext cx="12192000" cy="840259"/>
-          </a:xfrm>
-          <a:prstGeom prst="rect">
-            <a:avLst/>
-          </a:prstGeom>
-        </p:spPr>
-        <p:txBody>
-          <a:bodyPr vert="horz" lIns="91440" tIns="45720" rIns="91440" bIns="45720" rtlCol="0" anchor="b">
-            <a:normAutofit/>
-          </a:bodyPr>
-          <a:lstStyle>
-            <a:lvl1pPr algn="ctr" defTabSz="914400" rtl="0" eaLnBrk="1" latinLnBrk="1" hangingPunct="1">
-              <a:lnSpc>
-                <a:spcPct val="90000"/>
-              </a:lnSpc>
-              <a:spcBef>
-                <a:spcPct val="0"/>
-              </a:spcBef>
-              <a:buNone/>
-              <a:defRPr sz="6000" kern="1200">
-                <a:solidFill>
-                  <a:schemeClr val="tx1"/>
-                </a:solidFill>
-                <a:latin typeface="+mj-lt"/>
-                <a:ea typeface="+mj-ea"/>
-                <a:cs typeface="+mj-cs"/>
-              </a:defRPr>
-            </a:lvl1pPr>
-          </a:lstStyle>
-          <a:p>
-            <a:pPr algn="l"/>
-            <a:r>
-              <a:rPr lang="ko-KR" altLang="en-US" sz="4400" dirty="0" smtClean="0"/>
-              <a:t>클래스 다이어그램</a:t>
-            </a:r>
-            <a:r>
-              <a:rPr lang="en-US" altLang="ko-KR" sz="4400" dirty="0" smtClean="0"/>
-              <a:t>_</a:t>
-            </a:r>
-            <a:r>
-              <a:rPr lang="ko-KR" altLang="en-US" sz="4400" dirty="0" smtClean="0"/>
-              <a:t>기타</a:t>
-            </a:r>
-            <a:endParaRPr lang="ko-KR" altLang="en-US" sz="4400" dirty="0"/>
-          </a:p>
-        </p:txBody>
-      </p:sp>
-      <p:pic>
-        <p:nvPicPr>
-          <p:cNvPr id="4" name="그림 3"/>
-          <p:cNvPicPr>
-            <a:picLocks noChangeAspect="1"/>
-          </p:cNvPicPr>
-          <p:nvPr/>
-        </p:nvPicPr>
-        <p:blipFill>
-          <a:blip r:embed="rId3">
-            <a:extLst>
-              <a:ext uri="{28A0092B-C50C-407E-A947-70E740481C1C}">
-                <a14:useLocalDpi xmlns:a14="http://schemas.microsoft.com/office/drawing/2010/main" val="0"/>
-              </a:ext>
-            </a:extLst>
-          </a:blip>
-          <a:stretch>
-            <a:fillRect/>
-          </a:stretch>
-        </p:blipFill>
-        <p:spPr>
-          <a:xfrm>
-            <a:off x="5374739" y="1795371"/>
-            <a:ext cx="6916115" cy="3334215"/>
+            <a:off x="4023252" y="1432673"/>
+            <a:ext cx="3639058" cy="4667901"/>
           </a:xfrm>
           <a:prstGeom prst="rect">
             <a:avLst/>
@@ -3613,7 +4067,7 @@
     </p:spTree>
     <p:extLst>
       <p:ext uri="{BB962C8B-B14F-4D97-AF65-F5344CB8AC3E}">
-        <p14:creationId xmlns:p14="http://schemas.microsoft.com/office/powerpoint/2010/main" val="2593197590"/>
+        <p14:creationId xmlns:p14="http://schemas.microsoft.com/office/powerpoint/2010/main" val="2704145166"/>
       </p:ext>
     </p:extLst>
   </p:cSld>
@@ -3640,9 +4094,210 @@
           <a:chExt cx="0" cy="0"/>
         </a:xfrm>
       </p:grpSpPr>
+      <p:sp>
+        <p:nvSpPr>
+          <p:cNvPr id="7" name="직사각형 6"/>
+          <p:cNvSpPr/>
+          <p:nvPr/>
+        </p:nvSpPr>
+        <p:spPr>
+          <a:xfrm>
+            <a:off x="0" y="0"/>
+            <a:ext cx="12192000" cy="6858000"/>
+          </a:xfrm>
+          <a:prstGeom prst="rect">
+            <a:avLst/>
+          </a:prstGeom>
+          <a:solidFill>
+            <a:schemeClr val="accent6">
+              <a:lumMod val="75000"/>
+            </a:schemeClr>
+          </a:solidFill>
+        </p:spPr>
+        <p:style>
+          <a:lnRef idx="2">
+            <a:schemeClr val="accent1">
+              <a:shade val="50000"/>
+            </a:schemeClr>
+          </a:lnRef>
+          <a:fillRef idx="1">
+            <a:schemeClr val="accent1"/>
+          </a:fillRef>
+          <a:effectRef idx="0">
+            <a:schemeClr val="accent1"/>
+          </a:effectRef>
+          <a:fontRef idx="minor">
+            <a:schemeClr val="lt1"/>
+          </a:fontRef>
+        </p:style>
+        <p:txBody>
+          <a:bodyPr rtlCol="0" anchor="ctr"/>
+          <a:lstStyle/>
+          <a:p>
+            <a:pPr algn="ctr"/>
+            <a:endParaRPr lang="ko-KR" altLang="en-US"/>
+          </a:p>
+        </p:txBody>
+      </p:sp>
+      <p:sp>
+        <p:nvSpPr>
+          <p:cNvPr id="6" name="직사각형 5"/>
+          <p:cNvSpPr/>
+          <p:nvPr/>
+        </p:nvSpPr>
+        <p:spPr>
+          <a:xfrm>
+            <a:off x="0" y="0"/>
+            <a:ext cx="12192000" cy="6858000"/>
+          </a:xfrm>
+          <a:prstGeom prst="rect">
+            <a:avLst/>
+          </a:prstGeom>
+          <a:solidFill>
+            <a:schemeClr val="accent6">
+              <a:lumMod val="75000"/>
+            </a:schemeClr>
+          </a:solidFill>
+        </p:spPr>
+        <p:style>
+          <a:lnRef idx="2">
+            <a:schemeClr val="accent1">
+              <a:shade val="50000"/>
+            </a:schemeClr>
+          </a:lnRef>
+          <a:fillRef idx="1">
+            <a:schemeClr val="accent1"/>
+          </a:fillRef>
+          <a:effectRef idx="0">
+            <a:schemeClr val="accent1"/>
+          </a:effectRef>
+          <a:fontRef idx="minor">
+            <a:schemeClr val="lt1"/>
+          </a:fontRef>
+        </p:style>
+        <p:txBody>
+          <a:bodyPr rtlCol="0" anchor="ctr"/>
+          <a:lstStyle/>
+          <a:p>
+            <a:pPr algn="ctr"/>
+            <a:endParaRPr lang="ko-KR" altLang="en-US"/>
+          </a:p>
+        </p:txBody>
+      </p:sp>
+      <p:sp>
+        <p:nvSpPr>
+          <p:cNvPr id="5" name="직사각형 4"/>
+          <p:cNvSpPr/>
+          <p:nvPr/>
+        </p:nvSpPr>
+        <p:spPr>
+          <a:xfrm>
+            <a:off x="0" y="0"/>
+            <a:ext cx="12192000" cy="6858000"/>
+          </a:xfrm>
+          <a:prstGeom prst="rect">
+            <a:avLst/>
+          </a:prstGeom>
+          <a:solidFill>
+            <a:schemeClr val="accent6">
+              <a:lumMod val="75000"/>
+            </a:schemeClr>
+          </a:solidFill>
+        </p:spPr>
+        <p:style>
+          <a:lnRef idx="2">
+            <a:schemeClr val="accent1">
+              <a:shade val="50000"/>
+            </a:schemeClr>
+          </a:lnRef>
+          <a:fillRef idx="1">
+            <a:schemeClr val="accent1"/>
+          </a:fillRef>
+          <a:effectRef idx="0">
+            <a:schemeClr val="accent1"/>
+          </a:effectRef>
+          <a:fontRef idx="minor">
+            <a:schemeClr val="lt1"/>
+          </a:fontRef>
+        </p:style>
+        <p:txBody>
+          <a:bodyPr rtlCol="0" anchor="ctr"/>
+          <a:lstStyle/>
+          <a:p>
+            <a:pPr algn="ctr"/>
+            <a:endParaRPr lang="ko-KR" altLang="en-US"/>
+          </a:p>
+        </p:txBody>
+      </p:sp>
+      <p:sp>
+        <p:nvSpPr>
+          <p:cNvPr id="2" name="제목 1"/>
+          <p:cNvSpPr>
+            <a:spLocks noGrp="1"/>
+          </p:cNvSpPr>
+          <p:nvPr>
+            <p:ph type="title"/>
+          </p:nvPr>
+        </p:nvSpPr>
+        <p:spPr>
+          <a:xfrm>
+            <a:off x="0" y="0"/>
+            <a:ext cx="12192000" cy="963827"/>
+          </a:xfrm>
+          <a:solidFill>
+            <a:schemeClr val="accent6">
+              <a:lumMod val="60000"/>
+              <a:lumOff val="40000"/>
+            </a:schemeClr>
+          </a:solidFill>
+        </p:spPr>
+        <p:txBody>
+          <a:bodyPr/>
+          <a:lstStyle/>
+          <a:p>
+            <a:r>
+              <a:rPr lang="ko-KR" altLang="en-US" dirty="0" smtClean="0">
+                <a:solidFill>
+                  <a:schemeClr val="accent6">
+                    <a:lumMod val="75000"/>
+                  </a:schemeClr>
+                </a:solidFill>
+              </a:rPr>
+              <a:t>화면</a:t>
+            </a:r>
+            <a:r>
+              <a:rPr lang="en-US" altLang="ko-KR" dirty="0" smtClean="0">
+                <a:solidFill>
+                  <a:schemeClr val="accent6">
+                    <a:lumMod val="75000"/>
+                  </a:schemeClr>
+                </a:solidFill>
+              </a:rPr>
+              <a:t>_</a:t>
+            </a:r>
+            <a:r>
+              <a:rPr lang="ko-KR" altLang="en-US" dirty="0" smtClean="0">
+                <a:solidFill>
+                  <a:schemeClr val="accent6">
+                    <a:lumMod val="75000"/>
+                  </a:schemeClr>
+                </a:solidFill>
+              </a:rPr>
+              <a:t>계산화면</a:t>
+            </a:r>
+            <a:endParaRPr lang="ko-KR" altLang="en-US" dirty="0">
+              <a:solidFill>
+                <a:schemeClr val="accent6">
+                  <a:lumMod val="75000"/>
+                </a:schemeClr>
+              </a:solidFill>
+            </a:endParaRPr>
+          </a:p>
+        </p:txBody>
+      </p:sp>
       <p:pic>
         <p:nvPicPr>
-          <p:cNvPr id="2" name="그림 1"/>
+          <p:cNvPr id="4" name="그림 3"/>
           <p:cNvPicPr>
             <a:picLocks noChangeAspect="1"/>
           </p:cNvPicPr>
@@ -3662,76 +4317,18 @@
         </p:blipFill>
         <p:spPr>
           <a:xfrm>
-            <a:off x="2637942" y="1761892"/>
-            <a:ext cx="6916115" cy="3334215"/>
+            <a:off x="0" y="766040"/>
+            <a:ext cx="12192000" cy="6091960"/>
           </a:xfrm>
           <a:prstGeom prst="rect">
             <a:avLst/>
           </a:prstGeom>
         </p:spPr>
       </p:pic>
-      <p:sp>
-        <p:nvSpPr>
-          <p:cNvPr id="3" name="제목 1"/>
-          <p:cNvSpPr txBox="1">
-            <a:spLocks/>
-          </p:cNvSpPr>
-          <p:nvPr/>
-        </p:nvSpPr>
-        <p:spPr>
-          <a:xfrm>
-            <a:off x="0" y="0"/>
-            <a:ext cx="12192000" cy="840259"/>
-          </a:xfrm>
-          <a:prstGeom prst="rect">
-            <a:avLst/>
-          </a:prstGeom>
-        </p:spPr>
-        <p:txBody>
-          <a:bodyPr vert="horz" lIns="91440" tIns="45720" rIns="91440" bIns="45720" rtlCol="0" anchor="b">
-            <a:normAutofit/>
-          </a:bodyPr>
-          <a:lstStyle>
-            <a:lvl1pPr algn="ctr" defTabSz="914400" rtl="0" eaLnBrk="1" latinLnBrk="1" hangingPunct="1">
-              <a:lnSpc>
-                <a:spcPct val="90000"/>
-              </a:lnSpc>
-              <a:spcBef>
-                <a:spcPct val="0"/>
-              </a:spcBef>
-              <a:buNone/>
-              <a:defRPr sz="6000" kern="1200">
-                <a:solidFill>
-                  <a:schemeClr val="tx1"/>
-                </a:solidFill>
-                <a:latin typeface="+mj-lt"/>
-                <a:ea typeface="+mj-ea"/>
-                <a:cs typeface="+mj-cs"/>
-              </a:defRPr>
-            </a:lvl1pPr>
-          </a:lstStyle>
-          <a:p>
-            <a:pPr algn="l"/>
-            <a:r>
-              <a:rPr lang="ko-KR" altLang="en-US" sz="4400" dirty="0" smtClean="0"/>
-              <a:t>클래스 다이어그램</a:t>
-            </a:r>
-            <a:r>
-              <a:rPr lang="en-US" altLang="ko-KR" sz="4400" dirty="0" smtClean="0"/>
-              <a:t>_</a:t>
-            </a:r>
-            <a:r>
-              <a:rPr lang="en-US" altLang="ko-KR" sz="4400" dirty="0" err="1" smtClean="0"/>
-              <a:t>view_panel</a:t>
-            </a:r>
-            <a:endParaRPr lang="ko-KR" altLang="en-US" sz="4400" dirty="0"/>
-          </a:p>
-        </p:txBody>
-      </p:sp>
     </p:spTree>
     <p:extLst>
       <p:ext uri="{BB962C8B-B14F-4D97-AF65-F5344CB8AC3E}">
-        <p14:creationId xmlns:p14="http://schemas.microsoft.com/office/powerpoint/2010/main" val="382997551"/>
+        <p14:creationId xmlns:p14="http://schemas.microsoft.com/office/powerpoint/2010/main" val="2144071576"/>
       </p:ext>
     </p:extLst>
   </p:cSld>
@@ -3758,9 +4355,210 @@
           <a:chExt cx="0" cy="0"/>
         </a:xfrm>
       </p:grpSpPr>
+      <p:sp>
+        <p:nvSpPr>
+          <p:cNvPr id="6" name="직사각형 5"/>
+          <p:cNvSpPr/>
+          <p:nvPr/>
+        </p:nvSpPr>
+        <p:spPr>
+          <a:xfrm>
+            <a:off x="0" y="0"/>
+            <a:ext cx="12192000" cy="6858000"/>
+          </a:xfrm>
+          <a:prstGeom prst="rect">
+            <a:avLst/>
+          </a:prstGeom>
+          <a:solidFill>
+            <a:schemeClr val="accent6">
+              <a:lumMod val="75000"/>
+            </a:schemeClr>
+          </a:solidFill>
+        </p:spPr>
+        <p:style>
+          <a:lnRef idx="2">
+            <a:schemeClr val="accent1">
+              <a:shade val="50000"/>
+            </a:schemeClr>
+          </a:lnRef>
+          <a:fillRef idx="1">
+            <a:schemeClr val="accent1"/>
+          </a:fillRef>
+          <a:effectRef idx="0">
+            <a:schemeClr val="accent1"/>
+          </a:effectRef>
+          <a:fontRef idx="minor">
+            <a:schemeClr val="lt1"/>
+          </a:fontRef>
+        </p:style>
+        <p:txBody>
+          <a:bodyPr rtlCol="0" anchor="ctr"/>
+          <a:lstStyle/>
+          <a:p>
+            <a:pPr algn="ctr"/>
+            <a:endParaRPr lang="ko-KR" altLang="en-US"/>
+          </a:p>
+        </p:txBody>
+      </p:sp>
+      <p:sp>
+        <p:nvSpPr>
+          <p:cNvPr id="5" name="직사각형 4"/>
+          <p:cNvSpPr/>
+          <p:nvPr/>
+        </p:nvSpPr>
+        <p:spPr>
+          <a:xfrm>
+            <a:off x="0" y="0"/>
+            <a:ext cx="12192000" cy="6858000"/>
+          </a:xfrm>
+          <a:prstGeom prst="rect">
+            <a:avLst/>
+          </a:prstGeom>
+          <a:solidFill>
+            <a:schemeClr val="accent6">
+              <a:lumMod val="75000"/>
+            </a:schemeClr>
+          </a:solidFill>
+        </p:spPr>
+        <p:style>
+          <a:lnRef idx="2">
+            <a:schemeClr val="accent1">
+              <a:shade val="50000"/>
+            </a:schemeClr>
+          </a:lnRef>
+          <a:fillRef idx="1">
+            <a:schemeClr val="accent1"/>
+          </a:fillRef>
+          <a:effectRef idx="0">
+            <a:schemeClr val="accent1"/>
+          </a:effectRef>
+          <a:fontRef idx="minor">
+            <a:schemeClr val="lt1"/>
+          </a:fontRef>
+        </p:style>
+        <p:txBody>
+          <a:bodyPr rtlCol="0" anchor="ctr"/>
+          <a:lstStyle/>
+          <a:p>
+            <a:pPr algn="ctr"/>
+            <a:endParaRPr lang="ko-KR" altLang="en-US"/>
+          </a:p>
+        </p:txBody>
+      </p:sp>
+      <p:sp>
+        <p:nvSpPr>
+          <p:cNvPr id="4" name="직사각형 3"/>
+          <p:cNvSpPr/>
+          <p:nvPr/>
+        </p:nvSpPr>
+        <p:spPr>
+          <a:xfrm>
+            <a:off x="0" y="0"/>
+            <a:ext cx="12192000" cy="6858000"/>
+          </a:xfrm>
+          <a:prstGeom prst="rect">
+            <a:avLst/>
+          </a:prstGeom>
+          <a:solidFill>
+            <a:schemeClr val="accent6">
+              <a:lumMod val="75000"/>
+            </a:schemeClr>
+          </a:solidFill>
+        </p:spPr>
+        <p:style>
+          <a:lnRef idx="2">
+            <a:schemeClr val="accent1">
+              <a:shade val="50000"/>
+            </a:schemeClr>
+          </a:lnRef>
+          <a:fillRef idx="1">
+            <a:schemeClr val="accent1"/>
+          </a:fillRef>
+          <a:effectRef idx="0">
+            <a:schemeClr val="accent1"/>
+          </a:effectRef>
+          <a:fontRef idx="minor">
+            <a:schemeClr val="lt1"/>
+          </a:fontRef>
+        </p:style>
+        <p:txBody>
+          <a:bodyPr rtlCol="0" anchor="ctr"/>
+          <a:lstStyle/>
+          <a:p>
+            <a:pPr algn="ctr"/>
+            <a:endParaRPr lang="ko-KR" altLang="en-US"/>
+          </a:p>
+        </p:txBody>
+      </p:sp>
+      <p:sp>
+        <p:nvSpPr>
+          <p:cNvPr id="2" name="제목 1"/>
+          <p:cNvSpPr>
+            <a:spLocks noGrp="1"/>
+          </p:cNvSpPr>
+          <p:nvPr>
+            <p:ph type="title"/>
+          </p:nvPr>
+        </p:nvSpPr>
+        <p:spPr>
+          <a:xfrm>
+            <a:off x="0" y="0"/>
+            <a:ext cx="12192000" cy="963827"/>
+          </a:xfrm>
+          <a:solidFill>
+            <a:schemeClr val="accent6">
+              <a:lumMod val="60000"/>
+              <a:lumOff val="40000"/>
+            </a:schemeClr>
+          </a:solidFill>
+        </p:spPr>
+        <p:txBody>
+          <a:bodyPr/>
+          <a:lstStyle/>
+          <a:p>
+            <a:r>
+              <a:rPr lang="ko-KR" altLang="en-US" dirty="0" smtClean="0">
+                <a:solidFill>
+                  <a:schemeClr val="accent6">
+                    <a:lumMod val="75000"/>
+                  </a:schemeClr>
+                </a:solidFill>
+              </a:rPr>
+              <a:t>화면</a:t>
+            </a:r>
+            <a:r>
+              <a:rPr lang="en-US" altLang="ko-KR" dirty="0" smtClean="0">
+                <a:solidFill>
+                  <a:schemeClr val="accent6">
+                    <a:lumMod val="75000"/>
+                  </a:schemeClr>
+                </a:solidFill>
+              </a:rPr>
+              <a:t>_</a:t>
+            </a:r>
+            <a:r>
+              <a:rPr lang="ko-KR" altLang="en-US" dirty="0" err="1" smtClean="0">
+                <a:solidFill>
+                  <a:schemeClr val="accent6">
+                    <a:lumMod val="75000"/>
+                  </a:schemeClr>
+                </a:solidFill>
+              </a:rPr>
+              <a:t>매출관리창</a:t>
+            </a:r>
+            <a:endParaRPr lang="ko-KR" altLang="en-US" dirty="0">
+              <a:solidFill>
+                <a:schemeClr val="accent6">
+                  <a:lumMod val="75000"/>
+                </a:schemeClr>
+              </a:solidFill>
+            </a:endParaRPr>
+          </a:p>
+        </p:txBody>
+      </p:sp>
       <p:pic>
         <p:nvPicPr>
-          <p:cNvPr id="2" name="그림 1"/>
+          <p:cNvPr id="3" name="그림 2"/>
           <p:cNvPicPr>
             <a:picLocks noChangeAspect="1"/>
           </p:cNvPicPr>
@@ -3780,8 +4578,8 @@
         </p:blipFill>
         <p:spPr>
           <a:xfrm>
-            <a:off x="2063579" y="86497"/>
-            <a:ext cx="7867135" cy="6858000"/>
+            <a:off x="0" y="819492"/>
+            <a:ext cx="12192000" cy="6038508"/>
           </a:xfrm>
           <a:prstGeom prst="rect">
             <a:avLst/>
@@ -3791,7 +4589,666 @@
     </p:spTree>
     <p:extLst>
       <p:ext uri="{BB962C8B-B14F-4D97-AF65-F5344CB8AC3E}">
-        <p14:creationId xmlns:p14="http://schemas.microsoft.com/office/powerpoint/2010/main" val="584378978"/>
+        <p14:creationId xmlns:p14="http://schemas.microsoft.com/office/powerpoint/2010/main" val="4214658824"/>
+      </p:ext>
+    </p:extLst>
+  </p:cSld>
+  <p:clrMapOvr>
+    <a:masterClrMapping/>
+  </p:clrMapOvr>
+</p:sld>
+</file>
+
+<file path=ppt/slides/slide17.xml><?xml version="1.0" encoding="utf-8"?>
+<p:sld xmlns:a="http://schemas.openxmlformats.org/drawingml/2006/main" xmlns:r="http://schemas.openxmlformats.org/officeDocument/2006/relationships" xmlns:p="http://schemas.openxmlformats.org/presentationml/2006/main">
+  <p:cSld>
+    <p:bg>
+      <p:bgPr>
+        <a:solidFill>
+          <a:schemeClr val="accent6">
+            <a:lumMod val="60000"/>
+            <a:lumOff val="40000"/>
+          </a:schemeClr>
+        </a:solidFill>
+        <a:effectLst/>
+      </p:bgPr>
+    </p:bg>
+    <p:spTree>
+      <p:nvGrpSpPr>
+        <p:cNvPr id="1" name=""/>
+        <p:cNvGrpSpPr/>
+        <p:nvPr/>
+      </p:nvGrpSpPr>
+      <p:grpSpPr>
+        <a:xfrm>
+          <a:off x="0" y="0"/>
+          <a:ext cx="0" cy="0"/>
+          <a:chOff x="0" y="0"/>
+          <a:chExt cx="0" cy="0"/>
+        </a:xfrm>
+      </p:grpSpPr>
+      <p:sp>
+        <p:nvSpPr>
+          <p:cNvPr id="5" name="직사각형 4"/>
+          <p:cNvSpPr/>
+          <p:nvPr/>
+        </p:nvSpPr>
+        <p:spPr>
+          <a:xfrm>
+            <a:off x="0" y="76200"/>
+            <a:ext cx="12192000" cy="6858000"/>
+          </a:xfrm>
+          <a:prstGeom prst="rect">
+            <a:avLst/>
+          </a:prstGeom>
+          <a:solidFill>
+            <a:schemeClr val="accent6">
+              <a:lumMod val="75000"/>
+            </a:schemeClr>
+          </a:solidFill>
+        </p:spPr>
+        <p:style>
+          <a:lnRef idx="2">
+            <a:schemeClr val="accent1">
+              <a:shade val="50000"/>
+            </a:schemeClr>
+          </a:lnRef>
+          <a:fillRef idx="1">
+            <a:schemeClr val="accent1"/>
+          </a:fillRef>
+          <a:effectRef idx="0">
+            <a:schemeClr val="accent1"/>
+          </a:effectRef>
+          <a:fontRef idx="minor">
+            <a:schemeClr val="lt1"/>
+          </a:fontRef>
+        </p:style>
+        <p:txBody>
+          <a:bodyPr rtlCol="0" anchor="ctr"/>
+          <a:lstStyle/>
+          <a:p>
+            <a:pPr algn="ctr"/>
+            <a:endParaRPr lang="ko-KR" altLang="en-US"/>
+          </a:p>
+        </p:txBody>
+      </p:sp>
+      <p:sp>
+        <p:nvSpPr>
+          <p:cNvPr id="4" name="직사각형 3"/>
+          <p:cNvSpPr/>
+          <p:nvPr/>
+        </p:nvSpPr>
+        <p:spPr>
+          <a:xfrm>
+            <a:off x="0" y="0"/>
+            <a:ext cx="12192000" cy="6858000"/>
+          </a:xfrm>
+          <a:prstGeom prst="rect">
+            <a:avLst/>
+          </a:prstGeom>
+          <a:solidFill>
+            <a:schemeClr val="accent6">
+              <a:lumMod val="75000"/>
+            </a:schemeClr>
+          </a:solidFill>
+        </p:spPr>
+        <p:style>
+          <a:lnRef idx="2">
+            <a:schemeClr val="accent1">
+              <a:shade val="50000"/>
+            </a:schemeClr>
+          </a:lnRef>
+          <a:fillRef idx="1">
+            <a:schemeClr val="accent1"/>
+          </a:fillRef>
+          <a:effectRef idx="0">
+            <a:schemeClr val="accent1"/>
+          </a:effectRef>
+          <a:fontRef idx="minor">
+            <a:schemeClr val="lt1"/>
+          </a:fontRef>
+        </p:style>
+        <p:txBody>
+          <a:bodyPr rtlCol="0" anchor="ctr"/>
+          <a:lstStyle/>
+          <a:p>
+            <a:pPr algn="ctr"/>
+            <a:endParaRPr lang="ko-KR" altLang="en-US"/>
+          </a:p>
+        </p:txBody>
+      </p:sp>
+      <p:sp>
+        <p:nvSpPr>
+          <p:cNvPr id="2" name="제목 1"/>
+          <p:cNvSpPr>
+            <a:spLocks noGrp="1"/>
+          </p:cNvSpPr>
+          <p:nvPr>
+            <p:ph type="title"/>
+          </p:nvPr>
+        </p:nvSpPr>
+        <p:spPr>
+          <a:xfrm>
+            <a:off x="0" y="0"/>
+            <a:ext cx="12192000" cy="963827"/>
+          </a:xfrm>
+          <a:solidFill>
+            <a:schemeClr val="accent6">
+              <a:lumMod val="60000"/>
+              <a:lumOff val="40000"/>
+            </a:schemeClr>
+          </a:solidFill>
+        </p:spPr>
+        <p:txBody>
+          <a:bodyPr/>
+          <a:lstStyle/>
+          <a:p>
+            <a:r>
+              <a:rPr lang="ko-KR" altLang="en-US" dirty="0" smtClean="0">
+                <a:solidFill>
+                  <a:schemeClr val="accent6">
+                    <a:lumMod val="75000"/>
+                  </a:schemeClr>
+                </a:solidFill>
+              </a:rPr>
+              <a:t>화면</a:t>
+            </a:r>
+            <a:r>
+              <a:rPr lang="en-US" altLang="ko-KR" dirty="0" smtClean="0">
+                <a:solidFill>
+                  <a:schemeClr val="accent6">
+                    <a:lumMod val="75000"/>
+                  </a:schemeClr>
+                </a:solidFill>
+              </a:rPr>
+              <a:t>_</a:t>
+            </a:r>
+            <a:r>
+              <a:rPr lang="ko-KR" altLang="en-US" dirty="0" err="1" smtClean="0">
+                <a:solidFill>
+                  <a:schemeClr val="accent6">
+                    <a:lumMod val="75000"/>
+                  </a:schemeClr>
+                </a:solidFill>
+              </a:rPr>
+              <a:t>재고관리창</a:t>
+            </a:r>
+            <a:endParaRPr lang="ko-KR" altLang="en-US" dirty="0">
+              <a:solidFill>
+                <a:schemeClr val="accent6">
+                  <a:lumMod val="75000"/>
+                </a:schemeClr>
+              </a:solidFill>
+            </a:endParaRPr>
+          </a:p>
+        </p:txBody>
+      </p:sp>
+      <p:pic>
+        <p:nvPicPr>
+          <p:cNvPr id="3" name="그림 2"/>
+          <p:cNvPicPr>
+            <a:picLocks noChangeAspect="1"/>
+          </p:cNvPicPr>
+          <p:nvPr/>
+        </p:nvPicPr>
+        <p:blipFill>
+          <a:blip r:embed="rId2">
+            <a:extLst>
+              <a:ext uri="{28A0092B-C50C-407E-A947-70E740481C1C}">
+                <a14:useLocalDpi xmlns:a14="http://schemas.microsoft.com/office/drawing/2010/main" val="0"/>
+              </a:ext>
+            </a:extLst>
+          </a:blip>
+          <a:stretch>
+            <a:fillRect/>
+          </a:stretch>
+        </p:blipFill>
+        <p:spPr>
+          <a:xfrm>
+            <a:off x="0" y="780108"/>
+            <a:ext cx="12192000" cy="6077892"/>
+          </a:xfrm>
+          <a:prstGeom prst="rect">
+            <a:avLst/>
+          </a:prstGeom>
+        </p:spPr>
+      </p:pic>
+    </p:spTree>
+    <p:extLst>
+      <p:ext uri="{BB962C8B-B14F-4D97-AF65-F5344CB8AC3E}">
+        <p14:creationId xmlns:p14="http://schemas.microsoft.com/office/powerpoint/2010/main" val="2934310916"/>
+      </p:ext>
+    </p:extLst>
+  </p:cSld>
+  <p:clrMapOvr>
+    <a:masterClrMapping/>
+  </p:clrMapOvr>
+</p:sld>
+</file>
+
+<file path=ppt/slides/slide18.xml><?xml version="1.0" encoding="utf-8"?>
+<p:sld xmlns:a="http://schemas.openxmlformats.org/drawingml/2006/main" xmlns:r="http://schemas.openxmlformats.org/officeDocument/2006/relationships" xmlns:p="http://schemas.openxmlformats.org/presentationml/2006/main">
+  <p:cSld>
+    <p:spTree>
+      <p:nvGrpSpPr>
+        <p:cNvPr id="1" name=""/>
+        <p:cNvGrpSpPr/>
+        <p:nvPr/>
+      </p:nvGrpSpPr>
+      <p:grpSpPr>
+        <a:xfrm>
+          <a:off x="0" y="0"/>
+          <a:ext cx="0" cy="0"/>
+          <a:chOff x="0" y="0"/>
+          <a:chExt cx="0" cy="0"/>
+        </a:xfrm>
+      </p:grpSpPr>
+      <p:sp>
+        <p:nvSpPr>
+          <p:cNvPr id="5" name="직사각형 4"/>
+          <p:cNvSpPr/>
+          <p:nvPr/>
+        </p:nvSpPr>
+        <p:spPr>
+          <a:xfrm>
+            <a:off x="0" y="0"/>
+            <a:ext cx="12192000" cy="6858000"/>
+          </a:xfrm>
+          <a:prstGeom prst="rect">
+            <a:avLst/>
+          </a:prstGeom>
+          <a:solidFill>
+            <a:schemeClr val="accent6">
+              <a:lumMod val="75000"/>
+            </a:schemeClr>
+          </a:solidFill>
+        </p:spPr>
+        <p:style>
+          <a:lnRef idx="2">
+            <a:schemeClr val="accent1">
+              <a:shade val="50000"/>
+            </a:schemeClr>
+          </a:lnRef>
+          <a:fillRef idx="1">
+            <a:schemeClr val="accent1"/>
+          </a:fillRef>
+          <a:effectRef idx="0">
+            <a:schemeClr val="accent1"/>
+          </a:effectRef>
+          <a:fontRef idx="minor">
+            <a:schemeClr val="lt1"/>
+          </a:fontRef>
+        </p:style>
+        <p:txBody>
+          <a:bodyPr rtlCol="0" anchor="ctr"/>
+          <a:lstStyle/>
+          <a:p>
+            <a:pPr algn="ctr"/>
+            <a:endParaRPr lang="ko-KR" altLang="en-US"/>
+          </a:p>
+        </p:txBody>
+      </p:sp>
+      <p:sp>
+        <p:nvSpPr>
+          <p:cNvPr id="4" name="직사각형 3"/>
+          <p:cNvSpPr/>
+          <p:nvPr/>
+        </p:nvSpPr>
+        <p:spPr>
+          <a:xfrm>
+            <a:off x="0" y="0"/>
+            <a:ext cx="12192000" cy="6858000"/>
+          </a:xfrm>
+          <a:prstGeom prst="rect">
+            <a:avLst/>
+          </a:prstGeom>
+          <a:solidFill>
+            <a:schemeClr val="accent6">
+              <a:lumMod val="75000"/>
+            </a:schemeClr>
+          </a:solidFill>
+        </p:spPr>
+        <p:style>
+          <a:lnRef idx="2">
+            <a:schemeClr val="accent1">
+              <a:shade val="50000"/>
+            </a:schemeClr>
+          </a:lnRef>
+          <a:fillRef idx="1">
+            <a:schemeClr val="accent1"/>
+          </a:fillRef>
+          <a:effectRef idx="0">
+            <a:schemeClr val="accent1"/>
+          </a:effectRef>
+          <a:fontRef idx="minor">
+            <a:schemeClr val="lt1"/>
+          </a:fontRef>
+        </p:style>
+        <p:txBody>
+          <a:bodyPr rtlCol="0" anchor="ctr"/>
+          <a:lstStyle/>
+          <a:p>
+            <a:pPr algn="ctr"/>
+            <a:endParaRPr lang="ko-KR" altLang="en-US"/>
+          </a:p>
+        </p:txBody>
+      </p:sp>
+      <p:sp>
+        <p:nvSpPr>
+          <p:cNvPr id="2" name="제목 1"/>
+          <p:cNvSpPr>
+            <a:spLocks noGrp="1"/>
+          </p:cNvSpPr>
+          <p:nvPr>
+            <p:ph type="title"/>
+          </p:nvPr>
+        </p:nvSpPr>
+        <p:spPr>
+          <a:xfrm>
+            <a:off x="0" y="0"/>
+            <a:ext cx="12192000" cy="963827"/>
+          </a:xfrm>
+          <a:solidFill>
+            <a:schemeClr val="accent6">
+              <a:lumMod val="60000"/>
+              <a:lumOff val="40000"/>
+            </a:schemeClr>
+          </a:solidFill>
+        </p:spPr>
+        <p:txBody>
+          <a:bodyPr/>
+          <a:lstStyle/>
+          <a:p>
+            <a:r>
+              <a:rPr lang="ko-KR" altLang="en-US" dirty="0" smtClean="0">
+                <a:solidFill>
+                  <a:schemeClr val="accent6">
+                    <a:lumMod val="75000"/>
+                  </a:schemeClr>
+                </a:solidFill>
+              </a:rPr>
+              <a:t>화면</a:t>
+            </a:r>
+            <a:r>
+              <a:rPr lang="en-US" altLang="ko-KR" dirty="0" smtClean="0">
+                <a:solidFill>
+                  <a:schemeClr val="accent6">
+                    <a:lumMod val="75000"/>
+                  </a:schemeClr>
+                </a:solidFill>
+              </a:rPr>
+              <a:t>_</a:t>
+            </a:r>
+            <a:r>
+              <a:rPr lang="ko-KR" altLang="en-US" dirty="0" err="1" smtClean="0">
+                <a:solidFill>
+                  <a:schemeClr val="accent6">
+                    <a:lumMod val="75000"/>
+                  </a:schemeClr>
+                </a:solidFill>
+              </a:rPr>
+              <a:t>제품주문창</a:t>
+            </a:r>
+            <a:endParaRPr lang="ko-KR" altLang="en-US" dirty="0">
+              <a:solidFill>
+                <a:schemeClr val="accent6">
+                  <a:lumMod val="75000"/>
+                </a:schemeClr>
+              </a:solidFill>
+            </a:endParaRPr>
+          </a:p>
+        </p:txBody>
+      </p:sp>
+      <p:pic>
+        <p:nvPicPr>
+          <p:cNvPr id="3" name="그림 2"/>
+          <p:cNvPicPr>
+            <a:picLocks noChangeAspect="1"/>
+          </p:cNvPicPr>
+          <p:nvPr/>
+        </p:nvPicPr>
+        <p:blipFill>
+          <a:blip r:embed="rId2">
+            <a:extLst>
+              <a:ext uri="{28A0092B-C50C-407E-A947-70E740481C1C}">
+                <a14:useLocalDpi xmlns:a14="http://schemas.microsoft.com/office/drawing/2010/main" val="0"/>
+              </a:ext>
+            </a:extLst>
+          </a:blip>
+          <a:stretch>
+            <a:fillRect/>
+          </a:stretch>
+        </p:blipFill>
+        <p:spPr>
+          <a:xfrm>
+            <a:off x="0" y="963827"/>
+            <a:ext cx="12192000" cy="5894173"/>
+          </a:xfrm>
+          <a:prstGeom prst="rect">
+            <a:avLst/>
+          </a:prstGeom>
+        </p:spPr>
+      </p:pic>
+    </p:spTree>
+    <p:extLst>
+      <p:ext uri="{BB962C8B-B14F-4D97-AF65-F5344CB8AC3E}">
+        <p14:creationId xmlns:p14="http://schemas.microsoft.com/office/powerpoint/2010/main" val="1158442062"/>
+      </p:ext>
+    </p:extLst>
+  </p:cSld>
+  <p:clrMapOvr>
+    <a:masterClrMapping/>
+  </p:clrMapOvr>
+</p:sld>
+</file>
+
+<file path=ppt/slides/slide19.xml><?xml version="1.0" encoding="utf-8"?>
+<p:sld xmlns:a="http://schemas.openxmlformats.org/drawingml/2006/main" xmlns:r="http://schemas.openxmlformats.org/officeDocument/2006/relationships" xmlns:p="http://schemas.openxmlformats.org/presentationml/2006/main">
+  <p:cSld>
+    <p:spTree>
+      <p:nvGrpSpPr>
+        <p:cNvPr id="1" name=""/>
+        <p:cNvGrpSpPr/>
+        <p:nvPr/>
+      </p:nvGrpSpPr>
+      <p:grpSpPr>
+        <a:xfrm>
+          <a:off x="0" y="0"/>
+          <a:ext cx="0" cy="0"/>
+          <a:chOff x="0" y="0"/>
+          <a:chExt cx="0" cy="0"/>
+        </a:xfrm>
+      </p:grpSpPr>
+      <p:sp>
+        <p:nvSpPr>
+          <p:cNvPr id="5" name="직사각형 4"/>
+          <p:cNvSpPr/>
+          <p:nvPr/>
+        </p:nvSpPr>
+        <p:spPr>
+          <a:xfrm>
+            <a:off x="0" y="0"/>
+            <a:ext cx="12192000" cy="6858000"/>
+          </a:xfrm>
+          <a:prstGeom prst="rect">
+            <a:avLst/>
+          </a:prstGeom>
+          <a:solidFill>
+            <a:schemeClr val="accent6">
+              <a:lumMod val="75000"/>
+            </a:schemeClr>
+          </a:solidFill>
+        </p:spPr>
+        <p:style>
+          <a:lnRef idx="2">
+            <a:schemeClr val="accent1">
+              <a:shade val="50000"/>
+            </a:schemeClr>
+          </a:lnRef>
+          <a:fillRef idx="1">
+            <a:schemeClr val="accent1"/>
+          </a:fillRef>
+          <a:effectRef idx="0">
+            <a:schemeClr val="accent1"/>
+          </a:effectRef>
+          <a:fontRef idx="minor">
+            <a:schemeClr val="lt1"/>
+          </a:fontRef>
+        </p:style>
+        <p:txBody>
+          <a:bodyPr rtlCol="0" anchor="ctr"/>
+          <a:lstStyle/>
+          <a:p>
+            <a:pPr algn="ctr"/>
+            <a:endParaRPr lang="ko-KR" altLang="en-US"/>
+          </a:p>
+        </p:txBody>
+      </p:sp>
+      <p:sp>
+        <p:nvSpPr>
+          <p:cNvPr id="4" name="직사각형 3"/>
+          <p:cNvSpPr/>
+          <p:nvPr/>
+        </p:nvSpPr>
+        <p:spPr>
+          <a:xfrm>
+            <a:off x="0" y="0"/>
+            <a:ext cx="12192000" cy="6858000"/>
+          </a:xfrm>
+          <a:prstGeom prst="rect">
+            <a:avLst/>
+          </a:prstGeom>
+          <a:solidFill>
+            <a:schemeClr val="accent6">
+              <a:lumMod val="75000"/>
+            </a:schemeClr>
+          </a:solidFill>
+        </p:spPr>
+        <p:style>
+          <a:lnRef idx="2">
+            <a:schemeClr val="accent1">
+              <a:shade val="50000"/>
+            </a:schemeClr>
+          </a:lnRef>
+          <a:fillRef idx="1">
+            <a:schemeClr val="accent1"/>
+          </a:fillRef>
+          <a:effectRef idx="0">
+            <a:schemeClr val="accent1"/>
+          </a:effectRef>
+          <a:fontRef idx="minor">
+            <a:schemeClr val="lt1"/>
+          </a:fontRef>
+        </p:style>
+        <p:txBody>
+          <a:bodyPr rtlCol="0" anchor="ctr"/>
+          <a:lstStyle/>
+          <a:p>
+            <a:pPr algn="ctr"/>
+            <a:endParaRPr lang="ko-KR" altLang="en-US"/>
+          </a:p>
+        </p:txBody>
+      </p:sp>
+      <p:sp>
+        <p:nvSpPr>
+          <p:cNvPr id="2" name="제목 1"/>
+          <p:cNvSpPr>
+            <a:spLocks noGrp="1"/>
+          </p:cNvSpPr>
+          <p:nvPr>
+            <p:ph type="title"/>
+          </p:nvPr>
+        </p:nvSpPr>
+        <p:spPr>
+          <a:xfrm>
+            <a:off x="0" y="0"/>
+            <a:ext cx="12192000" cy="963827"/>
+          </a:xfrm>
+          <a:solidFill>
+            <a:schemeClr val="accent6">
+              <a:lumMod val="60000"/>
+              <a:lumOff val="40000"/>
+            </a:schemeClr>
+          </a:solidFill>
+        </p:spPr>
+        <p:txBody>
+          <a:bodyPr/>
+          <a:lstStyle/>
+          <a:p>
+            <a:r>
+              <a:rPr lang="ko-KR" altLang="en-US" dirty="0" smtClean="0">
+                <a:solidFill>
+                  <a:schemeClr val="accent6">
+                    <a:lumMod val="75000"/>
+                  </a:schemeClr>
+                </a:solidFill>
+              </a:rPr>
+              <a:t>화면</a:t>
+            </a:r>
+            <a:r>
+              <a:rPr lang="en-US" altLang="ko-KR" dirty="0" smtClean="0">
+                <a:solidFill>
+                  <a:schemeClr val="accent6">
+                    <a:lumMod val="75000"/>
+                  </a:schemeClr>
+                </a:solidFill>
+              </a:rPr>
+              <a:t>_</a:t>
+            </a:r>
+            <a:r>
+              <a:rPr lang="ko-KR" altLang="en-US" dirty="0" smtClean="0">
+                <a:solidFill>
+                  <a:schemeClr val="accent6">
+                    <a:lumMod val="75000"/>
+                  </a:schemeClr>
+                </a:solidFill>
+              </a:rPr>
+              <a:t>직원관리화면</a:t>
+            </a:r>
+            <a:endParaRPr lang="ko-KR" altLang="en-US" dirty="0">
+              <a:solidFill>
+                <a:schemeClr val="accent6">
+                  <a:lumMod val="75000"/>
+                </a:schemeClr>
+              </a:solidFill>
+            </a:endParaRPr>
+          </a:p>
+        </p:txBody>
+      </p:sp>
+      <p:pic>
+        <p:nvPicPr>
+          <p:cNvPr id="3" name="그림 2"/>
+          <p:cNvPicPr>
+            <a:picLocks noChangeAspect="1"/>
+          </p:cNvPicPr>
+          <p:nvPr/>
+        </p:nvPicPr>
+        <p:blipFill>
+          <a:blip r:embed="rId2">
+            <a:extLst>
+              <a:ext uri="{28A0092B-C50C-407E-A947-70E740481C1C}">
+                <a14:useLocalDpi xmlns:a14="http://schemas.microsoft.com/office/drawing/2010/main" val="0"/>
+              </a:ext>
+            </a:extLst>
+          </a:blip>
+          <a:stretch>
+            <a:fillRect/>
+          </a:stretch>
+        </p:blipFill>
+        <p:spPr>
+          <a:xfrm>
+            <a:off x="0" y="963827"/>
+            <a:ext cx="12192000" cy="5894173"/>
+          </a:xfrm>
+          <a:prstGeom prst="rect">
+            <a:avLst/>
+          </a:prstGeom>
+        </p:spPr>
+      </p:pic>
+    </p:spTree>
+    <p:extLst>
+      <p:ext uri="{BB962C8B-B14F-4D97-AF65-F5344CB8AC3E}">
+        <p14:creationId xmlns:p14="http://schemas.microsoft.com/office/powerpoint/2010/main" val="4005515353"/>
       </p:ext>
     </p:extLst>
   </p:cSld>
@@ -3820,6 +5277,245 @@
       </p:grpSpPr>
       <p:sp>
         <p:nvSpPr>
+          <p:cNvPr id="3" name="직사각형 2"/>
+          <p:cNvSpPr/>
+          <p:nvPr/>
+        </p:nvSpPr>
+        <p:spPr>
+          <a:xfrm>
+            <a:off x="0" y="963827"/>
+            <a:ext cx="12192000" cy="5894173"/>
+          </a:xfrm>
+          <a:prstGeom prst="rect">
+            <a:avLst/>
+          </a:prstGeom>
+          <a:solidFill>
+            <a:schemeClr val="accent6">
+              <a:lumMod val="75000"/>
+            </a:schemeClr>
+          </a:solidFill>
+        </p:spPr>
+        <p:style>
+          <a:lnRef idx="2">
+            <a:schemeClr val="accent1">
+              <a:shade val="50000"/>
+            </a:schemeClr>
+          </a:lnRef>
+          <a:fillRef idx="1">
+            <a:schemeClr val="accent1"/>
+          </a:fillRef>
+          <a:effectRef idx="0">
+            <a:schemeClr val="accent1"/>
+          </a:effectRef>
+          <a:fontRef idx="minor">
+            <a:schemeClr val="lt1"/>
+          </a:fontRef>
+        </p:style>
+        <p:txBody>
+          <a:bodyPr rtlCol="0" anchor="ctr"/>
+          <a:lstStyle/>
+          <a:p>
+            <a:r>
+              <a:rPr lang="ko-KR" altLang="en-US" sz="2800" dirty="0" smtClean="0">
+                <a:solidFill>
+                  <a:schemeClr val="accent6">
+                    <a:lumMod val="60000"/>
+                    <a:lumOff val="40000"/>
+                  </a:schemeClr>
+                </a:solidFill>
+              </a:rPr>
+              <a:t>사용자 요구사항</a:t>
+            </a:r>
+            <a:endParaRPr lang="en-US" altLang="ko-KR" sz="2800" dirty="0" smtClean="0">
+              <a:solidFill>
+                <a:schemeClr val="accent6">
+                  <a:lumMod val="60000"/>
+                  <a:lumOff val="40000"/>
+                </a:schemeClr>
+              </a:solidFill>
+            </a:endParaRPr>
+          </a:p>
+          <a:p>
+            <a:endParaRPr lang="en-US" altLang="ko-KR" sz="2800" dirty="0">
+              <a:solidFill>
+                <a:schemeClr val="accent6">
+                  <a:lumMod val="60000"/>
+                  <a:lumOff val="40000"/>
+                </a:schemeClr>
+              </a:solidFill>
+            </a:endParaRPr>
+          </a:p>
+          <a:p>
+            <a:r>
+              <a:rPr lang="ko-KR" altLang="en-US" sz="2800" dirty="0" err="1" smtClean="0">
+                <a:solidFill>
+                  <a:schemeClr val="accent6">
+                    <a:lumMod val="60000"/>
+                    <a:lumOff val="40000"/>
+                  </a:schemeClr>
+                </a:solidFill>
+              </a:rPr>
+              <a:t>간트차트</a:t>
+            </a:r>
+            <a:endParaRPr lang="en-US" altLang="ko-KR" sz="2800" dirty="0" smtClean="0">
+              <a:solidFill>
+                <a:schemeClr val="accent6">
+                  <a:lumMod val="60000"/>
+                  <a:lumOff val="40000"/>
+                </a:schemeClr>
+              </a:solidFill>
+            </a:endParaRPr>
+          </a:p>
+          <a:p>
+            <a:endParaRPr lang="en-US" altLang="ko-KR" sz="2800" dirty="0" smtClean="0">
+              <a:solidFill>
+                <a:schemeClr val="accent6">
+                  <a:lumMod val="60000"/>
+                  <a:lumOff val="40000"/>
+                </a:schemeClr>
+              </a:solidFill>
+            </a:endParaRPr>
+          </a:p>
+          <a:p>
+            <a:r>
+              <a:rPr lang="en-US" altLang="ko-KR" sz="2800" dirty="0">
+                <a:solidFill>
+                  <a:schemeClr val="accent6">
+                    <a:lumMod val="60000"/>
+                    <a:lumOff val="40000"/>
+                  </a:schemeClr>
+                </a:solidFill>
+              </a:rPr>
+              <a:t>E-R </a:t>
+            </a:r>
+            <a:r>
+              <a:rPr lang="ko-KR" altLang="en-US" sz="2800" dirty="0">
+                <a:solidFill>
+                  <a:schemeClr val="accent6">
+                    <a:lumMod val="60000"/>
+                    <a:lumOff val="40000"/>
+                  </a:schemeClr>
+                </a:solidFill>
+              </a:rPr>
+              <a:t>다이어그램</a:t>
+            </a:r>
+            <a:endParaRPr lang="en-US" altLang="ko-KR" sz="2800" dirty="0">
+              <a:solidFill>
+                <a:schemeClr val="accent6">
+                  <a:lumMod val="60000"/>
+                  <a:lumOff val="40000"/>
+                </a:schemeClr>
+              </a:solidFill>
+            </a:endParaRPr>
+          </a:p>
+          <a:p>
+            <a:endParaRPr lang="en-US" altLang="ko-KR" sz="2800" dirty="0" smtClean="0">
+              <a:solidFill>
+                <a:schemeClr val="accent6">
+                  <a:lumMod val="60000"/>
+                  <a:lumOff val="40000"/>
+                </a:schemeClr>
+              </a:solidFill>
+            </a:endParaRPr>
+          </a:p>
+          <a:p>
+            <a:r>
+              <a:rPr lang="ko-KR" altLang="en-US" sz="2800" dirty="0">
+                <a:solidFill>
+                  <a:schemeClr val="accent6">
+                    <a:lumMod val="60000"/>
+                    <a:lumOff val="40000"/>
+                  </a:schemeClr>
+                </a:solidFill>
+              </a:rPr>
+              <a:t>클래스 다이어그램</a:t>
+            </a:r>
+            <a:endParaRPr lang="en-US" altLang="ko-KR" sz="2800" dirty="0">
+              <a:solidFill>
+                <a:schemeClr val="accent6">
+                  <a:lumMod val="60000"/>
+                  <a:lumOff val="40000"/>
+                </a:schemeClr>
+              </a:solidFill>
+            </a:endParaRPr>
+          </a:p>
+          <a:p>
+            <a:endParaRPr lang="en-US" altLang="ko-KR" sz="2800" dirty="0">
+              <a:solidFill>
+                <a:schemeClr val="accent6">
+                  <a:lumMod val="60000"/>
+                  <a:lumOff val="40000"/>
+                </a:schemeClr>
+              </a:solidFill>
+            </a:endParaRPr>
+          </a:p>
+          <a:p>
+            <a:r>
+              <a:rPr lang="ko-KR" altLang="en-US" sz="2800" dirty="0" smtClean="0">
+                <a:solidFill>
+                  <a:schemeClr val="accent6">
+                    <a:lumMod val="60000"/>
+                    <a:lumOff val="40000"/>
+                  </a:schemeClr>
+                </a:solidFill>
+              </a:rPr>
+              <a:t>화면 설계</a:t>
+            </a:r>
+            <a:endParaRPr lang="en-US" altLang="ko-KR" sz="2800" dirty="0" smtClean="0">
+              <a:solidFill>
+                <a:schemeClr val="accent6">
+                  <a:lumMod val="60000"/>
+                  <a:lumOff val="40000"/>
+                </a:schemeClr>
+              </a:solidFill>
+            </a:endParaRPr>
+          </a:p>
+          <a:p>
+            <a:endParaRPr lang="en-US" altLang="ko-KR" sz="2800" dirty="0">
+              <a:solidFill>
+                <a:schemeClr val="accent6">
+                  <a:lumMod val="60000"/>
+                  <a:lumOff val="40000"/>
+                </a:schemeClr>
+              </a:solidFill>
+            </a:endParaRPr>
+          </a:p>
+          <a:p>
+            <a:r>
+              <a:rPr lang="ko-KR" altLang="en-US" sz="2800" dirty="0" smtClean="0">
+                <a:solidFill>
+                  <a:schemeClr val="accent6">
+                    <a:lumMod val="60000"/>
+                    <a:lumOff val="40000"/>
+                  </a:schemeClr>
+                </a:solidFill>
+              </a:rPr>
+              <a:t>화면 </a:t>
+            </a:r>
+            <a:r>
+              <a:rPr lang="ko-KR" altLang="en-US" sz="2800" dirty="0" smtClean="0">
+                <a:solidFill>
+                  <a:schemeClr val="accent6">
+                    <a:lumMod val="60000"/>
+                    <a:lumOff val="40000"/>
+                  </a:schemeClr>
+                </a:solidFill>
+              </a:rPr>
+              <a:t>구현</a:t>
+            </a:r>
+            <a:endParaRPr lang="en-US" altLang="ko-KR" sz="2800" dirty="0" smtClean="0">
+              <a:solidFill>
+                <a:schemeClr val="accent6">
+                  <a:lumMod val="60000"/>
+                  <a:lumOff val="40000"/>
+                </a:schemeClr>
+              </a:solidFill>
+            </a:endParaRPr>
+          </a:p>
+        </p:txBody>
+      </p:sp>
+      <p:sp>
+        <p:nvSpPr>
           <p:cNvPr id="2" name="제목 1"/>
           <p:cNvSpPr>
             <a:spLocks noGrp="1"/>
@@ -3833,65 +5529,41 @@
             <a:off x="0" y="0"/>
             <a:ext cx="12192000" cy="963827"/>
           </a:xfrm>
+          <a:solidFill>
+            <a:schemeClr val="accent6">
+              <a:lumMod val="60000"/>
+              <a:lumOff val="40000"/>
+            </a:schemeClr>
+          </a:solidFill>
         </p:spPr>
         <p:txBody>
           <a:bodyPr/>
           <a:lstStyle/>
           <a:p>
             <a:r>
-              <a:rPr lang="ko-KR" altLang="en-US" dirty="0" smtClean="0"/>
-              <a:t>화면 </a:t>
-            </a:r>
-            <a:r>
-              <a:rPr lang="ko-KR" altLang="en-US" dirty="0" smtClean="0"/>
-              <a:t>설계서</a:t>
-            </a:r>
-            <a:r>
-              <a:rPr lang="en-US" altLang="ko-KR" dirty="0" smtClean="0"/>
-              <a:t>_</a:t>
-            </a:r>
-            <a:r>
-              <a:rPr lang="ko-KR" altLang="en-US" dirty="0" smtClean="0"/>
-              <a:t>로그인</a:t>
-            </a:r>
-            <a:endParaRPr lang="ko-KR" altLang="en-US" dirty="0"/>
-          </a:p>
-        </p:txBody>
-      </p:sp>
-      <p:pic>
-        <p:nvPicPr>
-          <p:cNvPr id="3" name="그림 2"/>
-          <p:cNvPicPr>
-            <a:picLocks noChangeAspect="1"/>
-          </p:cNvPicPr>
-          <p:nvPr/>
-        </p:nvPicPr>
-        <p:blipFill>
-          <a:blip r:embed="rId2">
-            <a:extLst>
-              <a:ext uri="{28A0092B-C50C-407E-A947-70E740481C1C}">
-                <a14:useLocalDpi xmlns:a14="http://schemas.microsoft.com/office/drawing/2010/main" val="0"/>
-              </a:ext>
-            </a:extLst>
-          </a:blip>
-          <a:stretch>
-            <a:fillRect/>
-          </a:stretch>
-        </p:blipFill>
-        <p:spPr>
-          <a:xfrm>
-            <a:off x="3995444" y="2038156"/>
-            <a:ext cx="4201111" cy="2781688"/>
-          </a:xfrm>
-          <a:prstGeom prst="rect">
-            <a:avLst/>
-          </a:prstGeom>
-        </p:spPr>
-      </p:pic>
+              <a:rPr lang="ko-KR" altLang="en-US" dirty="0" smtClean="0">
+                <a:solidFill>
+                  <a:schemeClr val="accent6">
+                    <a:lumMod val="75000"/>
+                  </a:schemeClr>
+                </a:solidFill>
+              </a:rPr>
+              <a:t>목차</a:t>
+            </a:r>
+            <a:endParaRPr lang="ko-KR" altLang="en-US" dirty="0">
+              <a:solidFill>
+                <a:schemeClr val="accent6">
+                  <a:lumMod val="75000"/>
+                </a:schemeClr>
+              </a:solidFill>
+            </a:endParaRPr>
+          </a:p>
+        </p:txBody>
+      </p:sp>
     </p:spTree>
     <p:extLst>
       <p:ext uri="{BB962C8B-B14F-4D97-AF65-F5344CB8AC3E}">
-        <p14:creationId xmlns:p14="http://schemas.microsoft.com/office/powerpoint/2010/main" val="3417529623"/>
+        <p14:creationId xmlns:p14="http://schemas.microsoft.com/office/powerpoint/2010/main" val="888561917"/>
       </p:ext>
     </p:extLst>
   </p:cSld>
@@ -3920,6 +5592,754 @@
       </p:grpSpPr>
       <p:sp>
         <p:nvSpPr>
+          <p:cNvPr id="3" name="직사각형 2"/>
+          <p:cNvSpPr/>
+          <p:nvPr/>
+        </p:nvSpPr>
+        <p:spPr>
+          <a:xfrm>
+            <a:off x="0" y="963827"/>
+            <a:ext cx="12192000" cy="5894173"/>
+          </a:xfrm>
+          <a:prstGeom prst="rect">
+            <a:avLst/>
+          </a:prstGeom>
+          <a:solidFill>
+            <a:schemeClr val="accent6">
+              <a:lumMod val="75000"/>
+            </a:schemeClr>
+          </a:solidFill>
+        </p:spPr>
+        <p:style>
+          <a:lnRef idx="2">
+            <a:schemeClr val="accent1">
+              <a:shade val="50000"/>
+            </a:schemeClr>
+          </a:lnRef>
+          <a:fillRef idx="1">
+            <a:schemeClr val="accent1"/>
+          </a:fillRef>
+          <a:effectRef idx="0">
+            <a:schemeClr val="accent1"/>
+          </a:effectRef>
+          <a:fontRef idx="minor">
+            <a:schemeClr val="lt1"/>
+          </a:fontRef>
+        </p:style>
+        <p:txBody>
+          <a:bodyPr rtlCol="0" anchor="ctr"/>
+          <a:lstStyle/>
+          <a:p>
+            <a:r>
+              <a:rPr lang="ko-KR" altLang="en-US" dirty="0" err="1" smtClean="0">
+                <a:solidFill>
+                  <a:schemeClr val="accent6">
+                    <a:lumMod val="60000"/>
+                    <a:lumOff val="40000"/>
+                  </a:schemeClr>
+                </a:solidFill>
+              </a:rPr>
+              <a:t>로그인페이지</a:t>
+            </a:r>
+            <a:r>
+              <a:rPr lang="ko-KR" altLang="en-US" dirty="0" smtClean="0">
+                <a:solidFill>
+                  <a:schemeClr val="accent6">
+                    <a:lumMod val="60000"/>
+                    <a:lumOff val="40000"/>
+                  </a:schemeClr>
+                </a:solidFill>
+              </a:rPr>
+              <a:t> </a:t>
+            </a:r>
+            <a:endParaRPr lang="ko-KR" altLang="en-US" dirty="0">
+              <a:solidFill>
+                <a:schemeClr val="accent6">
+                  <a:lumMod val="60000"/>
+                  <a:lumOff val="40000"/>
+                </a:schemeClr>
+              </a:solidFill>
+            </a:endParaRPr>
+          </a:p>
+          <a:p>
+            <a:r>
+              <a:rPr lang="ko-KR" altLang="en-US" dirty="0">
+                <a:solidFill>
+                  <a:schemeClr val="accent6">
+                    <a:lumMod val="60000"/>
+                    <a:lumOff val="40000"/>
+                  </a:schemeClr>
+                </a:solidFill>
+              </a:rPr>
+              <a:t>아이디와 패스워드로 로그인 직원과 매니저</a:t>
+            </a:r>
+            <a:r>
+              <a:rPr lang="en-US" altLang="ko-KR" dirty="0">
+                <a:solidFill>
+                  <a:schemeClr val="accent6">
+                    <a:lumMod val="60000"/>
+                    <a:lumOff val="40000"/>
+                  </a:schemeClr>
+                </a:solidFill>
+              </a:rPr>
+              <a:t>, </a:t>
+            </a:r>
+            <a:r>
+              <a:rPr lang="ko-KR" altLang="en-US" dirty="0" err="1">
+                <a:solidFill>
+                  <a:schemeClr val="accent6">
+                    <a:lumMod val="60000"/>
+                    <a:lumOff val="40000"/>
+                  </a:schemeClr>
+                </a:solidFill>
+              </a:rPr>
+              <a:t>점장의</a:t>
+            </a:r>
+            <a:r>
+              <a:rPr lang="ko-KR" altLang="en-US" dirty="0">
+                <a:solidFill>
+                  <a:schemeClr val="accent6">
+                    <a:lumMod val="60000"/>
+                    <a:lumOff val="40000"/>
+                  </a:schemeClr>
+                </a:solidFill>
+              </a:rPr>
+              <a:t> 아이디 비번이 달라 접근할 수 있는 페이지가 다릅니다</a:t>
+            </a:r>
+            <a:r>
+              <a:rPr lang="en-US" altLang="ko-KR" dirty="0">
+                <a:solidFill>
+                  <a:schemeClr val="accent6">
+                    <a:lumMod val="60000"/>
+                    <a:lumOff val="40000"/>
+                  </a:schemeClr>
+                </a:solidFill>
+              </a:rPr>
+              <a:t>.</a:t>
+            </a:r>
+          </a:p>
+          <a:p>
+            <a:r>
+              <a:rPr lang="ko-KR" altLang="en-US" dirty="0">
+                <a:solidFill>
+                  <a:schemeClr val="accent6">
+                    <a:lumMod val="60000"/>
+                    <a:lumOff val="40000"/>
+                  </a:schemeClr>
+                </a:solidFill>
+              </a:rPr>
+              <a:t>로그인 페이지에는 회원가입 버튼이 있어서 직원 회원가입이 가능합니다</a:t>
+            </a:r>
+            <a:r>
+              <a:rPr lang="en-US" altLang="ko-KR" dirty="0">
+                <a:solidFill>
+                  <a:schemeClr val="accent6">
+                    <a:lumMod val="60000"/>
+                    <a:lumOff val="40000"/>
+                  </a:schemeClr>
+                </a:solidFill>
+              </a:rPr>
+              <a:t>.</a:t>
+            </a:r>
+          </a:p>
+          <a:p>
+            <a:endParaRPr lang="en-US" altLang="ko-KR" dirty="0">
+              <a:solidFill>
+                <a:schemeClr val="accent6">
+                  <a:lumMod val="60000"/>
+                  <a:lumOff val="40000"/>
+                </a:schemeClr>
+              </a:solidFill>
+            </a:endParaRPr>
+          </a:p>
+          <a:p>
+            <a:r>
+              <a:rPr lang="ko-KR" altLang="en-US" dirty="0">
+                <a:solidFill>
+                  <a:schemeClr val="accent6">
+                    <a:lumMod val="60000"/>
+                    <a:lumOff val="40000"/>
+                  </a:schemeClr>
+                </a:solidFill>
+              </a:rPr>
+              <a:t>회원가입 페이지</a:t>
+            </a:r>
+          </a:p>
+          <a:p>
+            <a:r>
+              <a:rPr lang="ko-KR" altLang="en-US" dirty="0">
+                <a:solidFill>
+                  <a:schemeClr val="accent6">
+                    <a:lumMod val="60000"/>
+                    <a:lumOff val="40000"/>
+                  </a:schemeClr>
+                </a:solidFill>
+              </a:rPr>
+              <a:t>정보는 이름</a:t>
+            </a:r>
+            <a:r>
+              <a:rPr lang="en-US" altLang="ko-KR" dirty="0">
+                <a:solidFill>
+                  <a:schemeClr val="accent6">
+                    <a:lumMod val="60000"/>
+                    <a:lumOff val="40000"/>
+                  </a:schemeClr>
+                </a:solidFill>
+              </a:rPr>
+              <a:t>, ID, PW, </a:t>
+            </a:r>
+            <a:r>
+              <a:rPr lang="ko-KR" altLang="en-US" dirty="0">
+                <a:solidFill>
+                  <a:schemeClr val="accent6">
+                    <a:lumMod val="60000"/>
+                    <a:lumOff val="40000"/>
+                  </a:schemeClr>
+                </a:solidFill>
+              </a:rPr>
+              <a:t>전화번호</a:t>
+            </a:r>
+            <a:r>
+              <a:rPr lang="en-US" altLang="ko-KR" dirty="0">
+                <a:solidFill>
+                  <a:schemeClr val="accent6">
+                    <a:lumMod val="60000"/>
+                    <a:lumOff val="40000"/>
+                  </a:schemeClr>
+                </a:solidFill>
+              </a:rPr>
+              <a:t>, </a:t>
+            </a:r>
+            <a:r>
+              <a:rPr lang="ko-KR" altLang="en-US" dirty="0">
+                <a:solidFill>
+                  <a:schemeClr val="accent6">
+                    <a:lumMod val="60000"/>
+                    <a:lumOff val="40000"/>
+                  </a:schemeClr>
+                </a:solidFill>
+              </a:rPr>
+              <a:t>직급이 들어갑니다</a:t>
+            </a:r>
+            <a:r>
+              <a:rPr lang="en-US" altLang="ko-KR" dirty="0">
+                <a:solidFill>
+                  <a:schemeClr val="accent6">
+                    <a:lumMod val="60000"/>
+                    <a:lumOff val="40000"/>
+                  </a:schemeClr>
+                </a:solidFill>
+              </a:rPr>
+              <a:t>.</a:t>
+            </a:r>
+          </a:p>
+          <a:p>
+            <a:endParaRPr lang="en-US" altLang="ko-KR" dirty="0">
+              <a:solidFill>
+                <a:schemeClr val="accent6">
+                  <a:lumMod val="60000"/>
+                  <a:lumOff val="40000"/>
+                </a:schemeClr>
+              </a:solidFill>
+            </a:endParaRPr>
+          </a:p>
+          <a:p>
+            <a:r>
+              <a:rPr lang="ko-KR" altLang="en-US" dirty="0">
+                <a:solidFill>
+                  <a:schemeClr val="accent6">
+                    <a:lumMod val="60000"/>
+                    <a:lumOff val="40000"/>
+                  </a:schemeClr>
+                </a:solidFill>
+              </a:rPr>
+              <a:t>로그인 후 들어가는 페이지 에서는 메뉴계산과 매장관리 버튼이 있고</a:t>
+            </a:r>
+            <a:r>
+              <a:rPr lang="en-US" altLang="ko-KR" dirty="0">
+                <a:solidFill>
+                  <a:schemeClr val="accent6">
+                    <a:lumMod val="60000"/>
+                    <a:lumOff val="40000"/>
+                  </a:schemeClr>
+                </a:solidFill>
+              </a:rPr>
+              <a:t>, </a:t>
+            </a:r>
+            <a:r>
+              <a:rPr lang="ko-KR" altLang="en-US" dirty="0">
+                <a:solidFill>
+                  <a:schemeClr val="accent6">
+                    <a:lumMod val="60000"/>
+                    <a:lumOff val="40000"/>
+                  </a:schemeClr>
+                </a:solidFill>
+              </a:rPr>
+              <a:t>직원의 </a:t>
+            </a:r>
+            <a:r>
+              <a:rPr lang="en-US" altLang="ko-KR" dirty="0">
+                <a:solidFill>
+                  <a:schemeClr val="accent6">
+                    <a:lumMod val="60000"/>
+                    <a:lumOff val="40000"/>
+                  </a:schemeClr>
+                </a:solidFill>
+              </a:rPr>
+              <a:t>ID</a:t>
+            </a:r>
+            <a:r>
+              <a:rPr lang="ko-KR" altLang="en-US" dirty="0">
+                <a:solidFill>
+                  <a:schemeClr val="accent6">
+                    <a:lumMod val="60000"/>
+                    <a:lumOff val="40000"/>
+                  </a:schemeClr>
+                </a:solidFill>
+              </a:rPr>
+              <a:t>는 메뉴계산페이지만 들어갈 수 있고</a:t>
+            </a:r>
+            <a:r>
+              <a:rPr lang="en-US" altLang="ko-KR" dirty="0">
+                <a:solidFill>
+                  <a:schemeClr val="accent6">
+                    <a:lumMod val="60000"/>
+                    <a:lumOff val="40000"/>
+                  </a:schemeClr>
+                </a:solidFill>
+              </a:rPr>
+              <a:t>,</a:t>
+            </a:r>
+          </a:p>
+          <a:p>
+            <a:r>
+              <a:rPr lang="ko-KR" altLang="en-US" dirty="0">
+                <a:solidFill>
+                  <a:schemeClr val="accent6">
+                    <a:lumMod val="60000"/>
+                    <a:lumOff val="40000"/>
+                  </a:schemeClr>
+                </a:solidFill>
+              </a:rPr>
+              <a:t>매니저</a:t>
+            </a:r>
+            <a:r>
+              <a:rPr lang="en-US" altLang="ko-KR" dirty="0">
+                <a:solidFill>
+                  <a:schemeClr val="accent6">
+                    <a:lumMod val="60000"/>
+                    <a:lumOff val="40000"/>
+                  </a:schemeClr>
+                </a:solidFill>
+              </a:rPr>
+              <a:t>, </a:t>
+            </a:r>
+            <a:r>
+              <a:rPr lang="ko-KR" altLang="en-US" dirty="0" err="1">
+                <a:solidFill>
+                  <a:schemeClr val="accent6">
+                    <a:lumMod val="60000"/>
+                    <a:lumOff val="40000"/>
+                  </a:schemeClr>
+                </a:solidFill>
+              </a:rPr>
+              <a:t>점장의</a:t>
+            </a:r>
+            <a:r>
+              <a:rPr lang="ko-KR" altLang="en-US" dirty="0">
+                <a:solidFill>
+                  <a:schemeClr val="accent6">
+                    <a:lumMod val="60000"/>
+                    <a:lumOff val="40000"/>
+                  </a:schemeClr>
+                </a:solidFill>
+              </a:rPr>
+              <a:t> </a:t>
+            </a:r>
+            <a:r>
+              <a:rPr lang="en-US" altLang="ko-KR" dirty="0">
+                <a:solidFill>
+                  <a:schemeClr val="accent6">
+                    <a:lumMod val="60000"/>
+                    <a:lumOff val="40000"/>
+                  </a:schemeClr>
+                </a:solidFill>
+              </a:rPr>
+              <a:t>ID</a:t>
+            </a:r>
+            <a:r>
+              <a:rPr lang="ko-KR" altLang="en-US" dirty="0">
+                <a:solidFill>
+                  <a:schemeClr val="accent6">
+                    <a:lumMod val="60000"/>
+                    <a:lumOff val="40000"/>
+                  </a:schemeClr>
+                </a:solidFill>
+              </a:rPr>
+              <a:t>는 메뉴계산과 매장관리 모두 들어갈 수 있습니다</a:t>
+            </a:r>
+            <a:r>
+              <a:rPr lang="en-US" altLang="ko-KR" dirty="0">
+                <a:solidFill>
+                  <a:schemeClr val="accent6">
+                    <a:lumMod val="60000"/>
+                    <a:lumOff val="40000"/>
+                  </a:schemeClr>
+                </a:solidFill>
+              </a:rPr>
+              <a:t>.</a:t>
+            </a:r>
+          </a:p>
+          <a:p>
+            <a:endParaRPr lang="en-US" altLang="ko-KR" dirty="0">
+              <a:solidFill>
+                <a:schemeClr val="accent6">
+                  <a:lumMod val="60000"/>
+                  <a:lumOff val="40000"/>
+                </a:schemeClr>
+              </a:solidFill>
+            </a:endParaRPr>
+          </a:p>
+          <a:p>
+            <a:r>
+              <a:rPr lang="ko-KR" altLang="en-US" dirty="0">
+                <a:solidFill>
+                  <a:schemeClr val="accent6">
+                    <a:lumMod val="60000"/>
+                    <a:lumOff val="40000"/>
+                  </a:schemeClr>
+                </a:solidFill>
+              </a:rPr>
+              <a:t>메뉴계산 페이지</a:t>
+            </a:r>
+          </a:p>
+          <a:p>
+            <a:r>
+              <a:rPr lang="ko-KR" altLang="en-US" dirty="0">
+                <a:solidFill>
+                  <a:schemeClr val="accent6">
+                    <a:lumMod val="60000"/>
+                    <a:lumOff val="40000"/>
+                  </a:schemeClr>
+                </a:solidFill>
+              </a:rPr>
+              <a:t>메뉴계산 페이지에서는 </a:t>
+            </a:r>
+            <a:r>
+              <a:rPr lang="ko-KR" altLang="en-US" dirty="0" err="1">
+                <a:solidFill>
+                  <a:schemeClr val="accent6">
+                    <a:lumMod val="60000"/>
+                    <a:lumOff val="40000"/>
+                  </a:schemeClr>
+                </a:solidFill>
+              </a:rPr>
+              <a:t>메인메뉴</a:t>
+            </a:r>
+            <a:r>
+              <a:rPr lang="en-US" altLang="ko-KR" dirty="0">
+                <a:solidFill>
+                  <a:schemeClr val="accent6">
+                    <a:lumMod val="60000"/>
+                    <a:lumOff val="40000"/>
+                  </a:schemeClr>
+                </a:solidFill>
+              </a:rPr>
+              <a:t>, </a:t>
+            </a:r>
+            <a:r>
+              <a:rPr lang="ko-KR" altLang="en-US" dirty="0">
+                <a:solidFill>
+                  <a:schemeClr val="accent6">
+                    <a:lumMod val="60000"/>
+                    <a:lumOff val="40000"/>
+                  </a:schemeClr>
+                </a:solidFill>
+              </a:rPr>
+              <a:t>사이드메뉴 음료수</a:t>
+            </a:r>
+            <a:r>
+              <a:rPr lang="en-US" altLang="ko-KR" dirty="0">
+                <a:solidFill>
+                  <a:schemeClr val="accent6">
+                    <a:lumMod val="60000"/>
+                    <a:lumOff val="40000"/>
+                  </a:schemeClr>
+                </a:solidFill>
+              </a:rPr>
+              <a:t>, </a:t>
+            </a:r>
+            <a:r>
+              <a:rPr lang="ko-KR" altLang="en-US" dirty="0">
+                <a:solidFill>
+                  <a:schemeClr val="accent6">
+                    <a:lumMod val="60000"/>
+                    <a:lumOff val="40000"/>
+                  </a:schemeClr>
+                </a:solidFill>
+              </a:rPr>
+              <a:t>세트메뉴 관한 탭이 있습니다</a:t>
+            </a:r>
+            <a:r>
+              <a:rPr lang="en-US" altLang="ko-KR" dirty="0">
+                <a:solidFill>
+                  <a:schemeClr val="accent6">
+                    <a:lumMod val="60000"/>
+                    <a:lumOff val="40000"/>
+                  </a:schemeClr>
+                </a:solidFill>
+              </a:rPr>
+              <a:t>. </a:t>
+            </a:r>
+            <a:r>
+              <a:rPr lang="ko-KR" altLang="en-US" dirty="0">
+                <a:solidFill>
+                  <a:schemeClr val="accent6">
+                    <a:lumMod val="60000"/>
+                    <a:lumOff val="40000"/>
+                  </a:schemeClr>
+                </a:solidFill>
+              </a:rPr>
+              <a:t>각각의 탭의 메뉴버튼들은 제품관리에서 확인할 수 있는 제품들로 동적으로 구성되며 클릭하면 손님이 선택한 샌드위치의 구성을 알 수 있습니다</a:t>
+            </a:r>
+            <a:r>
+              <a:rPr lang="en-US" altLang="ko-KR" dirty="0">
+                <a:solidFill>
+                  <a:schemeClr val="accent6">
+                    <a:lumMod val="60000"/>
+                    <a:lumOff val="40000"/>
+                  </a:schemeClr>
+                </a:solidFill>
+              </a:rPr>
+              <a:t>.</a:t>
+            </a:r>
+          </a:p>
+          <a:p>
+            <a:r>
+              <a:rPr lang="ko-KR" altLang="en-US" dirty="0">
+                <a:solidFill>
+                  <a:schemeClr val="accent6">
+                    <a:lumMod val="60000"/>
+                    <a:lumOff val="40000"/>
+                  </a:schemeClr>
+                </a:solidFill>
+              </a:rPr>
+              <a:t>주문버튼과 주문취소 버튼을 만들고 주문버튼 </a:t>
+            </a:r>
+            <a:r>
+              <a:rPr lang="ko-KR" altLang="en-US" dirty="0" err="1">
+                <a:solidFill>
+                  <a:schemeClr val="accent6">
+                    <a:lumMod val="60000"/>
+                    <a:lumOff val="40000"/>
+                  </a:schemeClr>
+                </a:solidFill>
+              </a:rPr>
+              <a:t>선택시</a:t>
+            </a:r>
+            <a:r>
+              <a:rPr lang="ko-KR" altLang="en-US" dirty="0">
+                <a:solidFill>
+                  <a:schemeClr val="accent6">
+                    <a:lumMod val="60000"/>
+                    <a:lumOff val="40000"/>
+                  </a:schemeClr>
+                </a:solidFill>
+              </a:rPr>
+              <a:t> 손님이 고른 메뉴의 총 결제금액을 출력할 수 있고</a:t>
+            </a:r>
+            <a:r>
+              <a:rPr lang="en-US" altLang="ko-KR" dirty="0">
+                <a:solidFill>
+                  <a:schemeClr val="accent6">
+                    <a:lumMod val="60000"/>
+                    <a:lumOff val="40000"/>
+                  </a:schemeClr>
+                </a:solidFill>
+              </a:rPr>
+              <a:t>, </a:t>
+            </a:r>
+            <a:r>
+              <a:rPr lang="ko-KR" altLang="en-US" dirty="0">
+                <a:solidFill>
+                  <a:schemeClr val="accent6">
+                    <a:lumMod val="60000"/>
+                    <a:lumOff val="40000"/>
+                  </a:schemeClr>
+                </a:solidFill>
+              </a:rPr>
+              <a:t>주문취소를 누르면 손님이 선택한 메뉴의 </a:t>
+            </a:r>
+            <a:r>
+              <a:rPr lang="ko-KR" altLang="en-US" dirty="0" smtClean="0">
+                <a:solidFill>
+                  <a:schemeClr val="accent6">
+                    <a:lumMod val="60000"/>
+                    <a:lumOff val="40000"/>
+                  </a:schemeClr>
+                </a:solidFill>
+              </a:rPr>
+              <a:t>정보들을 삭제합니다</a:t>
+            </a:r>
+            <a:r>
+              <a:rPr lang="en-US" altLang="ko-KR" dirty="0">
+                <a:solidFill>
+                  <a:schemeClr val="accent6">
+                    <a:lumMod val="60000"/>
+                    <a:lumOff val="40000"/>
+                  </a:schemeClr>
+                </a:solidFill>
+              </a:rPr>
+              <a:t>. </a:t>
+            </a:r>
+          </a:p>
+          <a:p>
+            <a:endParaRPr lang="en-US" altLang="ko-KR" dirty="0">
+              <a:solidFill>
+                <a:schemeClr val="accent6">
+                  <a:lumMod val="60000"/>
+                  <a:lumOff val="40000"/>
+                </a:schemeClr>
+              </a:solidFill>
+            </a:endParaRPr>
+          </a:p>
+          <a:p>
+            <a:r>
+              <a:rPr lang="ko-KR" altLang="en-US" dirty="0">
+                <a:solidFill>
+                  <a:schemeClr val="accent6">
+                    <a:lumMod val="60000"/>
+                    <a:lumOff val="40000"/>
+                  </a:schemeClr>
+                </a:solidFill>
+              </a:rPr>
+              <a:t>매장관리 페이지</a:t>
+            </a:r>
+          </a:p>
+          <a:p>
+            <a:r>
+              <a:rPr lang="ko-KR" altLang="en-US" dirty="0">
+                <a:solidFill>
+                  <a:schemeClr val="accent6">
+                    <a:lumMod val="60000"/>
+                    <a:lumOff val="40000"/>
+                  </a:schemeClr>
+                </a:solidFill>
+              </a:rPr>
+              <a:t>매장관리 페이지에서는 직원관리</a:t>
+            </a:r>
+            <a:r>
+              <a:rPr lang="en-US" altLang="ko-KR" dirty="0">
+                <a:solidFill>
+                  <a:schemeClr val="accent6">
+                    <a:lumMod val="60000"/>
+                    <a:lumOff val="40000"/>
+                  </a:schemeClr>
+                </a:solidFill>
+              </a:rPr>
+              <a:t>, </a:t>
+            </a:r>
+            <a:r>
+              <a:rPr lang="ko-KR" altLang="en-US" dirty="0">
+                <a:solidFill>
+                  <a:schemeClr val="accent6">
+                    <a:lumMod val="60000"/>
+                    <a:lumOff val="40000"/>
+                  </a:schemeClr>
+                </a:solidFill>
+              </a:rPr>
+              <a:t>제품관리</a:t>
+            </a:r>
+            <a:r>
+              <a:rPr lang="en-US" altLang="ko-KR" dirty="0">
+                <a:solidFill>
+                  <a:schemeClr val="accent6">
+                    <a:lumMod val="60000"/>
+                    <a:lumOff val="40000"/>
+                  </a:schemeClr>
+                </a:solidFill>
+              </a:rPr>
+              <a:t>, </a:t>
+            </a:r>
+            <a:r>
+              <a:rPr lang="ko-KR" altLang="en-US" dirty="0">
+                <a:solidFill>
+                  <a:schemeClr val="accent6">
+                    <a:lumMod val="60000"/>
+                    <a:lumOff val="40000"/>
+                  </a:schemeClr>
+                </a:solidFill>
+              </a:rPr>
+              <a:t>재고관리</a:t>
+            </a:r>
+            <a:r>
+              <a:rPr lang="en-US" altLang="ko-KR" dirty="0">
+                <a:solidFill>
+                  <a:schemeClr val="accent6">
+                    <a:lumMod val="60000"/>
+                    <a:lumOff val="40000"/>
+                  </a:schemeClr>
+                </a:solidFill>
+              </a:rPr>
+              <a:t>, </a:t>
+            </a:r>
+            <a:r>
+              <a:rPr lang="ko-KR" altLang="en-US" dirty="0">
+                <a:solidFill>
+                  <a:schemeClr val="accent6">
+                    <a:lumMod val="60000"/>
+                    <a:lumOff val="40000"/>
+                  </a:schemeClr>
+                </a:solidFill>
+              </a:rPr>
+              <a:t>매출관리의 </a:t>
+            </a:r>
+            <a:r>
+              <a:rPr lang="en-US" altLang="ko-KR" dirty="0">
+                <a:solidFill>
+                  <a:schemeClr val="accent6">
+                    <a:lumMod val="60000"/>
+                    <a:lumOff val="40000"/>
+                  </a:schemeClr>
+                </a:solidFill>
+              </a:rPr>
+              <a:t>3</a:t>
+            </a:r>
+            <a:r>
+              <a:rPr lang="ko-KR" altLang="en-US" dirty="0">
+                <a:solidFill>
+                  <a:schemeClr val="accent6">
+                    <a:lumMod val="60000"/>
+                    <a:lumOff val="40000"/>
+                  </a:schemeClr>
+                </a:solidFill>
+              </a:rPr>
+              <a:t>탭으로 나뉘어져 관리할 수 있습니다</a:t>
+            </a:r>
+            <a:r>
+              <a:rPr lang="en-US" altLang="ko-KR" dirty="0">
+                <a:solidFill>
+                  <a:schemeClr val="accent6">
+                    <a:lumMod val="60000"/>
+                    <a:lumOff val="40000"/>
+                  </a:schemeClr>
+                </a:solidFill>
+              </a:rPr>
+              <a:t>.</a:t>
+            </a:r>
+            <a:endParaRPr lang="ko-KR" altLang="en-US" dirty="0">
+              <a:solidFill>
+                <a:schemeClr val="accent6">
+                  <a:lumMod val="60000"/>
+                  <a:lumOff val="40000"/>
+                </a:schemeClr>
+              </a:solidFill>
+            </a:endParaRPr>
+          </a:p>
+        </p:txBody>
+      </p:sp>
+      <p:sp>
+        <p:nvSpPr>
           <p:cNvPr id="2" name="제목 1"/>
           <p:cNvSpPr>
             <a:spLocks noGrp="1"/>
@@ -3933,65 +6353,41 @@
             <a:off x="0" y="0"/>
             <a:ext cx="12192000" cy="963827"/>
           </a:xfrm>
+          <a:solidFill>
+            <a:schemeClr val="accent6">
+              <a:lumMod val="60000"/>
+              <a:lumOff val="40000"/>
+            </a:schemeClr>
+          </a:solidFill>
         </p:spPr>
         <p:txBody>
           <a:bodyPr/>
           <a:lstStyle/>
           <a:p>
             <a:r>
-              <a:rPr lang="ko-KR" altLang="en-US" dirty="0" smtClean="0"/>
-              <a:t>화면 </a:t>
-            </a:r>
-            <a:r>
-              <a:rPr lang="ko-KR" altLang="en-US" dirty="0" smtClean="0"/>
-              <a:t>설계서</a:t>
-            </a:r>
-            <a:r>
-              <a:rPr lang="en-US" altLang="ko-KR" dirty="0" smtClean="0"/>
-              <a:t>_</a:t>
-            </a:r>
-            <a:r>
-              <a:rPr lang="ko-KR" altLang="en-US" dirty="0" err="1" smtClean="0"/>
-              <a:t>직원등록창</a:t>
-            </a:r>
-            <a:endParaRPr lang="ko-KR" altLang="en-US" dirty="0"/>
-          </a:p>
-        </p:txBody>
-      </p:sp>
-      <p:pic>
-        <p:nvPicPr>
-          <p:cNvPr id="4" name="그림 3"/>
-          <p:cNvPicPr>
-            <a:picLocks noChangeAspect="1"/>
-          </p:cNvPicPr>
-          <p:nvPr/>
-        </p:nvPicPr>
-        <p:blipFill>
-          <a:blip r:embed="rId2">
-            <a:extLst>
-              <a:ext uri="{28A0092B-C50C-407E-A947-70E740481C1C}">
-                <a14:useLocalDpi xmlns:a14="http://schemas.microsoft.com/office/drawing/2010/main" val="0"/>
-              </a:ext>
-            </a:extLst>
-          </a:blip>
-          <a:stretch>
-            <a:fillRect/>
-          </a:stretch>
-        </p:blipFill>
-        <p:spPr>
-          <a:xfrm>
-            <a:off x="4023252" y="1432673"/>
-            <a:ext cx="3639058" cy="4667901"/>
-          </a:xfrm>
-          <a:prstGeom prst="rect">
-            <a:avLst/>
-          </a:prstGeom>
-        </p:spPr>
-      </p:pic>
+              <a:rPr lang="ko-KR" altLang="en-US" dirty="0" smtClean="0">
+                <a:solidFill>
+                  <a:schemeClr val="accent6">
+                    <a:lumMod val="75000"/>
+                  </a:schemeClr>
+                </a:solidFill>
+              </a:rPr>
+              <a:t>사용자 요구사항</a:t>
+            </a:r>
+            <a:endParaRPr lang="ko-KR" altLang="en-US" dirty="0">
+              <a:solidFill>
+                <a:schemeClr val="accent6">
+                  <a:lumMod val="75000"/>
+                </a:schemeClr>
+              </a:solidFill>
+            </a:endParaRPr>
+          </a:p>
+        </p:txBody>
+      </p:sp>
     </p:spTree>
     <p:extLst>
       <p:ext uri="{BB962C8B-B14F-4D97-AF65-F5344CB8AC3E}">
-        <p14:creationId xmlns:p14="http://schemas.microsoft.com/office/powerpoint/2010/main" val="2704145166"/>
+        <p14:creationId xmlns:p14="http://schemas.microsoft.com/office/powerpoint/2010/main" val="1935177083"/>
       </p:ext>
     </p:extLst>
   </p:cSld>
@@ -4020,47 +6416,52 @@
       </p:grpSpPr>
       <p:sp>
         <p:nvSpPr>
-          <p:cNvPr id="2" name="제목 1"/>
-          <p:cNvSpPr>
-            <a:spLocks noGrp="1"/>
-          </p:cNvSpPr>
-          <p:nvPr>
-            <p:ph type="title"/>
-          </p:nvPr>
+          <p:cNvPr id="3" name="직사각형 2"/>
+          <p:cNvSpPr/>
+          <p:nvPr/>
         </p:nvSpPr>
         <p:spPr>
           <a:xfrm>
             <a:off x="0" y="0"/>
-            <a:ext cx="12192000" cy="963827"/>
-          </a:xfrm>
-        </p:spPr>
-        <p:txBody>
-          <a:bodyPr/>
-          <a:lstStyle/>
-          <a:p>
-            <a:r>
-              <a:rPr lang="ko-KR" altLang="en-US" dirty="0" smtClean="0"/>
-              <a:t>화면 </a:t>
-            </a:r>
-            <a:r>
-              <a:rPr lang="ko-KR" altLang="en-US" dirty="0" smtClean="0"/>
-              <a:t>설계서</a:t>
-            </a:r>
-            <a:r>
-              <a:rPr lang="en-US" altLang="ko-KR" dirty="0" smtClean="0"/>
-              <a:t>_</a:t>
-            </a:r>
-            <a:r>
-              <a:rPr lang="ko-KR" altLang="en-US" dirty="0" smtClean="0"/>
-              <a:t>계산화면</a:t>
-            </a:r>
-            <a:endParaRPr lang="ko-KR" altLang="en-US" dirty="0"/>
+            <a:ext cx="12192000" cy="6858000"/>
+          </a:xfrm>
+          <a:prstGeom prst="rect">
+            <a:avLst/>
+          </a:prstGeom>
+          <a:solidFill>
+            <a:schemeClr val="accent6">
+              <a:lumMod val="75000"/>
+            </a:schemeClr>
+          </a:solidFill>
+        </p:spPr>
+        <p:style>
+          <a:lnRef idx="2">
+            <a:schemeClr val="accent1">
+              <a:shade val="50000"/>
+            </a:schemeClr>
+          </a:lnRef>
+          <a:fillRef idx="1">
+            <a:schemeClr val="accent1"/>
+          </a:fillRef>
+          <a:effectRef idx="0">
+            <a:schemeClr val="accent1"/>
+          </a:effectRef>
+          <a:fontRef idx="minor">
+            <a:schemeClr val="lt1"/>
+          </a:fontRef>
+        </p:style>
+        <p:txBody>
+          <a:bodyPr rtlCol="0" anchor="ctr"/>
+          <a:lstStyle/>
+          <a:p>
+            <a:pPr algn="ctr"/>
+            <a:endParaRPr lang="ko-KR" altLang="en-US"/>
           </a:p>
         </p:txBody>
       </p:sp>
       <p:pic>
         <p:nvPicPr>
-          <p:cNvPr id="4" name="그림 3"/>
+          <p:cNvPr id="2" name="그림 1"/>
           <p:cNvPicPr>
             <a:picLocks noChangeAspect="1"/>
           </p:cNvPicPr>
@@ -4080,18 +6481,86 @@
         </p:blipFill>
         <p:spPr>
           <a:xfrm>
-            <a:off x="0" y="766040"/>
-            <a:ext cx="12192000" cy="6091960"/>
+            <a:off x="1153886" y="840259"/>
+            <a:ext cx="10014857" cy="6104237"/>
           </a:xfrm>
           <a:prstGeom prst="rect">
             <a:avLst/>
           </a:prstGeom>
         </p:spPr>
       </p:pic>
+      <p:sp>
+        <p:nvSpPr>
+          <p:cNvPr id="4" name="제목 1"/>
+          <p:cNvSpPr txBox="1">
+            <a:spLocks/>
+          </p:cNvSpPr>
+          <p:nvPr/>
+        </p:nvSpPr>
+        <p:spPr>
+          <a:xfrm>
+            <a:off x="0" y="0"/>
+            <a:ext cx="12192000" cy="840259"/>
+          </a:xfrm>
+          <a:prstGeom prst="rect">
+            <a:avLst/>
+          </a:prstGeom>
+          <a:solidFill>
+            <a:schemeClr val="accent6">
+              <a:lumMod val="60000"/>
+              <a:lumOff val="40000"/>
+            </a:schemeClr>
+          </a:solidFill>
+        </p:spPr>
+        <p:txBody>
+          <a:bodyPr vert="horz" lIns="91440" tIns="45720" rIns="91440" bIns="45720" rtlCol="0" anchor="b">
+            <a:normAutofit/>
+          </a:bodyPr>
+          <a:lstStyle>
+            <a:lvl1pPr algn="ctr" defTabSz="914400" rtl="0" eaLnBrk="1" latinLnBrk="1" hangingPunct="1">
+              <a:lnSpc>
+                <a:spcPct val="90000"/>
+              </a:lnSpc>
+              <a:spcBef>
+                <a:spcPct val="0"/>
+              </a:spcBef>
+              <a:buNone/>
+              <a:defRPr sz="6000" kern="1200">
+                <a:solidFill>
+                  <a:schemeClr val="tx1"/>
+                </a:solidFill>
+                <a:latin typeface="+mj-lt"/>
+                <a:ea typeface="+mj-ea"/>
+                <a:cs typeface="+mj-cs"/>
+              </a:defRPr>
+            </a:lvl1pPr>
+          </a:lstStyle>
+          <a:p>
+            <a:pPr algn="l"/>
+            <a:r>
+              <a:rPr lang="ko-KR" altLang="en-US" sz="4400" dirty="0" err="1" smtClean="0">
+                <a:solidFill>
+                  <a:schemeClr val="accent6">
+                    <a:lumMod val="75000"/>
+                  </a:schemeClr>
+                </a:solidFill>
+              </a:rPr>
+              <a:t>간트차트</a:t>
+            </a:r>
+            <a:endParaRPr lang="ko-KR" altLang="en-US" sz="4400" dirty="0">
+              <a:solidFill>
+                <a:schemeClr val="accent6">
+                  <a:lumMod val="75000"/>
+                </a:schemeClr>
+              </a:solidFill>
+            </a:endParaRPr>
+          </a:p>
+        </p:txBody>
+      </p:sp>
     </p:spTree>
     <p:extLst>
       <p:ext uri="{BB962C8B-B14F-4D97-AF65-F5344CB8AC3E}">
-        <p14:creationId xmlns:p14="http://schemas.microsoft.com/office/powerpoint/2010/main" val="2144071576"/>
+        <p14:creationId xmlns:p14="http://schemas.microsoft.com/office/powerpoint/2010/main" val="584378978"/>
       </p:ext>
     </p:extLst>
   </p:cSld>
@@ -4120,7 +6589,52 @@
       </p:grpSpPr>
       <p:sp>
         <p:nvSpPr>
-          <p:cNvPr id="2" name="제목 1"/>
+          <p:cNvPr id="6" name="직사각형 5"/>
+          <p:cNvSpPr/>
+          <p:nvPr/>
+        </p:nvSpPr>
+        <p:spPr>
+          <a:xfrm>
+            <a:off x="0" y="0"/>
+            <a:ext cx="12192000" cy="6858000"/>
+          </a:xfrm>
+          <a:prstGeom prst="rect">
+            <a:avLst/>
+          </a:prstGeom>
+          <a:solidFill>
+            <a:schemeClr val="accent6">
+              <a:lumMod val="75000"/>
+            </a:schemeClr>
+          </a:solidFill>
+        </p:spPr>
+        <p:style>
+          <a:lnRef idx="2">
+            <a:schemeClr val="accent1">
+              <a:shade val="50000"/>
+            </a:schemeClr>
+          </a:lnRef>
+          <a:fillRef idx="1">
+            <a:schemeClr val="accent1"/>
+          </a:fillRef>
+          <a:effectRef idx="0">
+            <a:schemeClr val="accent1"/>
+          </a:effectRef>
+          <a:fontRef idx="minor">
+            <a:schemeClr val="lt1"/>
+          </a:fontRef>
+        </p:style>
+        <p:txBody>
+          <a:bodyPr rtlCol="0" anchor="ctr"/>
+          <a:lstStyle/>
+          <a:p>
+            <a:pPr algn="ctr"/>
+            <a:endParaRPr lang="ko-KR" altLang="en-US"/>
+          </a:p>
+        </p:txBody>
+      </p:sp>
+      <p:sp>
+        <p:nvSpPr>
+          <p:cNvPr id="4" name="제목 1"/>
           <p:cNvSpPr>
             <a:spLocks noGrp="1"/>
           </p:cNvSpPr>
@@ -4131,36 +6645,52 @@
         <p:spPr>
           <a:xfrm>
             <a:off x="0" y="0"/>
-            <a:ext cx="12192000" cy="963827"/>
-          </a:xfrm>
+            <a:ext cx="12192000" cy="1325563"/>
+          </a:xfrm>
+          <a:solidFill>
+            <a:schemeClr val="accent6">
+              <a:lumMod val="60000"/>
+              <a:lumOff val="40000"/>
+            </a:schemeClr>
+          </a:solidFill>
         </p:spPr>
         <p:txBody>
           <a:bodyPr/>
           <a:lstStyle/>
           <a:p>
             <a:r>
-              <a:rPr lang="ko-KR" altLang="en-US" dirty="0" smtClean="0"/>
-              <a:t>화면 </a:t>
-            </a:r>
-            <a:r>
-              <a:rPr lang="ko-KR" altLang="en-US" dirty="0" smtClean="0"/>
-              <a:t>설계서</a:t>
-            </a:r>
-            <a:r>
-              <a:rPr lang="en-US" altLang="ko-KR" dirty="0" smtClean="0"/>
-              <a:t>_</a:t>
-            </a:r>
-            <a:r>
-              <a:rPr lang="ko-KR" altLang="en-US" dirty="0" err="1" smtClean="0"/>
-              <a:t>매출관리창</a:t>
-            </a:r>
-            <a:endParaRPr lang="ko-KR" altLang="en-US" dirty="0"/>
+              <a:rPr lang="en-US" altLang="ko-KR" dirty="0" smtClean="0">
+                <a:solidFill>
+                  <a:schemeClr val="accent6">
+                    <a:lumMod val="75000"/>
+                  </a:schemeClr>
+                </a:solidFill>
+              </a:rPr>
+              <a:t>ER </a:t>
+            </a:r>
+            <a:r>
+              <a:rPr lang="ko-KR" altLang="en-US" dirty="0" smtClean="0">
+                <a:solidFill>
+                  <a:schemeClr val="accent6">
+                    <a:lumMod val="75000"/>
+                  </a:schemeClr>
+                </a:solidFill>
+              </a:rPr>
+              <a:t>다이어그램</a:t>
+            </a:r>
+            <a:endParaRPr lang="ko-KR" altLang="en-US" dirty="0">
+              <a:solidFill>
+                <a:schemeClr val="accent6">
+                  <a:lumMod val="75000"/>
+                </a:schemeClr>
+              </a:solidFill>
+            </a:endParaRPr>
           </a:p>
         </p:txBody>
       </p:sp>
       <p:pic>
         <p:nvPicPr>
-          <p:cNvPr id="3" name="그림 2"/>
+          <p:cNvPr id="5" name="그림 4"/>
           <p:cNvPicPr>
             <a:picLocks noChangeAspect="1"/>
           </p:cNvPicPr>
@@ -4180,8 +6710,8 @@
         </p:blipFill>
         <p:spPr>
           <a:xfrm>
-            <a:off x="0" y="819492"/>
-            <a:ext cx="12192000" cy="6038508"/>
+            <a:off x="2890390" y="1447045"/>
+            <a:ext cx="6411220" cy="5410955"/>
           </a:xfrm>
           <a:prstGeom prst="rect">
             <a:avLst/>
@@ -4191,7 +6721,7 @@
     </p:spTree>
     <p:extLst>
       <p:ext uri="{BB962C8B-B14F-4D97-AF65-F5344CB8AC3E}">
-        <p14:creationId xmlns:p14="http://schemas.microsoft.com/office/powerpoint/2010/main" val="4214658824"/>
+        <p14:creationId xmlns:p14="http://schemas.microsoft.com/office/powerpoint/2010/main" val="3687366062"/>
       </p:ext>
     </p:extLst>
   </p:cSld>
@@ -4220,6 +6750,51 @@
       </p:grpSpPr>
       <p:sp>
         <p:nvSpPr>
+          <p:cNvPr id="5" name="직사각형 4"/>
+          <p:cNvSpPr/>
+          <p:nvPr/>
+        </p:nvSpPr>
+        <p:spPr>
+          <a:xfrm>
+            <a:off x="0" y="0"/>
+            <a:ext cx="12192000" cy="6858000"/>
+          </a:xfrm>
+          <a:prstGeom prst="rect">
+            <a:avLst/>
+          </a:prstGeom>
+          <a:solidFill>
+            <a:schemeClr val="accent6">
+              <a:lumMod val="75000"/>
+            </a:schemeClr>
+          </a:solidFill>
+        </p:spPr>
+        <p:style>
+          <a:lnRef idx="2">
+            <a:schemeClr val="accent1">
+              <a:shade val="50000"/>
+            </a:schemeClr>
+          </a:lnRef>
+          <a:fillRef idx="1">
+            <a:schemeClr val="accent1"/>
+          </a:fillRef>
+          <a:effectRef idx="0">
+            <a:schemeClr val="accent1"/>
+          </a:effectRef>
+          <a:fontRef idx="minor">
+            <a:schemeClr val="lt1"/>
+          </a:fontRef>
+        </p:style>
+        <p:txBody>
+          <a:bodyPr rtlCol="0" anchor="ctr"/>
+          <a:lstStyle/>
+          <a:p>
+            <a:pPr algn="ctr"/>
+            <a:endParaRPr lang="ko-KR" altLang="en-US"/>
+          </a:p>
+        </p:txBody>
+      </p:sp>
+      <p:sp>
+        <p:nvSpPr>
           <p:cNvPr id="2" name="제목 1"/>
           <p:cNvSpPr>
             <a:spLocks noGrp="1"/>
@@ -4231,36 +6806,62 @@
         <p:spPr>
           <a:xfrm>
             <a:off x="0" y="0"/>
-            <a:ext cx="12192000" cy="963827"/>
-          </a:xfrm>
+            <a:ext cx="12192000" cy="1325563"/>
+          </a:xfrm>
+          <a:solidFill>
+            <a:schemeClr val="accent6">
+              <a:lumMod val="60000"/>
+              <a:lumOff val="40000"/>
+            </a:schemeClr>
+          </a:solidFill>
         </p:spPr>
         <p:txBody>
           <a:bodyPr/>
           <a:lstStyle/>
           <a:p>
             <a:r>
-              <a:rPr lang="ko-KR" altLang="en-US" dirty="0" smtClean="0"/>
-              <a:t>화면 </a:t>
-            </a:r>
-            <a:r>
-              <a:rPr lang="ko-KR" altLang="en-US" dirty="0" smtClean="0"/>
-              <a:t>설계서</a:t>
-            </a:r>
-            <a:r>
-              <a:rPr lang="en-US" altLang="ko-KR" dirty="0" smtClean="0"/>
+              <a:rPr lang="ko-KR" altLang="en-US" dirty="0" smtClean="0">
+                <a:solidFill>
+                  <a:schemeClr val="accent6">
+                    <a:lumMod val="75000"/>
+                  </a:schemeClr>
+                </a:solidFill>
+              </a:rPr>
+              <a:t>클래스 다이어그램</a:t>
+            </a:r>
+            <a:r>
+              <a:rPr lang="en-US" altLang="ko-KR" dirty="0" smtClean="0">
+                <a:solidFill>
+                  <a:schemeClr val="accent6">
+                    <a:lumMod val="75000"/>
+                  </a:schemeClr>
+                </a:solidFill>
+              </a:rPr>
               <a:t>_</a:t>
             </a:r>
             <a:r>
-              <a:rPr lang="ko-KR" altLang="en-US" dirty="0" err="1" smtClean="0"/>
-              <a:t>재고관리창</a:t>
-            </a:r>
-            <a:endParaRPr lang="ko-KR" altLang="en-US" dirty="0"/>
+              <a:rPr lang="en-US" altLang="ko-KR" dirty="0" err="1" smtClean="0">
+                <a:solidFill>
+                  <a:schemeClr val="accent6">
+                    <a:lumMod val="75000"/>
+                  </a:schemeClr>
+                </a:solidFill>
+              </a:rPr>
+              <a:t>dao</a:t>
+            </a:r>
+            <a:endParaRPr lang="ko-KR" altLang="en-US" dirty="0">
+              <a:solidFill>
+                <a:schemeClr val="accent6">
+                  <a:lumMod val="75000"/>
+                </a:schemeClr>
+              </a:solidFill>
+            </a:endParaRPr>
           </a:p>
         </p:txBody>
       </p:sp>
       <p:pic>
         <p:nvPicPr>
-          <p:cNvPr id="3" name="그림 2"/>
+          <p:cNvPr id="4" name="그림 3"/>
           <p:cNvPicPr>
             <a:picLocks noChangeAspect="1"/>
           </p:cNvPicPr>
@@ -4280,8 +6881,8 @@
         </p:blipFill>
         <p:spPr>
           <a:xfrm>
-            <a:off x="0" y="780108"/>
-            <a:ext cx="12192000" cy="6077892"/>
+            <a:off x="0" y="1325564"/>
+            <a:ext cx="12192000" cy="5532436"/>
           </a:xfrm>
           <a:prstGeom prst="rect">
             <a:avLst/>
@@ -4291,7 +6892,7 @@
     </p:spTree>
     <p:extLst>
       <p:ext uri="{BB962C8B-B14F-4D97-AF65-F5344CB8AC3E}">
-        <p14:creationId xmlns:p14="http://schemas.microsoft.com/office/powerpoint/2010/main" val="2934310916"/>
+        <p14:creationId xmlns:p14="http://schemas.microsoft.com/office/powerpoint/2010/main" val="520646629"/>
       </p:ext>
     </p:extLst>
   </p:cSld>
@@ -4320,47 +6921,52 @@
       </p:grpSpPr>
       <p:sp>
         <p:nvSpPr>
-          <p:cNvPr id="2" name="제목 1"/>
-          <p:cNvSpPr>
-            <a:spLocks noGrp="1"/>
-          </p:cNvSpPr>
-          <p:nvPr>
-            <p:ph type="title"/>
-          </p:nvPr>
+          <p:cNvPr id="4" name="직사각형 3"/>
+          <p:cNvSpPr/>
+          <p:nvPr/>
         </p:nvSpPr>
         <p:spPr>
           <a:xfrm>
             <a:off x="0" y="0"/>
-            <a:ext cx="12192000" cy="963827"/>
-          </a:xfrm>
-        </p:spPr>
-        <p:txBody>
-          <a:bodyPr/>
-          <a:lstStyle/>
-          <a:p>
-            <a:r>
-              <a:rPr lang="ko-KR" altLang="en-US" dirty="0" smtClean="0"/>
-              <a:t>화면 </a:t>
-            </a:r>
-            <a:r>
-              <a:rPr lang="ko-KR" altLang="en-US" dirty="0" smtClean="0"/>
-              <a:t>설계서</a:t>
-            </a:r>
-            <a:r>
-              <a:rPr lang="en-US" altLang="ko-KR" dirty="0" smtClean="0"/>
-              <a:t>_</a:t>
-            </a:r>
-            <a:r>
-              <a:rPr lang="ko-KR" altLang="en-US" dirty="0" err="1" smtClean="0"/>
-              <a:t>제품주문창</a:t>
-            </a:r>
-            <a:endParaRPr lang="ko-KR" altLang="en-US" dirty="0"/>
+            <a:ext cx="12192000" cy="6858000"/>
+          </a:xfrm>
+          <a:prstGeom prst="rect">
+            <a:avLst/>
+          </a:prstGeom>
+          <a:solidFill>
+            <a:schemeClr val="accent6">
+              <a:lumMod val="75000"/>
+            </a:schemeClr>
+          </a:solidFill>
+        </p:spPr>
+        <p:style>
+          <a:lnRef idx="2">
+            <a:schemeClr val="accent1">
+              <a:shade val="50000"/>
+            </a:schemeClr>
+          </a:lnRef>
+          <a:fillRef idx="1">
+            <a:schemeClr val="accent1"/>
+          </a:fillRef>
+          <a:effectRef idx="0">
+            <a:schemeClr val="accent1"/>
+          </a:effectRef>
+          <a:fontRef idx="minor">
+            <a:schemeClr val="lt1"/>
+          </a:fontRef>
+        </p:style>
+        <p:txBody>
+          <a:bodyPr rtlCol="0" anchor="ctr"/>
+          <a:lstStyle/>
+          <a:p>
+            <a:pPr algn="ctr"/>
+            <a:endParaRPr lang="ko-KR" altLang="en-US"/>
           </a:p>
         </p:txBody>
       </p:sp>
       <p:pic>
         <p:nvPicPr>
-          <p:cNvPr id="3" name="그림 2"/>
+          <p:cNvPr id="2" name="그림 1"/>
           <p:cNvPicPr>
             <a:picLocks noChangeAspect="1"/>
           </p:cNvPicPr>
@@ -4380,18 +6986,106 @@
         </p:blipFill>
         <p:spPr>
           <a:xfrm>
-            <a:off x="0" y="963827"/>
-            <a:ext cx="12192000" cy="5894173"/>
+            <a:off x="0" y="840259"/>
+            <a:ext cx="12192000" cy="6017741"/>
           </a:xfrm>
           <a:prstGeom prst="rect">
             <a:avLst/>
           </a:prstGeom>
         </p:spPr>
       </p:pic>
+      <p:sp>
+        <p:nvSpPr>
+          <p:cNvPr id="3" name="제목 1"/>
+          <p:cNvSpPr txBox="1">
+            <a:spLocks/>
+          </p:cNvSpPr>
+          <p:nvPr/>
+        </p:nvSpPr>
+        <p:spPr>
+          <a:xfrm>
+            <a:off x="0" y="0"/>
+            <a:ext cx="12192000" cy="840259"/>
+          </a:xfrm>
+          <a:prstGeom prst="rect">
+            <a:avLst/>
+          </a:prstGeom>
+          <a:solidFill>
+            <a:schemeClr val="accent6">
+              <a:lumMod val="60000"/>
+              <a:lumOff val="40000"/>
+            </a:schemeClr>
+          </a:solidFill>
+        </p:spPr>
+        <p:txBody>
+          <a:bodyPr vert="horz" lIns="91440" tIns="45720" rIns="91440" bIns="45720" rtlCol="0" anchor="b">
+            <a:normAutofit/>
+          </a:bodyPr>
+          <a:lstStyle>
+            <a:lvl1pPr algn="ctr" defTabSz="914400" rtl="0" eaLnBrk="1" latinLnBrk="1" hangingPunct="1">
+              <a:lnSpc>
+                <a:spcPct val="90000"/>
+              </a:lnSpc>
+              <a:spcBef>
+                <a:spcPct val="0"/>
+              </a:spcBef>
+              <a:buNone/>
+              <a:defRPr sz="6000" kern="1200">
+                <a:solidFill>
+                  <a:schemeClr val="tx1"/>
+                </a:solidFill>
+                <a:latin typeface="+mj-lt"/>
+                <a:ea typeface="+mj-ea"/>
+                <a:cs typeface="+mj-cs"/>
+              </a:defRPr>
+            </a:lvl1pPr>
+          </a:lstStyle>
+          <a:p>
+            <a:pPr algn="l"/>
+            <a:r>
+              <a:rPr lang="ko-KR" altLang="en-US" sz="4400" dirty="0" smtClean="0">
+                <a:solidFill>
+                  <a:schemeClr val="accent6">
+                    <a:lumMod val="75000"/>
+                  </a:schemeClr>
+                </a:solidFill>
+              </a:rPr>
+              <a:t>클래스 다이어그램</a:t>
+            </a:r>
+            <a:r>
+              <a:rPr lang="en-US" altLang="ko-KR" sz="4400" dirty="0" smtClean="0">
+                <a:solidFill>
+                  <a:schemeClr val="accent6">
+                    <a:lumMod val="75000"/>
+                  </a:schemeClr>
+                </a:solidFill>
+              </a:rPr>
+              <a:t>_</a:t>
+            </a:r>
+            <a:r>
+              <a:rPr lang="en-US" altLang="ko-KR" sz="4400" dirty="0" err="1" smtClean="0">
+                <a:solidFill>
+                  <a:schemeClr val="accent6">
+                    <a:lumMod val="75000"/>
+                  </a:schemeClr>
+                </a:solidFill>
+              </a:rPr>
+              <a:t>vo</a:t>
+            </a:r>
+            <a:endParaRPr lang="ko-KR" altLang="en-US" sz="4400" dirty="0">
+              <a:solidFill>
+                <a:schemeClr val="accent6">
+                  <a:lumMod val="75000"/>
+                </a:schemeClr>
+              </a:solidFill>
+            </a:endParaRPr>
+          </a:p>
+        </p:txBody>
+      </p:sp>
     </p:spTree>
     <p:extLst>
       <p:ext uri="{BB962C8B-B14F-4D97-AF65-F5344CB8AC3E}">
-        <p14:creationId xmlns:p14="http://schemas.microsoft.com/office/powerpoint/2010/main" val="1158442062"/>
+        <p14:creationId xmlns:p14="http://schemas.microsoft.com/office/powerpoint/2010/main" val="1891440950"/>
       </p:ext>
     </p:extLst>
   </p:cSld>
@@ -4420,47 +7114,97 @@
       </p:grpSpPr>
       <p:sp>
         <p:nvSpPr>
-          <p:cNvPr id="2" name="제목 1"/>
-          <p:cNvSpPr>
-            <a:spLocks noGrp="1"/>
-          </p:cNvSpPr>
-          <p:nvPr>
-            <p:ph type="title"/>
-          </p:nvPr>
+          <p:cNvPr id="5" name="직사각형 4"/>
+          <p:cNvSpPr/>
+          <p:nvPr/>
         </p:nvSpPr>
         <p:spPr>
           <a:xfrm>
             <a:off x="0" y="0"/>
-            <a:ext cx="12192000" cy="963827"/>
-          </a:xfrm>
-        </p:spPr>
-        <p:txBody>
-          <a:bodyPr/>
-          <a:lstStyle/>
-          <a:p>
-            <a:r>
-              <a:rPr lang="ko-KR" altLang="en-US" dirty="0" smtClean="0"/>
-              <a:t>화면 </a:t>
-            </a:r>
-            <a:r>
-              <a:rPr lang="ko-KR" altLang="en-US" dirty="0" smtClean="0"/>
-              <a:t>설계서</a:t>
-            </a:r>
-            <a:r>
-              <a:rPr lang="en-US" altLang="ko-KR" dirty="0" smtClean="0"/>
-              <a:t>_</a:t>
-            </a:r>
-            <a:r>
-              <a:rPr lang="ko-KR" altLang="en-US" dirty="0" smtClean="0"/>
-              <a:t>직원관리화면</a:t>
-            </a:r>
-            <a:endParaRPr lang="ko-KR" altLang="en-US" dirty="0"/>
+            <a:ext cx="12192000" cy="6858000"/>
+          </a:xfrm>
+          <a:prstGeom prst="rect">
+            <a:avLst/>
+          </a:prstGeom>
+          <a:solidFill>
+            <a:schemeClr val="accent6">
+              <a:lumMod val="75000"/>
+            </a:schemeClr>
+          </a:solidFill>
+        </p:spPr>
+        <p:style>
+          <a:lnRef idx="2">
+            <a:schemeClr val="accent1">
+              <a:shade val="50000"/>
+            </a:schemeClr>
+          </a:lnRef>
+          <a:fillRef idx="1">
+            <a:schemeClr val="accent1"/>
+          </a:fillRef>
+          <a:effectRef idx="0">
+            <a:schemeClr val="accent1"/>
+          </a:effectRef>
+          <a:fontRef idx="minor">
+            <a:schemeClr val="lt1"/>
+          </a:fontRef>
+        </p:style>
+        <p:txBody>
+          <a:bodyPr rtlCol="0" anchor="ctr"/>
+          <a:lstStyle/>
+          <a:p>
+            <a:pPr algn="ctr"/>
+            <a:endParaRPr lang="ko-KR" altLang="en-US"/>
+          </a:p>
+        </p:txBody>
+      </p:sp>
+      <p:sp>
+        <p:nvSpPr>
+          <p:cNvPr id="4" name="직사각형 3"/>
+          <p:cNvSpPr/>
+          <p:nvPr/>
+        </p:nvSpPr>
+        <p:spPr>
+          <a:xfrm>
+            <a:off x="0" y="0"/>
+            <a:ext cx="12192000" cy="6858000"/>
+          </a:xfrm>
+          <a:prstGeom prst="rect">
+            <a:avLst/>
+          </a:prstGeom>
+          <a:solidFill>
+            <a:schemeClr val="accent6">
+              <a:lumMod val="75000"/>
+            </a:schemeClr>
+          </a:solidFill>
+        </p:spPr>
+        <p:style>
+          <a:lnRef idx="2">
+            <a:schemeClr val="accent1">
+              <a:shade val="50000"/>
+            </a:schemeClr>
+          </a:lnRef>
+          <a:fillRef idx="1">
+            <a:schemeClr val="accent1"/>
+          </a:fillRef>
+          <a:effectRef idx="0">
+            <a:schemeClr val="accent1"/>
+          </a:effectRef>
+          <a:fontRef idx="minor">
+            <a:schemeClr val="lt1"/>
+          </a:fontRef>
+        </p:style>
+        <p:txBody>
+          <a:bodyPr rtlCol="0" anchor="ctr"/>
+          <a:lstStyle/>
+          <a:p>
+            <a:pPr algn="ctr"/>
+            <a:endParaRPr lang="ko-KR" altLang="en-US"/>
           </a:p>
         </p:txBody>
       </p:sp>
       <p:pic>
         <p:nvPicPr>
-          <p:cNvPr id="3" name="그림 2"/>
+          <p:cNvPr id="2" name="그림 1"/>
           <p:cNvPicPr>
             <a:picLocks noChangeAspect="1"/>
           </p:cNvPicPr>
@@ -4480,18 +7224,106 @@
         </p:blipFill>
         <p:spPr>
           <a:xfrm>
-            <a:off x="0" y="963827"/>
-            <a:ext cx="12192000" cy="5894173"/>
+            <a:off x="0" y="788659"/>
+            <a:ext cx="12192000" cy="6069341"/>
           </a:xfrm>
           <a:prstGeom prst="rect">
             <a:avLst/>
           </a:prstGeom>
         </p:spPr>
       </p:pic>
+      <p:sp>
+        <p:nvSpPr>
+          <p:cNvPr id="3" name="제목 1"/>
+          <p:cNvSpPr txBox="1">
+            <a:spLocks/>
+          </p:cNvSpPr>
+          <p:nvPr/>
+        </p:nvSpPr>
+        <p:spPr>
+          <a:xfrm>
+            <a:off x="0" y="0"/>
+            <a:ext cx="12192000" cy="840259"/>
+          </a:xfrm>
+          <a:prstGeom prst="rect">
+            <a:avLst/>
+          </a:prstGeom>
+          <a:solidFill>
+            <a:schemeClr val="accent6">
+              <a:lumMod val="60000"/>
+              <a:lumOff val="40000"/>
+            </a:schemeClr>
+          </a:solidFill>
+        </p:spPr>
+        <p:txBody>
+          <a:bodyPr vert="horz" lIns="91440" tIns="45720" rIns="91440" bIns="45720" rtlCol="0" anchor="b">
+            <a:normAutofit/>
+          </a:bodyPr>
+          <a:lstStyle>
+            <a:lvl1pPr algn="ctr" defTabSz="914400" rtl="0" eaLnBrk="1" latinLnBrk="1" hangingPunct="1">
+              <a:lnSpc>
+                <a:spcPct val="90000"/>
+              </a:lnSpc>
+              <a:spcBef>
+                <a:spcPct val="0"/>
+              </a:spcBef>
+              <a:buNone/>
+              <a:defRPr sz="6000" kern="1200">
+                <a:solidFill>
+                  <a:schemeClr val="tx1"/>
+                </a:solidFill>
+                <a:latin typeface="+mj-lt"/>
+                <a:ea typeface="+mj-ea"/>
+                <a:cs typeface="+mj-cs"/>
+              </a:defRPr>
+            </a:lvl1pPr>
+          </a:lstStyle>
+          <a:p>
+            <a:pPr algn="l"/>
+            <a:r>
+              <a:rPr lang="ko-KR" altLang="en-US" sz="4400" dirty="0" smtClean="0">
+                <a:solidFill>
+                  <a:schemeClr val="accent6">
+                    <a:lumMod val="75000"/>
+                  </a:schemeClr>
+                </a:solidFill>
+              </a:rPr>
+              <a:t>클래스 다이어그램</a:t>
+            </a:r>
+            <a:r>
+              <a:rPr lang="en-US" altLang="ko-KR" sz="4400" dirty="0" smtClean="0">
+                <a:solidFill>
+                  <a:schemeClr val="accent6">
+                    <a:lumMod val="75000"/>
+                  </a:schemeClr>
+                </a:solidFill>
+              </a:rPr>
+              <a:t>_</a:t>
+            </a:r>
+            <a:r>
+              <a:rPr lang="en-US" altLang="ko-KR" sz="4400" dirty="0" err="1" smtClean="0">
+                <a:solidFill>
+                  <a:schemeClr val="accent6">
+                    <a:lumMod val="75000"/>
+                  </a:schemeClr>
+                </a:solidFill>
+              </a:rPr>
+              <a:t>view_frame</a:t>
+            </a:r>
+            <a:endParaRPr lang="ko-KR" altLang="en-US" sz="4400" dirty="0">
+              <a:solidFill>
+                <a:schemeClr val="accent6">
+                  <a:lumMod val="75000"/>
+                </a:schemeClr>
+              </a:solidFill>
+            </a:endParaRPr>
+          </a:p>
+        </p:txBody>
+      </p:sp>
     </p:spTree>
     <p:extLst>
       <p:ext uri="{BB962C8B-B14F-4D97-AF65-F5344CB8AC3E}">
-        <p14:creationId xmlns:p14="http://schemas.microsoft.com/office/powerpoint/2010/main" val="4005515353"/>
+        <p14:creationId xmlns:p14="http://schemas.microsoft.com/office/powerpoint/2010/main" val="2460632429"/>
       </p:ext>
     </p:extLst>
   </p:cSld>
@@ -4520,39 +7352,52 @@
       </p:grpSpPr>
       <p:sp>
         <p:nvSpPr>
-          <p:cNvPr id="4" name="제목 1"/>
-          <p:cNvSpPr>
-            <a:spLocks noGrp="1"/>
-          </p:cNvSpPr>
-          <p:nvPr>
-            <p:ph type="title"/>
-          </p:nvPr>
+          <p:cNvPr id="4" name="직사각형 3"/>
+          <p:cNvSpPr/>
+          <p:nvPr/>
         </p:nvSpPr>
         <p:spPr>
           <a:xfrm>
             <a:off x="0" y="0"/>
-            <a:ext cx="12192000" cy="1325563"/>
-          </a:xfrm>
-        </p:spPr>
-        <p:txBody>
-          <a:bodyPr/>
-          <a:lstStyle/>
-          <a:p>
-            <a:r>
-              <a:rPr lang="en-US" altLang="ko-KR" dirty="0" smtClean="0"/>
-              <a:t>ER </a:t>
-            </a:r>
-            <a:r>
-              <a:rPr lang="ko-KR" altLang="en-US" dirty="0" smtClean="0"/>
-              <a:t>다이어그램</a:t>
-            </a:r>
-            <a:endParaRPr lang="ko-KR" altLang="en-US" dirty="0"/>
+            <a:ext cx="12192000" cy="6858000"/>
+          </a:xfrm>
+          <a:prstGeom prst="rect">
+            <a:avLst/>
+          </a:prstGeom>
+          <a:solidFill>
+            <a:schemeClr val="accent6">
+              <a:lumMod val="75000"/>
+            </a:schemeClr>
+          </a:solidFill>
+        </p:spPr>
+        <p:style>
+          <a:lnRef idx="2">
+            <a:schemeClr val="accent1">
+              <a:shade val="50000"/>
+            </a:schemeClr>
+          </a:lnRef>
+          <a:fillRef idx="1">
+            <a:schemeClr val="accent1"/>
+          </a:fillRef>
+          <a:effectRef idx="0">
+            <a:schemeClr val="accent1"/>
+          </a:effectRef>
+          <a:fontRef idx="minor">
+            <a:schemeClr val="lt1"/>
+          </a:fontRef>
+        </p:style>
+        <p:txBody>
+          <a:bodyPr rtlCol="0" anchor="ctr"/>
+          <a:lstStyle/>
+          <a:p>
+            <a:pPr algn="ctr"/>
+            <a:endParaRPr lang="ko-KR" altLang="en-US"/>
           </a:p>
         </p:txBody>
       </p:sp>
       <p:pic>
         <p:nvPicPr>
-          <p:cNvPr id="5" name="그림 4"/>
+          <p:cNvPr id="2" name="그림 1"/>
           <p:cNvPicPr>
             <a:picLocks noChangeAspect="1"/>
           </p:cNvPicPr>
@@ -4572,18 +7417,106 @@
         </p:blipFill>
         <p:spPr>
           <a:xfrm>
-            <a:off x="2890390" y="1447045"/>
-            <a:ext cx="6411220" cy="5410955"/>
+            <a:off x="0" y="840259"/>
+            <a:ext cx="12192000" cy="6017741"/>
           </a:xfrm>
           <a:prstGeom prst="rect">
             <a:avLst/>
           </a:prstGeom>
         </p:spPr>
       </p:pic>
+      <p:sp>
+        <p:nvSpPr>
+          <p:cNvPr id="3" name="제목 1"/>
+          <p:cNvSpPr txBox="1">
+            <a:spLocks/>
+          </p:cNvSpPr>
+          <p:nvPr/>
+        </p:nvSpPr>
+        <p:spPr>
+          <a:xfrm>
+            <a:off x="0" y="0"/>
+            <a:ext cx="12192000" cy="840259"/>
+          </a:xfrm>
+          <a:prstGeom prst="rect">
+            <a:avLst/>
+          </a:prstGeom>
+          <a:solidFill>
+            <a:schemeClr val="accent6">
+              <a:lumMod val="60000"/>
+              <a:lumOff val="40000"/>
+            </a:schemeClr>
+          </a:solidFill>
+        </p:spPr>
+        <p:txBody>
+          <a:bodyPr vert="horz" lIns="91440" tIns="45720" rIns="91440" bIns="45720" rtlCol="0" anchor="b">
+            <a:normAutofit/>
+          </a:bodyPr>
+          <a:lstStyle>
+            <a:lvl1pPr algn="ctr" defTabSz="914400" rtl="0" eaLnBrk="1" latinLnBrk="1" hangingPunct="1">
+              <a:lnSpc>
+                <a:spcPct val="90000"/>
+              </a:lnSpc>
+              <a:spcBef>
+                <a:spcPct val="0"/>
+              </a:spcBef>
+              <a:buNone/>
+              <a:defRPr sz="6000" kern="1200">
+                <a:solidFill>
+                  <a:schemeClr val="tx1"/>
+                </a:solidFill>
+                <a:latin typeface="+mj-lt"/>
+                <a:ea typeface="+mj-ea"/>
+                <a:cs typeface="+mj-cs"/>
+              </a:defRPr>
+            </a:lvl1pPr>
+          </a:lstStyle>
+          <a:p>
+            <a:pPr algn="l"/>
+            <a:r>
+              <a:rPr lang="ko-KR" altLang="en-US" sz="4400" dirty="0" smtClean="0">
+                <a:solidFill>
+                  <a:schemeClr val="accent6">
+                    <a:lumMod val="75000"/>
+                  </a:schemeClr>
+                </a:solidFill>
+              </a:rPr>
+              <a:t>클래스 다이어그램</a:t>
+            </a:r>
+            <a:r>
+              <a:rPr lang="en-US" altLang="ko-KR" sz="4400" dirty="0" smtClean="0">
+                <a:solidFill>
+                  <a:schemeClr val="accent6">
+                    <a:lumMod val="75000"/>
+                  </a:schemeClr>
+                </a:solidFill>
+              </a:rPr>
+              <a:t>_</a:t>
+            </a:r>
+            <a:r>
+              <a:rPr lang="en-US" altLang="ko-KR" sz="4400" dirty="0" err="1" smtClean="0">
+                <a:solidFill>
+                  <a:schemeClr val="accent6">
+                    <a:lumMod val="75000"/>
+                  </a:schemeClr>
+                </a:solidFill>
+              </a:rPr>
+              <a:t>view_panel</a:t>
+            </a:r>
+            <a:endParaRPr lang="ko-KR" altLang="en-US" sz="4400" dirty="0">
+              <a:solidFill>
+                <a:schemeClr val="accent6">
+                  <a:lumMod val="75000"/>
+                </a:schemeClr>
+              </a:solidFill>
+            </a:endParaRPr>
+          </a:p>
+        </p:txBody>
+      </p:sp>
     </p:spTree>
     <p:extLst>
       <p:ext uri="{BB962C8B-B14F-4D97-AF65-F5344CB8AC3E}">
-        <p14:creationId xmlns:p14="http://schemas.microsoft.com/office/powerpoint/2010/main" val="3022479088"/>
+        <p14:creationId xmlns:p14="http://schemas.microsoft.com/office/powerpoint/2010/main" val="1207851146"/>
       </p:ext>
     </p:extLst>
   </p:cSld>
